--- a/プレゼン資料/Webアプリ開発発表資料藤谷 - コピー.pptx
+++ b/プレゼン資料/Webアプリ開発発表資料藤谷 - コピー.pptx
@@ -2,7 +2,7 @@
 <file path=ppt/presentation.xml><?xml version="1.0" encoding="utf-8"?>
 <p:presentation xmlns:a="http://schemas.openxmlformats.org/drawingml/2006/main" xmlns:r="http://schemas.openxmlformats.org/officeDocument/2006/relationships" xmlns:p="http://schemas.openxmlformats.org/presentationml/2006/main" saveSubsetFonts="1">
   <p:sldMasterIdLst>
-    <p:sldMasterId id="2147483648" r:id="rId1"/>
+    <p:sldMasterId id="2147483660" r:id="rId1"/>
   </p:sldMasterIdLst>
   <p:notesMasterIdLst>
     <p:notesMasterId r:id="rId13"/>
@@ -24,10 +24,10 @@
   <p:notesSz cx="6858000" cy="9144000"/>
   <p:defaultTextStyle>
     <a:defPPr>
-      <a:defRPr lang="ja-JP"/>
+      <a:defRPr lang="en-US"/>
     </a:defPPr>
-    <a:lvl1pPr marL="0" algn="l" defTabSz="914400" rtl="0" eaLnBrk="1" latinLnBrk="0" hangingPunct="1">
-      <a:defRPr kumimoji="1" sz="1800" kern="1200">
+    <a:lvl1pPr marL="0" algn="l" defTabSz="457200" rtl="0" eaLnBrk="1" latinLnBrk="0" hangingPunct="1">
+      <a:defRPr sz="1800" kern="1200">
         <a:solidFill>
           <a:schemeClr val="tx1"/>
         </a:solidFill>
@@ -36,8 +36,8 @@
         <a:cs typeface="+mn-cs"/>
       </a:defRPr>
     </a:lvl1pPr>
-    <a:lvl2pPr marL="457200" algn="l" defTabSz="914400" rtl="0" eaLnBrk="1" latinLnBrk="0" hangingPunct="1">
-      <a:defRPr kumimoji="1" sz="1800" kern="1200">
+    <a:lvl2pPr marL="457200" algn="l" defTabSz="457200" rtl="0" eaLnBrk="1" latinLnBrk="0" hangingPunct="1">
+      <a:defRPr sz="1800" kern="1200">
         <a:solidFill>
           <a:schemeClr val="tx1"/>
         </a:solidFill>
@@ -46,8 +46,8 @@
         <a:cs typeface="+mn-cs"/>
       </a:defRPr>
     </a:lvl2pPr>
-    <a:lvl3pPr marL="914400" algn="l" defTabSz="914400" rtl="0" eaLnBrk="1" latinLnBrk="0" hangingPunct="1">
-      <a:defRPr kumimoji="1" sz="1800" kern="1200">
+    <a:lvl3pPr marL="914400" algn="l" defTabSz="457200" rtl="0" eaLnBrk="1" latinLnBrk="0" hangingPunct="1">
+      <a:defRPr sz="1800" kern="1200">
         <a:solidFill>
           <a:schemeClr val="tx1"/>
         </a:solidFill>
@@ -56,8 +56,8 @@
         <a:cs typeface="+mn-cs"/>
       </a:defRPr>
     </a:lvl3pPr>
-    <a:lvl4pPr marL="1371600" algn="l" defTabSz="914400" rtl="0" eaLnBrk="1" latinLnBrk="0" hangingPunct="1">
-      <a:defRPr kumimoji="1" sz="1800" kern="1200">
+    <a:lvl4pPr marL="1371600" algn="l" defTabSz="457200" rtl="0" eaLnBrk="1" latinLnBrk="0" hangingPunct="1">
+      <a:defRPr sz="1800" kern="1200">
         <a:solidFill>
           <a:schemeClr val="tx1"/>
         </a:solidFill>
@@ -66,8 +66,8 @@
         <a:cs typeface="+mn-cs"/>
       </a:defRPr>
     </a:lvl4pPr>
-    <a:lvl5pPr marL="1828800" algn="l" defTabSz="914400" rtl="0" eaLnBrk="1" latinLnBrk="0" hangingPunct="1">
-      <a:defRPr kumimoji="1" sz="1800" kern="1200">
+    <a:lvl5pPr marL="1828800" algn="l" defTabSz="457200" rtl="0" eaLnBrk="1" latinLnBrk="0" hangingPunct="1">
+      <a:defRPr sz="1800" kern="1200">
         <a:solidFill>
           <a:schemeClr val="tx1"/>
         </a:solidFill>
@@ -76,8 +76,8 @@
         <a:cs typeface="+mn-cs"/>
       </a:defRPr>
     </a:lvl5pPr>
-    <a:lvl6pPr marL="2286000" algn="l" defTabSz="914400" rtl="0" eaLnBrk="1" latinLnBrk="0" hangingPunct="1">
-      <a:defRPr kumimoji="1" sz="1800" kern="1200">
+    <a:lvl6pPr marL="2286000" algn="l" defTabSz="457200" rtl="0" eaLnBrk="1" latinLnBrk="0" hangingPunct="1">
+      <a:defRPr sz="1800" kern="1200">
         <a:solidFill>
           <a:schemeClr val="tx1"/>
         </a:solidFill>
@@ -86,8 +86,8 @@
         <a:cs typeface="+mn-cs"/>
       </a:defRPr>
     </a:lvl6pPr>
-    <a:lvl7pPr marL="2743200" algn="l" defTabSz="914400" rtl="0" eaLnBrk="1" latinLnBrk="0" hangingPunct="1">
-      <a:defRPr kumimoji="1" sz="1800" kern="1200">
+    <a:lvl7pPr marL="2743200" algn="l" defTabSz="457200" rtl="0" eaLnBrk="1" latinLnBrk="0" hangingPunct="1">
+      <a:defRPr sz="1800" kern="1200">
         <a:solidFill>
           <a:schemeClr val="tx1"/>
         </a:solidFill>
@@ -96,8 +96,8 @@
         <a:cs typeface="+mn-cs"/>
       </a:defRPr>
     </a:lvl7pPr>
-    <a:lvl8pPr marL="3200400" algn="l" defTabSz="914400" rtl="0" eaLnBrk="1" latinLnBrk="0" hangingPunct="1">
-      <a:defRPr kumimoji="1" sz="1800" kern="1200">
+    <a:lvl8pPr marL="3200400" algn="l" defTabSz="457200" rtl="0" eaLnBrk="1" latinLnBrk="0" hangingPunct="1">
+      <a:defRPr sz="1800" kern="1200">
         <a:solidFill>
           <a:schemeClr val="tx1"/>
         </a:solidFill>
@@ -106,8 +106,8 @@
         <a:cs typeface="+mn-cs"/>
       </a:defRPr>
     </a:lvl8pPr>
-    <a:lvl9pPr marL="3657600" algn="l" defTabSz="914400" rtl="0" eaLnBrk="1" latinLnBrk="0" hangingPunct="1">
-      <a:defRPr kumimoji="1" sz="1800" kern="1200">
+    <a:lvl9pPr marL="3657600" algn="l" defTabSz="457200" rtl="0" eaLnBrk="1" latinLnBrk="0" hangingPunct="1">
+      <a:defRPr sz="1800" kern="1200">
         <a:solidFill>
           <a:schemeClr val="tx1"/>
         </a:solidFill>
@@ -219,7 +219,7 @@
           <a:p>
             <a:fld id="{1948D64E-5151-4DBE-B175-EE677850562F}" type="datetimeFigureOut">
               <a:rPr kumimoji="1" lang="ja-JP" altLang="en-US" smtClean="0"/>
-              <a:t>2024/9/13</a:t>
+              <a:t>2024/9/17</a:t>
             </a:fld>
             <a:endParaRPr kumimoji="1" lang="ja-JP" altLang="en-US" dirty="0"/>
           </a:p>
@@ -628,6 +628,295 @@
 </p:notes>
 </file>
 
+<file path=ppt/notesSlides/notesSlide10.xml><?xml version="1.0" encoding="utf-8"?>
+<p:notes xmlns:a="http://schemas.openxmlformats.org/drawingml/2006/main" xmlns:r="http://schemas.openxmlformats.org/officeDocument/2006/relationships" xmlns:p="http://schemas.openxmlformats.org/presentationml/2006/main">
+  <p:cSld>
+    <p:spTree>
+      <p:nvGrpSpPr>
+        <p:cNvPr id="1" name=""/>
+        <p:cNvGrpSpPr/>
+        <p:nvPr/>
+      </p:nvGrpSpPr>
+      <p:grpSpPr>
+        <a:xfrm>
+          <a:off x="0" y="0"/>
+          <a:ext cx="0" cy="0"/>
+          <a:chOff x="0" y="0"/>
+          <a:chExt cx="0" cy="0"/>
+        </a:xfrm>
+      </p:grpSpPr>
+      <p:sp>
+        <p:nvSpPr>
+          <p:cNvPr id="2" name="スライド イメージ プレースホルダー 1"/>
+          <p:cNvSpPr>
+            <a:spLocks noGrp="1" noRot="1" noChangeAspect="1"/>
+          </p:cNvSpPr>
+          <p:nvPr>
+            <p:ph type="sldImg"/>
+          </p:nvPr>
+        </p:nvSpPr>
+        <p:spPr/>
+      </p:sp>
+      <p:sp>
+        <p:nvSpPr>
+          <p:cNvPr id="3" name="ノート プレースホルダー 2"/>
+          <p:cNvSpPr>
+            <a:spLocks noGrp="1"/>
+          </p:cNvSpPr>
+          <p:nvPr>
+            <p:ph type="body" idx="1"/>
+          </p:nvPr>
+        </p:nvSpPr>
+        <p:spPr/>
+        <p:txBody>
+          <a:bodyPr/>
+          <a:lstStyle/>
+          <a:p>
+            <a:r>
+              <a:rPr kumimoji="1" lang="ja-JP" altLang="en-US" dirty="0"/>
+              <a:t>７分で説明（説明４分</a:t>
+            </a:r>
+            <a:r>
+              <a:rPr kumimoji="1" lang="en-US" altLang="ja-JP" dirty="0"/>
+              <a:t>+</a:t>
+            </a:r>
+            <a:r>
+              <a:rPr kumimoji="1" lang="ja-JP" altLang="en-US" dirty="0"/>
+              <a:t>動作３分）、質疑３分？</a:t>
+            </a:r>
+          </a:p>
+        </p:txBody>
+      </p:sp>
+      <p:sp>
+        <p:nvSpPr>
+          <p:cNvPr id="4" name="スライド番号プレースホルダー 3"/>
+          <p:cNvSpPr>
+            <a:spLocks noGrp="1"/>
+          </p:cNvSpPr>
+          <p:nvPr>
+            <p:ph type="sldNum" sz="quarter" idx="5"/>
+          </p:nvPr>
+        </p:nvSpPr>
+        <p:spPr/>
+        <p:txBody>
+          <a:bodyPr/>
+          <a:lstStyle/>
+          <a:p>
+            <a:fld id="{A5242644-000B-428D-938E-DC5A56A37292}" type="slidenum">
+              <a:rPr kumimoji="1" lang="ja-JP" altLang="en-US" smtClean="0"/>
+              <a:t>10</a:t>
+            </a:fld>
+            <a:endParaRPr kumimoji="1" lang="ja-JP" altLang="en-US" dirty="0"/>
+          </a:p>
+        </p:txBody>
+      </p:sp>
+    </p:spTree>
+    <p:extLst>
+      <p:ext uri="{BB962C8B-B14F-4D97-AF65-F5344CB8AC3E}">
+        <p14:creationId xmlns:p14="http://schemas.microsoft.com/office/powerpoint/2010/main" val="3030871763"/>
+      </p:ext>
+    </p:extLst>
+  </p:cSld>
+  <p:clrMapOvr>
+    <a:masterClrMapping/>
+  </p:clrMapOvr>
+</p:notes>
+</file>
+
+<file path=ppt/notesSlides/notesSlide11.xml><?xml version="1.0" encoding="utf-8"?>
+<p:notes xmlns:a="http://schemas.openxmlformats.org/drawingml/2006/main" xmlns:r="http://schemas.openxmlformats.org/officeDocument/2006/relationships" xmlns:p="http://schemas.openxmlformats.org/presentationml/2006/main">
+  <p:cSld>
+    <p:spTree>
+      <p:nvGrpSpPr>
+        <p:cNvPr id="1" name=""/>
+        <p:cNvGrpSpPr/>
+        <p:nvPr/>
+      </p:nvGrpSpPr>
+      <p:grpSpPr>
+        <a:xfrm>
+          <a:off x="0" y="0"/>
+          <a:ext cx="0" cy="0"/>
+          <a:chOff x="0" y="0"/>
+          <a:chExt cx="0" cy="0"/>
+        </a:xfrm>
+      </p:grpSpPr>
+      <p:sp>
+        <p:nvSpPr>
+          <p:cNvPr id="2" name="スライド イメージ プレースホルダー 1"/>
+          <p:cNvSpPr>
+            <a:spLocks noGrp="1" noRot="1" noChangeAspect="1"/>
+          </p:cNvSpPr>
+          <p:nvPr>
+            <p:ph type="sldImg"/>
+          </p:nvPr>
+        </p:nvSpPr>
+        <p:spPr/>
+      </p:sp>
+      <p:sp>
+        <p:nvSpPr>
+          <p:cNvPr id="3" name="ノート プレースホルダー 2"/>
+          <p:cNvSpPr>
+            <a:spLocks noGrp="1"/>
+          </p:cNvSpPr>
+          <p:nvPr>
+            <p:ph type="body" idx="1"/>
+          </p:nvPr>
+        </p:nvSpPr>
+        <p:spPr/>
+        <p:txBody>
+          <a:bodyPr/>
+          <a:lstStyle/>
+          <a:p>
+            <a:pPr marL="0" marR="0" lvl="0" indent="0" algn="l" defTabSz="914400" rtl="0" eaLnBrk="1" fontAlgn="auto" latinLnBrk="0" hangingPunct="1">
+              <a:lnSpc>
+                <a:spcPct val="100000"/>
+              </a:lnSpc>
+              <a:spcBef>
+                <a:spcPts val="0"/>
+              </a:spcBef>
+              <a:spcAft>
+                <a:spcPts val="0"/>
+              </a:spcAft>
+              <a:buClrTx/>
+              <a:buSzTx/>
+              <a:buFontTx/>
+              <a:buNone/>
+              <a:tabLst/>
+              <a:defRPr/>
+            </a:pPr>
+            <a:r>
+              <a:rPr kumimoji="1" lang="ja-JP" altLang="en-US" dirty="0"/>
+              <a:t>実際には時間の関係上で実現出来なかったが、計画したもののやりたい事が実現出来なかった事があったので</a:t>
+            </a:r>
+            <a:endParaRPr kumimoji="1" lang="en-US" altLang="ja-JP" dirty="0"/>
+          </a:p>
+          <a:p>
+            <a:r>
+              <a:rPr kumimoji="1" lang="ja-JP" altLang="en-US" dirty="0"/>
+              <a:t>今後に活用したい。</a:t>
+            </a:r>
+            <a:br>
+              <a:rPr kumimoji="1" lang="en-US" altLang="ja-JP" dirty="0"/>
+            </a:br>
+            <a:r>
+              <a:rPr kumimoji="1" lang="ja-JP" altLang="en-US" dirty="0"/>
+              <a:t>出来るだけｃｓｓなどの装飾シンプルなデザインにこだわりました。</a:t>
+            </a:r>
+            <a:endParaRPr kumimoji="1" lang="en-US" altLang="ja-JP" dirty="0"/>
+          </a:p>
+          <a:p>
+            <a:br>
+              <a:rPr kumimoji="1" lang="en-US" altLang="ja-JP" dirty="0"/>
+            </a:br>
+            <a:r>
+              <a:rPr kumimoji="1" lang="ja-JP" altLang="en-US" dirty="0"/>
+              <a:t>変更処理は作成しなかったのか、</a:t>
+            </a:r>
+            <a:endParaRPr kumimoji="1" lang="en-US" altLang="ja-JP" dirty="0"/>
+          </a:p>
+          <a:p>
+            <a:r>
+              <a:rPr kumimoji="1" lang="ja-JP" altLang="en-US" dirty="0"/>
+              <a:t>詳細の部分で今月の売上合計、何月に何千万、など売り上げに応じてコメントで対応できるように</a:t>
+            </a:r>
+            <a:br>
+              <a:rPr kumimoji="1" lang="en-US" altLang="ja-JP" dirty="0"/>
+            </a:br>
+            <a:r>
+              <a:rPr kumimoji="1" lang="ja-JP" altLang="en-US" dirty="0"/>
+              <a:t>誤入力した際に</a:t>
+            </a:r>
+            <a:br>
+              <a:rPr kumimoji="1" lang="en-US" altLang="ja-JP" dirty="0"/>
+            </a:br>
+            <a:br>
+              <a:rPr kumimoji="1" lang="en-US" altLang="ja-JP" dirty="0"/>
+            </a:br>
+            <a:r>
+              <a:rPr kumimoji="1" lang="ja-JP" altLang="en-US" dirty="0"/>
+              <a:t>Ｃ</a:t>
+            </a:r>
+            <a:r>
+              <a:rPr kumimoji="1" lang="en-US" altLang="ja-JP" dirty="0"/>
+              <a:t>SV</a:t>
+            </a:r>
+            <a:r>
+              <a:rPr kumimoji="1" lang="ja-JP" altLang="en-US" dirty="0"/>
+              <a:t>ファイルにまとめて、１か月分の売り上げを１０枚ぐらいにまとめて一括保存できるようにして効率化をはかるなど。</a:t>
+            </a:r>
+            <a:br>
+              <a:rPr kumimoji="1" lang="en-US" altLang="ja-JP" dirty="0"/>
+            </a:br>
+            <a:r>
+              <a:rPr kumimoji="1" lang="en-US" altLang="ja-JP" dirty="0"/>
+              <a:t>ID</a:t>
+            </a:r>
+            <a:r>
+              <a:rPr kumimoji="1" lang="ja-JP" altLang="en-US" dirty="0"/>
+              <a:t>で店舗の判別をしている。</a:t>
+            </a:r>
+            <a:br>
+              <a:rPr kumimoji="1" lang="en-US" altLang="ja-JP" dirty="0"/>
+            </a:br>
+            <a:br>
+              <a:rPr kumimoji="1" lang="en-US" altLang="ja-JP" dirty="0"/>
+            </a:br>
+            <a:br>
+              <a:rPr kumimoji="1" lang="en-US" altLang="ja-JP" dirty="0"/>
+            </a:br>
+            <a:r>
+              <a:rPr kumimoji="1" lang="ja-JP" altLang="en-US" dirty="0"/>
+              <a:t>管理システムを開発しているところが</a:t>
+            </a:r>
+            <a:br>
+              <a:rPr kumimoji="1" lang="en-US" altLang="ja-JP" dirty="0"/>
+            </a:br>
+            <a:r>
+              <a:rPr kumimoji="1" lang="ja-JP" altLang="en-US" dirty="0"/>
+              <a:t>今後の業務に繋がるのでは</a:t>
+            </a:r>
+          </a:p>
+          <a:p>
+            <a:endParaRPr kumimoji="1" lang="ja-JP" altLang="en-US" dirty="0"/>
+          </a:p>
+        </p:txBody>
+      </p:sp>
+      <p:sp>
+        <p:nvSpPr>
+          <p:cNvPr id="4" name="スライド番号プレースホルダー 3"/>
+          <p:cNvSpPr>
+            <a:spLocks noGrp="1"/>
+          </p:cNvSpPr>
+          <p:nvPr>
+            <p:ph type="sldNum" sz="quarter" idx="5"/>
+          </p:nvPr>
+        </p:nvSpPr>
+        <p:spPr/>
+        <p:txBody>
+          <a:bodyPr/>
+          <a:lstStyle/>
+          <a:p>
+            <a:fld id="{A5242644-000B-428D-938E-DC5A56A37292}" type="slidenum">
+              <a:rPr kumimoji="1" lang="ja-JP" altLang="en-US" smtClean="0"/>
+              <a:t>11</a:t>
+            </a:fld>
+            <a:endParaRPr kumimoji="1" lang="ja-JP" altLang="en-US" dirty="0"/>
+          </a:p>
+        </p:txBody>
+      </p:sp>
+    </p:spTree>
+    <p:extLst>
+      <p:ext uri="{BB962C8B-B14F-4D97-AF65-F5344CB8AC3E}">
+        <p14:creationId xmlns:p14="http://schemas.microsoft.com/office/powerpoint/2010/main" val="258214450"/>
+      </p:ext>
+    </p:extLst>
+  </p:cSld>
+  <p:clrMapOvr>
+    <a:masterClrMapping/>
+  </p:clrMapOvr>
+</p:notes>
+</file>
+
 <file path=ppt/notesSlides/notesSlide2.xml><?xml version="1.0" encoding="utf-8"?>
 <p:notes xmlns:a="http://schemas.openxmlformats.org/drawingml/2006/main" xmlns:r="http://schemas.openxmlformats.org/officeDocument/2006/relationships" xmlns:p="http://schemas.openxmlformats.org/presentationml/2006/main">
   <p:cSld>
@@ -1547,18 +1836,24 @@
           <a:bodyPr/>
           <a:lstStyle/>
           <a:p>
-            <a:r>
-              <a:rPr kumimoji="1" lang="ja-JP" altLang="en-US" dirty="0"/>
-              <a:t>Ｃ</a:t>
-            </a:r>
-            <a:r>
-              <a:rPr kumimoji="1" lang="en-US" altLang="ja-JP" dirty="0"/>
-              <a:t>SV</a:t>
-            </a:r>
-            <a:r>
-              <a:rPr kumimoji="1" lang="ja-JP" altLang="en-US" dirty="0"/>
-              <a:t>ファイルにまとめて、１か月分の売り上げを１０枚ぐらいにまとめて一括保存できるように。</a:t>
-            </a:r>
+            <a:pPr marL="0" marR="0" lvl="0" indent="0" algn="l" defTabSz="914400" rtl="0" eaLnBrk="1" fontAlgn="auto" latinLnBrk="0" hangingPunct="1">
+              <a:lnSpc>
+                <a:spcPct val="100000"/>
+              </a:lnSpc>
+              <a:spcBef>
+                <a:spcPts val="0"/>
+              </a:spcBef>
+              <a:spcAft>
+                <a:spcPts val="0"/>
+              </a:spcAft>
+              <a:buClrTx/>
+              <a:buSzTx/>
+              <a:buFontTx/>
+              <a:buNone/>
+              <a:tabLst/>
+              <a:defRPr/>
+            </a:pPr>
+            <a:endParaRPr kumimoji="1" lang="ja-JP" altLang="en-US" dirty="0"/>
           </a:p>
         </p:txBody>
       </p:sp>
@@ -1599,7 +1894,7 @@
 </file>
 
 <file path=ppt/slideLayouts/slideLayout1.xml><?xml version="1.0" encoding="utf-8"?>
-<p:sldLayout xmlns:a="http://schemas.openxmlformats.org/drawingml/2006/main" xmlns:r="http://schemas.openxmlformats.org/officeDocument/2006/relationships" xmlns:p="http://schemas.openxmlformats.org/presentationml/2006/main" type="title" preserve="1">
+<p:sldLayout xmlns:a="http://schemas.openxmlformats.org/drawingml/2006/main" xmlns:r="http://schemas.openxmlformats.org/officeDocument/2006/relationships" xmlns:p="http://schemas.openxmlformats.org/presentationml/2006/main" showMasterSp="0" type="title" preserve="1">
   <p:cSld name="タイトル スライド">
     <p:spTree>
       <p:nvGrpSpPr>
@@ -1617,50 +1912,127 @@
       </p:grpSpPr>
       <p:sp>
         <p:nvSpPr>
-          <p:cNvPr id="2" name="タイトル 1">
-            <a:extLst>
-              <a:ext uri="{FF2B5EF4-FFF2-40B4-BE49-F238E27FC236}">
-                <a16:creationId xmlns:a16="http://schemas.microsoft.com/office/drawing/2014/main" id="{EC82EBF8-FA9B-4F57-9286-10E82E8101E7}"/>
-              </a:ext>
-            </a:extLst>
-          </p:cNvPr>
-          <p:cNvSpPr>
-            <a:spLocks noGrp="1"/>
-          </p:cNvSpPr>
-          <p:nvPr>
-            <p:ph type="ctrTitle"/>
-          </p:nvPr>
+          <p:cNvPr id="7" name="Rectangle 6"/>
+          <p:cNvSpPr/>
+          <p:nvPr/>
         </p:nvSpPr>
         <p:spPr>
           <a:xfrm>
-            <a:off x="1524000" y="1122363"/>
-            <a:ext cx="9144000" cy="2387600"/>
+            <a:off x="3175" y="6400800"/>
+            <a:ext cx="12188825" cy="457200"/>
+          </a:xfrm>
+          <a:prstGeom prst="rect">
+            <a:avLst/>
+          </a:prstGeom>
+          <a:solidFill>
+            <a:schemeClr val="accent2"/>
+          </a:solidFill>
+          <a:ln>
+            <a:noFill/>
+          </a:ln>
+        </p:spPr>
+        <p:style>
+          <a:lnRef idx="2">
+            <a:schemeClr val="accent1">
+              <a:shade val="50000"/>
+            </a:schemeClr>
+          </a:lnRef>
+          <a:fillRef idx="1">
+            <a:schemeClr val="accent1"/>
+          </a:fillRef>
+          <a:effectRef idx="0">
+            <a:schemeClr val="accent1"/>
+          </a:effectRef>
+          <a:fontRef idx="minor">
+            <a:schemeClr val="lt1"/>
+          </a:fontRef>
+        </p:style>
+      </p:sp>
+      <p:sp>
+        <p:nvSpPr>
+          <p:cNvPr id="8" name="Rectangle 7"/>
+          <p:cNvSpPr/>
+          <p:nvPr/>
+        </p:nvSpPr>
+        <p:spPr>
+          <a:xfrm>
+            <a:off x="15" y="6334316"/>
+            <a:ext cx="12188825" cy="64008"/>
+          </a:xfrm>
+          <a:prstGeom prst="rect">
+            <a:avLst/>
+          </a:prstGeom>
+          <a:solidFill>
+            <a:schemeClr val="accent1"/>
+          </a:solidFill>
+          <a:ln>
+            <a:noFill/>
+          </a:ln>
+        </p:spPr>
+        <p:style>
+          <a:lnRef idx="2">
+            <a:schemeClr val="accent1">
+              <a:shade val="50000"/>
+            </a:schemeClr>
+          </a:lnRef>
+          <a:fillRef idx="1">
+            <a:schemeClr val="accent1"/>
+          </a:fillRef>
+          <a:effectRef idx="0">
+            <a:schemeClr val="accent1"/>
+          </a:effectRef>
+          <a:fontRef idx="minor">
+            <a:schemeClr val="lt1"/>
+          </a:fontRef>
+        </p:style>
+      </p:sp>
+      <p:sp>
+        <p:nvSpPr>
+          <p:cNvPr id="2" name="Title 1"/>
+          <p:cNvSpPr>
+            <a:spLocks noGrp="1"/>
+          </p:cNvSpPr>
+          <p:nvPr>
+            <p:ph type="ctrTitle"/>
+          </p:nvPr>
+        </p:nvSpPr>
+        <p:spPr>
+          <a:xfrm>
+            <a:off x="1097280" y="758952"/>
+            <a:ext cx="10058400" cy="3566160"/>
           </a:xfrm>
         </p:spPr>
         <p:txBody>
-          <a:bodyPr anchor="b"/>
+          <a:bodyPr anchor="b">
+            <a:normAutofit/>
+          </a:bodyPr>
           <a:lstStyle>
-            <a:lvl1pPr algn="ctr">
-              <a:defRPr sz="6000"/>
+            <a:lvl1pPr algn="l">
+              <a:lnSpc>
+                <a:spcPct val="85000"/>
+              </a:lnSpc>
+              <a:defRPr sz="8000" spc="-50" baseline="0">
+                <a:solidFill>
+                  <a:schemeClr val="tx1">
+                    <a:lumMod val="85000"/>
+                    <a:lumOff val="15000"/>
+                  </a:schemeClr>
+                </a:solidFill>
+              </a:defRPr>
             </a:lvl1pPr>
           </a:lstStyle>
           <a:p>
             <a:r>
-              <a:rPr kumimoji="1" lang="ja-JP" altLang="en-US"/>
+              <a:rPr lang="ja-JP" altLang="en-US"/>
               <a:t>マスター タイトルの書式設定</a:t>
             </a:r>
-          </a:p>
-        </p:txBody>
-      </p:sp>
-      <p:sp>
-        <p:nvSpPr>
-          <p:cNvPr id="3" name="字幕 2">
-            <a:extLst>
-              <a:ext uri="{FF2B5EF4-FFF2-40B4-BE49-F238E27FC236}">
-                <a16:creationId xmlns:a16="http://schemas.microsoft.com/office/drawing/2014/main" id="{105C24BB-E92A-47D7-B78E-124E729A0441}"/>
-              </a:ext>
-            </a:extLst>
-          </p:cNvPr>
+            <a:endParaRPr lang="en-US" dirty="0"/>
+          </a:p>
+        </p:txBody>
+      </p:sp>
+      <p:sp>
+        <p:nvSpPr>
+          <p:cNvPr id="3" name="Subtitle 2"/>
           <p:cNvSpPr>
             <a:spLocks noGrp="1"/>
           </p:cNvSpPr>
@@ -1670,67 +2042,69 @@
         </p:nvSpPr>
         <p:spPr>
           <a:xfrm>
-            <a:off x="1524000" y="3602038"/>
-            <a:ext cx="9144000" cy="1655762"/>
+            <a:off x="1100051" y="4455620"/>
+            <a:ext cx="10058400" cy="1143000"/>
           </a:xfrm>
         </p:spPr>
         <p:txBody>
-          <a:bodyPr/>
+          <a:bodyPr lIns="91440" rIns="91440">
+            <a:normAutofit/>
+          </a:bodyPr>
           <a:lstStyle>
-            <a:lvl1pPr marL="0" indent="0" algn="ctr">
+            <a:lvl1pPr marL="0" indent="0" algn="l">
               <a:buNone/>
-              <a:defRPr sz="2400"/>
+              <a:defRPr sz="2400" cap="all" spc="200" baseline="0">
+                <a:solidFill>
+                  <a:schemeClr val="tx2"/>
+                </a:solidFill>
+                <a:latin typeface="+mj-lt"/>
+              </a:defRPr>
             </a:lvl1pPr>
             <a:lvl2pPr marL="457200" indent="0" algn="ctr">
               <a:buNone/>
-              <a:defRPr sz="2000"/>
+              <a:defRPr sz="2400"/>
             </a:lvl2pPr>
             <a:lvl3pPr marL="914400" indent="0" algn="ctr">
               <a:buNone/>
-              <a:defRPr sz="1800"/>
+              <a:defRPr sz="2400"/>
             </a:lvl3pPr>
             <a:lvl4pPr marL="1371600" indent="0" algn="ctr">
               <a:buNone/>
-              <a:defRPr sz="1600"/>
+              <a:defRPr sz="2000"/>
             </a:lvl4pPr>
             <a:lvl5pPr marL="1828800" indent="0" algn="ctr">
               <a:buNone/>
-              <a:defRPr sz="1600"/>
+              <a:defRPr sz="2000"/>
             </a:lvl5pPr>
             <a:lvl6pPr marL="2286000" indent="0" algn="ctr">
               <a:buNone/>
-              <a:defRPr sz="1600"/>
+              <a:defRPr sz="2000"/>
             </a:lvl6pPr>
             <a:lvl7pPr marL="2743200" indent="0" algn="ctr">
               <a:buNone/>
-              <a:defRPr sz="1600"/>
+              <a:defRPr sz="2000"/>
             </a:lvl7pPr>
             <a:lvl8pPr marL="3200400" indent="0" algn="ctr">
               <a:buNone/>
-              <a:defRPr sz="1600"/>
+              <a:defRPr sz="2000"/>
             </a:lvl8pPr>
             <a:lvl9pPr marL="3657600" indent="0" algn="ctr">
               <a:buNone/>
-              <a:defRPr sz="1600"/>
+              <a:defRPr sz="2000"/>
             </a:lvl9pPr>
           </a:lstStyle>
           <a:p>
             <a:r>
-              <a:rPr kumimoji="1" lang="ja-JP" altLang="en-US"/>
+              <a:rPr lang="ja-JP" altLang="en-US"/>
               <a:t>マスター サブタイトルの書式設定</a:t>
             </a:r>
-          </a:p>
-        </p:txBody>
-      </p:sp>
-      <p:sp>
-        <p:nvSpPr>
-          <p:cNvPr id="4" name="日付プレースホルダー 3">
-            <a:extLst>
-              <a:ext uri="{FF2B5EF4-FFF2-40B4-BE49-F238E27FC236}">
-                <a16:creationId xmlns:a16="http://schemas.microsoft.com/office/drawing/2014/main" id="{0D66EC13-3E6A-4EAB-AED8-37B837CD6390}"/>
-              </a:ext>
-            </a:extLst>
-          </p:cNvPr>
+            <a:endParaRPr lang="en-US" dirty="0"/>
+          </a:p>
+        </p:txBody>
+      </p:sp>
+      <p:sp>
+        <p:nvSpPr>
+          <p:cNvPr id="4" name="Date Placeholder 3"/>
           <p:cNvSpPr>
             <a:spLocks noGrp="1"/>
           </p:cNvSpPr>
@@ -1745,7 +2119,7 @@
           <a:p>
             <a:fld id="{C7088D3D-165A-46EA-B7B0-B1C3789A41AB}" type="datetimeFigureOut">
               <a:rPr kumimoji="1" lang="ja-JP" altLang="en-US" smtClean="0"/>
-              <a:t>2024/9/13</a:t>
+              <a:t>2024/9/17</a:t>
             </a:fld>
             <a:endParaRPr kumimoji="1" lang="ja-JP" altLang="en-US" dirty="0"/>
           </a:p>
@@ -1753,13 +2127,7 @@
       </p:sp>
       <p:sp>
         <p:nvSpPr>
-          <p:cNvPr id="5" name="フッター プレースホルダー 4">
-            <a:extLst>
-              <a:ext uri="{FF2B5EF4-FFF2-40B4-BE49-F238E27FC236}">
-                <a16:creationId xmlns:a16="http://schemas.microsoft.com/office/drawing/2014/main" id="{B5476337-511A-4A61-B4CF-DAA18D4631F2}"/>
-              </a:ext>
-            </a:extLst>
-          </p:cNvPr>
+          <p:cNvPr id="5" name="Footer Placeholder 4"/>
           <p:cNvSpPr>
             <a:spLocks noGrp="1"/>
           </p:cNvSpPr>
@@ -1778,13 +2146,7 @@
       </p:sp>
       <p:sp>
         <p:nvSpPr>
-          <p:cNvPr id="6" name="スライド番号プレースホルダー 5">
-            <a:extLst>
-              <a:ext uri="{FF2B5EF4-FFF2-40B4-BE49-F238E27FC236}">
-                <a16:creationId xmlns:a16="http://schemas.microsoft.com/office/drawing/2014/main" id="{C5B2C2B3-28CA-40CB-8097-EDC0F8B5E128}"/>
-              </a:ext>
-            </a:extLst>
-          </p:cNvPr>
+          <p:cNvPr id="6" name="Slide Number Placeholder 5"/>
           <p:cNvSpPr>
             <a:spLocks noGrp="1"/>
           </p:cNvSpPr>
@@ -1805,10 +2167,48 @@
           </a:p>
         </p:txBody>
       </p:sp>
+      <p:cxnSp>
+        <p:nvCxnSpPr>
+          <p:cNvPr id="9" name="Straight Connector 8"/>
+          <p:cNvCxnSpPr/>
+          <p:nvPr/>
+        </p:nvCxnSpPr>
+        <p:spPr>
+          <a:xfrm>
+            <a:off x="1207658" y="4343400"/>
+            <a:ext cx="9875520" cy="0"/>
+          </a:xfrm>
+          <a:prstGeom prst="line">
+            <a:avLst/>
+          </a:prstGeom>
+          <a:ln w="6350">
+            <a:solidFill>
+              <a:schemeClr val="tx1">
+                <a:lumMod val="50000"/>
+                <a:lumOff val="50000"/>
+              </a:schemeClr>
+            </a:solidFill>
+          </a:ln>
+        </p:spPr>
+        <p:style>
+          <a:lnRef idx="1">
+            <a:schemeClr val="accent1"/>
+          </a:lnRef>
+          <a:fillRef idx="0">
+            <a:schemeClr val="accent1"/>
+          </a:fillRef>
+          <a:effectRef idx="0">
+            <a:schemeClr val="accent1"/>
+          </a:effectRef>
+          <a:fontRef idx="minor">
+            <a:schemeClr val="tx1"/>
+          </a:fontRef>
+        </p:style>
+      </p:cxnSp>
     </p:spTree>
     <p:extLst>
       <p:ext uri="{BB962C8B-B14F-4D97-AF65-F5344CB8AC3E}">
-        <p14:creationId xmlns:p14="http://schemas.microsoft.com/office/powerpoint/2010/main" val="279463762"/>
+        <p14:creationId xmlns:p14="http://schemas.microsoft.com/office/powerpoint/2010/main" val="1538950086"/>
       </p:ext>
     </p:extLst>
   </p:cSld>
@@ -1849,13 +2249,7 @@
       </p:grpSpPr>
       <p:sp>
         <p:nvSpPr>
-          <p:cNvPr id="2" name="タイトル 1">
-            <a:extLst>
-              <a:ext uri="{FF2B5EF4-FFF2-40B4-BE49-F238E27FC236}">
-                <a16:creationId xmlns:a16="http://schemas.microsoft.com/office/drawing/2014/main" id="{7AEFEB8D-5D4B-44A9-98AD-E792FBFD7DF8}"/>
-              </a:ext>
-            </a:extLst>
-          </p:cNvPr>
+          <p:cNvPr id="2" name="Title 1"/>
           <p:cNvSpPr>
             <a:spLocks noGrp="1"/>
           </p:cNvSpPr>
@@ -1869,21 +2263,16 @@
           <a:lstStyle/>
           <a:p>
             <a:r>
-              <a:rPr kumimoji="1" lang="ja-JP" altLang="en-US"/>
+              <a:rPr lang="ja-JP" altLang="en-US"/>
               <a:t>マスター タイトルの書式設定</a:t>
             </a:r>
-          </a:p>
-        </p:txBody>
-      </p:sp>
-      <p:sp>
-        <p:nvSpPr>
-          <p:cNvPr id="3" name="縦書きテキスト プレースホルダー 2">
-            <a:extLst>
-              <a:ext uri="{FF2B5EF4-FFF2-40B4-BE49-F238E27FC236}">
-                <a16:creationId xmlns:a16="http://schemas.microsoft.com/office/drawing/2014/main" id="{01A79B47-6425-4AAF-B039-2D441FD77696}"/>
-              </a:ext>
-            </a:extLst>
-          </p:cNvPr>
+            <a:endParaRPr lang="en-US" dirty="0"/>
+          </a:p>
+        </p:txBody>
+      </p:sp>
+      <p:sp>
+        <p:nvSpPr>
+          <p:cNvPr id="3" name="Vertical Text Placeholder 2"/>
           <p:cNvSpPr>
             <a:spLocks noGrp="1"/>
           </p:cNvSpPr>
@@ -1893,86 +2282,81 @@
         </p:nvSpPr>
         <p:spPr/>
         <p:txBody>
-          <a:bodyPr vert="eaVert"/>
+          <a:bodyPr vert="eaVert" lIns="45720" tIns="0" rIns="45720" bIns="0"/>
           <a:lstStyle/>
           <a:p>
             <a:pPr lvl="0"/>
             <a:r>
-              <a:rPr kumimoji="1" lang="ja-JP" altLang="en-US"/>
+              <a:rPr lang="ja-JP" altLang="en-US"/>
               <a:t>マスター テキストの書式設定</a:t>
             </a:r>
           </a:p>
           <a:p>
             <a:pPr lvl="1"/>
             <a:r>
-              <a:rPr kumimoji="1" lang="ja-JP" altLang="en-US"/>
+              <a:rPr lang="ja-JP" altLang="en-US"/>
               <a:t>第 </a:t>
             </a:r>
             <a:r>
-              <a:rPr kumimoji="1" lang="en-US" altLang="ja-JP"/>
+              <a:rPr lang="en-US" altLang="ja-JP"/>
               <a:t>2 </a:t>
             </a:r>
             <a:r>
-              <a:rPr kumimoji="1" lang="ja-JP" altLang="en-US"/>
+              <a:rPr lang="ja-JP" altLang="en-US"/>
               <a:t>レベル</a:t>
             </a:r>
           </a:p>
           <a:p>
             <a:pPr lvl="2"/>
             <a:r>
-              <a:rPr kumimoji="1" lang="ja-JP" altLang="en-US"/>
+              <a:rPr lang="ja-JP" altLang="en-US"/>
               <a:t>第 </a:t>
             </a:r>
             <a:r>
-              <a:rPr kumimoji="1" lang="en-US" altLang="ja-JP"/>
+              <a:rPr lang="en-US" altLang="ja-JP"/>
               <a:t>3 </a:t>
             </a:r>
             <a:r>
-              <a:rPr kumimoji="1" lang="ja-JP" altLang="en-US"/>
+              <a:rPr lang="ja-JP" altLang="en-US"/>
               <a:t>レベル</a:t>
             </a:r>
           </a:p>
           <a:p>
             <a:pPr lvl="3"/>
             <a:r>
-              <a:rPr kumimoji="1" lang="ja-JP" altLang="en-US"/>
+              <a:rPr lang="ja-JP" altLang="en-US"/>
               <a:t>第 </a:t>
             </a:r>
             <a:r>
-              <a:rPr kumimoji="1" lang="en-US" altLang="ja-JP"/>
+              <a:rPr lang="en-US" altLang="ja-JP"/>
               <a:t>4 </a:t>
             </a:r>
             <a:r>
-              <a:rPr kumimoji="1" lang="ja-JP" altLang="en-US"/>
+              <a:rPr lang="ja-JP" altLang="en-US"/>
               <a:t>レベル</a:t>
             </a:r>
           </a:p>
           <a:p>
             <a:pPr lvl="4"/>
             <a:r>
-              <a:rPr kumimoji="1" lang="ja-JP" altLang="en-US"/>
+              <a:rPr lang="ja-JP" altLang="en-US"/>
               <a:t>第 </a:t>
             </a:r>
             <a:r>
-              <a:rPr kumimoji="1" lang="en-US" altLang="ja-JP"/>
+              <a:rPr lang="en-US" altLang="ja-JP"/>
               <a:t>5 </a:t>
             </a:r>
             <a:r>
-              <a:rPr kumimoji="1" lang="ja-JP" altLang="en-US"/>
+              <a:rPr lang="ja-JP" altLang="en-US"/>
               <a:t>レベル</a:t>
             </a:r>
-          </a:p>
-        </p:txBody>
-      </p:sp>
-      <p:sp>
-        <p:nvSpPr>
-          <p:cNvPr id="4" name="日付プレースホルダー 3">
-            <a:extLst>
-              <a:ext uri="{FF2B5EF4-FFF2-40B4-BE49-F238E27FC236}">
-                <a16:creationId xmlns:a16="http://schemas.microsoft.com/office/drawing/2014/main" id="{4C75E1CB-C619-4F43-9EA5-996A1ACFEB8C}"/>
-              </a:ext>
-            </a:extLst>
-          </p:cNvPr>
+            <a:endParaRPr lang="en-US" dirty="0"/>
+          </a:p>
+        </p:txBody>
+      </p:sp>
+      <p:sp>
+        <p:nvSpPr>
+          <p:cNvPr id="4" name="Date Placeholder 3"/>
           <p:cNvSpPr>
             <a:spLocks noGrp="1"/>
           </p:cNvSpPr>
@@ -1987,7 +2371,7 @@
           <a:p>
             <a:fld id="{C7088D3D-165A-46EA-B7B0-B1C3789A41AB}" type="datetimeFigureOut">
               <a:rPr kumimoji="1" lang="ja-JP" altLang="en-US" smtClean="0"/>
-              <a:t>2024/9/13</a:t>
+              <a:t>2024/9/17</a:t>
             </a:fld>
             <a:endParaRPr kumimoji="1" lang="ja-JP" altLang="en-US" dirty="0"/>
           </a:p>
@@ -1995,13 +2379,7 @@
       </p:sp>
       <p:sp>
         <p:nvSpPr>
-          <p:cNvPr id="5" name="フッター プレースホルダー 4">
-            <a:extLst>
-              <a:ext uri="{FF2B5EF4-FFF2-40B4-BE49-F238E27FC236}">
-                <a16:creationId xmlns:a16="http://schemas.microsoft.com/office/drawing/2014/main" id="{3321B0FA-040D-4E1B-A3AF-EF433A1A3F09}"/>
-              </a:ext>
-            </a:extLst>
-          </p:cNvPr>
+          <p:cNvPr id="5" name="Footer Placeholder 4"/>
           <p:cNvSpPr>
             <a:spLocks noGrp="1"/>
           </p:cNvSpPr>
@@ -2020,13 +2398,7 @@
       </p:sp>
       <p:sp>
         <p:nvSpPr>
-          <p:cNvPr id="6" name="スライド番号プレースホルダー 5">
-            <a:extLst>
-              <a:ext uri="{FF2B5EF4-FFF2-40B4-BE49-F238E27FC236}">
-                <a16:creationId xmlns:a16="http://schemas.microsoft.com/office/drawing/2014/main" id="{1E62E08C-5BB1-4572-9C88-9EAFAF99A2C2}"/>
-              </a:ext>
-            </a:extLst>
-          </p:cNvPr>
+          <p:cNvPr id="6" name="Slide Number Placeholder 5"/>
           <p:cNvSpPr>
             <a:spLocks noGrp="1"/>
           </p:cNvSpPr>
@@ -2050,7 +2422,7 @@
     </p:spTree>
     <p:extLst>
       <p:ext uri="{BB962C8B-B14F-4D97-AF65-F5344CB8AC3E}">
-        <p14:creationId xmlns:p14="http://schemas.microsoft.com/office/powerpoint/2010/main" val="2218784630"/>
+        <p14:creationId xmlns:p14="http://schemas.microsoft.com/office/powerpoint/2010/main" val="448762697"/>
       </p:ext>
     </p:extLst>
   </p:cSld>
@@ -2073,7 +2445,7 @@
 </file>
 
 <file path=ppt/slideLayouts/slideLayout11.xml><?xml version="1.0" encoding="utf-8"?>
-<p:sldLayout xmlns:a="http://schemas.openxmlformats.org/drawingml/2006/main" xmlns:r="http://schemas.openxmlformats.org/officeDocument/2006/relationships" xmlns:p="http://schemas.openxmlformats.org/presentationml/2006/main" type="vertTitleAndTx" preserve="1">
+<p:sldLayout xmlns:a="http://schemas.openxmlformats.org/drawingml/2006/main" xmlns:r="http://schemas.openxmlformats.org/officeDocument/2006/relationships" xmlns:p="http://schemas.openxmlformats.org/presentationml/2006/main" showMasterSp="0" type="vertTitleAndTx" preserve="1">
   <p:cSld name="縦書きタイトルと&#10;縦書きテキスト">
     <p:spTree>
       <p:nvGrpSpPr>
@@ -2091,24 +2463,94 @@
       </p:grpSpPr>
       <p:sp>
         <p:nvSpPr>
-          <p:cNvPr id="2" name="縦書きタイトル 1">
-            <a:extLst>
-              <a:ext uri="{FF2B5EF4-FFF2-40B4-BE49-F238E27FC236}">
-                <a16:creationId xmlns:a16="http://schemas.microsoft.com/office/drawing/2014/main" id="{3C8EDB1B-0CB7-49A1-8773-D01823E78D08}"/>
-              </a:ext>
-            </a:extLst>
-          </p:cNvPr>
-          <p:cNvSpPr>
-            <a:spLocks noGrp="1"/>
-          </p:cNvSpPr>
-          <p:nvPr>
-            <p:ph type="title" orient="vert"/>
-          </p:nvPr>
+          <p:cNvPr id="7" name="Rectangle 6"/>
+          <p:cNvSpPr/>
+          <p:nvPr/>
         </p:nvSpPr>
         <p:spPr>
           <a:xfrm>
-            <a:off x="8724900" y="365125"/>
-            <a:ext cx="2628900" cy="5811838"/>
+            <a:off x="3175" y="6400800"/>
+            <a:ext cx="12188825" cy="457200"/>
+          </a:xfrm>
+          <a:prstGeom prst="rect">
+            <a:avLst/>
+          </a:prstGeom>
+          <a:solidFill>
+            <a:schemeClr val="accent2"/>
+          </a:solidFill>
+          <a:ln>
+            <a:noFill/>
+          </a:ln>
+        </p:spPr>
+        <p:style>
+          <a:lnRef idx="2">
+            <a:schemeClr val="accent1">
+              <a:shade val="50000"/>
+            </a:schemeClr>
+          </a:lnRef>
+          <a:fillRef idx="1">
+            <a:schemeClr val="accent1"/>
+          </a:fillRef>
+          <a:effectRef idx="0">
+            <a:schemeClr val="accent1"/>
+          </a:effectRef>
+          <a:fontRef idx="minor">
+            <a:schemeClr val="lt1"/>
+          </a:fontRef>
+        </p:style>
+      </p:sp>
+      <p:sp>
+        <p:nvSpPr>
+          <p:cNvPr id="8" name="Rectangle 7"/>
+          <p:cNvSpPr/>
+          <p:nvPr/>
+        </p:nvSpPr>
+        <p:spPr>
+          <a:xfrm>
+            <a:off x="15" y="6334316"/>
+            <a:ext cx="12188825" cy="64008"/>
+          </a:xfrm>
+          <a:prstGeom prst="rect">
+            <a:avLst/>
+          </a:prstGeom>
+          <a:solidFill>
+            <a:schemeClr val="accent1"/>
+          </a:solidFill>
+          <a:ln>
+            <a:noFill/>
+          </a:ln>
+        </p:spPr>
+        <p:style>
+          <a:lnRef idx="2">
+            <a:schemeClr val="accent1">
+              <a:shade val="50000"/>
+            </a:schemeClr>
+          </a:lnRef>
+          <a:fillRef idx="1">
+            <a:schemeClr val="accent1"/>
+          </a:fillRef>
+          <a:effectRef idx="0">
+            <a:schemeClr val="accent1"/>
+          </a:effectRef>
+          <a:fontRef idx="minor">
+            <a:schemeClr val="lt1"/>
+          </a:fontRef>
+        </p:style>
+      </p:sp>
+      <p:sp>
+        <p:nvSpPr>
+          <p:cNvPr id="2" name="Vertical Title 1"/>
+          <p:cNvSpPr>
+            <a:spLocks noGrp="1"/>
+          </p:cNvSpPr>
+          <p:nvPr>
+            <p:ph type="title" orient="vert"/>
+          </p:nvPr>
+        </p:nvSpPr>
+        <p:spPr>
+          <a:xfrm>
+            <a:off x="8724900" y="414778"/>
+            <a:ext cx="2628900" cy="5757421"/>
           </a:xfrm>
         </p:spPr>
         <p:txBody>
@@ -2116,21 +2558,16 @@
           <a:lstStyle/>
           <a:p>
             <a:r>
-              <a:rPr kumimoji="1" lang="ja-JP" altLang="en-US"/>
+              <a:rPr lang="ja-JP" altLang="en-US"/>
               <a:t>マスター タイトルの書式設定</a:t>
             </a:r>
-          </a:p>
-        </p:txBody>
-      </p:sp>
-      <p:sp>
-        <p:nvSpPr>
-          <p:cNvPr id="3" name="縦書きテキスト プレースホルダー 2">
-            <a:extLst>
-              <a:ext uri="{FF2B5EF4-FFF2-40B4-BE49-F238E27FC236}">
-                <a16:creationId xmlns:a16="http://schemas.microsoft.com/office/drawing/2014/main" id="{30BF6C24-BD44-4B86-BFE6-2D9289352AE7}"/>
-              </a:ext>
-            </a:extLst>
-          </p:cNvPr>
+            <a:endParaRPr lang="en-US" dirty="0"/>
+          </a:p>
+        </p:txBody>
+      </p:sp>
+      <p:sp>
+        <p:nvSpPr>
+          <p:cNvPr id="3" name="Vertical Text Placeholder 2"/>
           <p:cNvSpPr>
             <a:spLocks noGrp="1"/>
           </p:cNvSpPr>
@@ -2140,91 +2577,86 @@
         </p:nvSpPr>
         <p:spPr>
           <a:xfrm>
-            <a:off x="838200" y="365125"/>
-            <a:ext cx="7734300" cy="5811838"/>
+            <a:off x="838200" y="414778"/>
+            <a:ext cx="7734300" cy="5757422"/>
           </a:xfrm>
         </p:spPr>
         <p:txBody>
-          <a:bodyPr vert="eaVert"/>
+          <a:bodyPr vert="eaVert" lIns="45720" tIns="0" rIns="45720" bIns="0"/>
           <a:lstStyle/>
           <a:p>
             <a:pPr lvl="0"/>
             <a:r>
-              <a:rPr kumimoji="1" lang="ja-JP" altLang="en-US"/>
+              <a:rPr lang="ja-JP" altLang="en-US"/>
               <a:t>マスター テキストの書式設定</a:t>
             </a:r>
           </a:p>
           <a:p>
             <a:pPr lvl="1"/>
             <a:r>
-              <a:rPr kumimoji="1" lang="ja-JP" altLang="en-US"/>
+              <a:rPr lang="ja-JP" altLang="en-US"/>
               <a:t>第 </a:t>
             </a:r>
             <a:r>
-              <a:rPr kumimoji="1" lang="en-US" altLang="ja-JP"/>
+              <a:rPr lang="en-US" altLang="ja-JP"/>
               <a:t>2 </a:t>
             </a:r>
             <a:r>
-              <a:rPr kumimoji="1" lang="ja-JP" altLang="en-US"/>
+              <a:rPr lang="ja-JP" altLang="en-US"/>
               <a:t>レベル</a:t>
             </a:r>
           </a:p>
           <a:p>
             <a:pPr lvl="2"/>
             <a:r>
-              <a:rPr kumimoji="1" lang="ja-JP" altLang="en-US"/>
+              <a:rPr lang="ja-JP" altLang="en-US"/>
               <a:t>第 </a:t>
             </a:r>
             <a:r>
-              <a:rPr kumimoji="1" lang="en-US" altLang="ja-JP"/>
+              <a:rPr lang="en-US" altLang="ja-JP"/>
               <a:t>3 </a:t>
             </a:r>
             <a:r>
-              <a:rPr kumimoji="1" lang="ja-JP" altLang="en-US"/>
+              <a:rPr lang="ja-JP" altLang="en-US"/>
               <a:t>レベル</a:t>
             </a:r>
           </a:p>
           <a:p>
             <a:pPr lvl="3"/>
             <a:r>
-              <a:rPr kumimoji="1" lang="ja-JP" altLang="en-US"/>
+              <a:rPr lang="ja-JP" altLang="en-US"/>
               <a:t>第 </a:t>
             </a:r>
             <a:r>
-              <a:rPr kumimoji="1" lang="en-US" altLang="ja-JP"/>
+              <a:rPr lang="en-US" altLang="ja-JP"/>
               <a:t>4 </a:t>
             </a:r>
             <a:r>
-              <a:rPr kumimoji="1" lang="ja-JP" altLang="en-US"/>
+              <a:rPr lang="ja-JP" altLang="en-US"/>
               <a:t>レベル</a:t>
             </a:r>
           </a:p>
           <a:p>
             <a:pPr lvl="4"/>
             <a:r>
-              <a:rPr kumimoji="1" lang="ja-JP" altLang="en-US"/>
+              <a:rPr lang="ja-JP" altLang="en-US"/>
               <a:t>第 </a:t>
             </a:r>
             <a:r>
-              <a:rPr kumimoji="1" lang="en-US" altLang="ja-JP"/>
+              <a:rPr lang="en-US" altLang="ja-JP"/>
               <a:t>5 </a:t>
             </a:r>
             <a:r>
-              <a:rPr kumimoji="1" lang="ja-JP" altLang="en-US"/>
+              <a:rPr lang="ja-JP" altLang="en-US"/>
               <a:t>レベル</a:t>
             </a:r>
-          </a:p>
-        </p:txBody>
-      </p:sp>
-      <p:sp>
-        <p:nvSpPr>
-          <p:cNvPr id="4" name="日付プレースホルダー 3">
-            <a:extLst>
-              <a:ext uri="{FF2B5EF4-FFF2-40B4-BE49-F238E27FC236}">
-                <a16:creationId xmlns:a16="http://schemas.microsoft.com/office/drawing/2014/main" id="{A5B05933-438E-41C0-A63E-1CB26D79EF66}"/>
-              </a:ext>
-            </a:extLst>
-          </p:cNvPr>
+            <a:endParaRPr lang="en-US" dirty="0"/>
+          </a:p>
+        </p:txBody>
+      </p:sp>
+      <p:sp>
+        <p:nvSpPr>
+          <p:cNvPr id="4" name="Date Placeholder 3"/>
           <p:cNvSpPr>
             <a:spLocks noGrp="1"/>
           </p:cNvSpPr>
@@ -2239,7 +2671,7 @@
           <a:p>
             <a:fld id="{C7088D3D-165A-46EA-B7B0-B1C3789A41AB}" type="datetimeFigureOut">
               <a:rPr kumimoji="1" lang="ja-JP" altLang="en-US" smtClean="0"/>
-              <a:t>2024/9/13</a:t>
+              <a:t>2024/9/17</a:t>
             </a:fld>
             <a:endParaRPr kumimoji="1" lang="ja-JP" altLang="en-US" dirty="0"/>
           </a:p>
@@ -2247,13 +2679,7 @@
       </p:sp>
       <p:sp>
         <p:nvSpPr>
-          <p:cNvPr id="5" name="フッター プレースホルダー 4">
-            <a:extLst>
-              <a:ext uri="{FF2B5EF4-FFF2-40B4-BE49-F238E27FC236}">
-                <a16:creationId xmlns:a16="http://schemas.microsoft.com/office/drawing/2014/main" id="{B56BF9F6-00E7-4DC1-A63A-C6E1A67E9158}"/>
-              </a:ext>
-            </a:extLst>
-          </p:cNvPr>
+          <p:cNvPr id="5" name="Footer Placeholder 4"/>
           <p:cNvSpPr>
             <a:spLocks noGrp="1"/>
           </p:cNvSpPr>
@@ -2272,13 +2698,7 @@
       </p:sp>
       <p:sp>
         <p:nvSpPr>
-          <p:cNvPr id="6" name="スライド番号プレースホルダー 5">
-            <a:extLst>
-              <a:ext uri="{FF2B5EF4-FFF2-40B4-BE49-F238E27FC236}">
-                <a16:creationId xmlns:a16="http://schemas.microsoft.com/office/drawing/2014/main" id="{2A1DBF06-C49B-4579-BE1F-32F600A64164}"/>
-              </a:ext>
-            </a:extLst>
-          </p:cNvPr>
+          <p:cNvPr id="6" name="Slide Number Placeholder 5"/>
           <p:cNvSpPr>
             <a:spLocks noGrp="1"/>
           </p:cNvSpPr>
@@ -2302,7 +2722,7 @@
     </p:spTree>
     <p:extLst>
       <p:ext uri="{BB962C8B-B14F-4D97-AF65-F5344CB8AC3E}">
-        <p14:creationId xmlns:p14="http://schemas.microsoft.com/office/powerpoint/2010/main" val="3897200707"/>
+        <p14:creationId xmlns:p14="http://schemas.microsoft.com/office/powerpoint/2010/main" val="3966672284"/>
       </p:ext>
     </p:extLst>
   </p:cSld>
@@ -2343,13 +2763,7 @@
       </p:grpSpPr>
       <p:sp>
         <p:nvSpPr>
-          <p:cNvPr id="2" name="タイトル 1">
-            <a:extLst>
-              <a:ext uri="{FF2B5EF4-FFF2-40B4-BE49-F238E27FC236}">
-                <a16:creationId xmlns:a16="http://schemas.microsoft.com/office/drawing/2014/main" id="{EF7046DF-5EE6-47AF-956B-815A5F1F331A}"/>
-              </a:ext>
-            </a:extLst>
-          </p:cNvPr>
+          <p:cNvPr id="2" name="Title 1"/>
           <p:cNvSpPr>
             <a:spLocks noGrp="1"/>
           </p:cNvSpPr>
@@ -2360,24 +2774,23 @@
         <p:spPr/>
         <p:txBody>
           <a:bodyPr/>
-          <a:lstStyle/>
-          <a:p>
-            <a:r>
-              <a:rPr kumimoji="1" lang="ja-JP" altLang="en-US"/>
+          <a:lstStyle>
+            <a:lvl1pPr marL="0">
+              <a:defRPr/>
+            </a:lvl1pPr>
+          </a:lstStyle>
+          <a:p>
+            <a:r>
+              <a:rPr lang="ja-JP" altLang="en-US"/>
               <a:t>マスター タイトルの書式設定</a:t>
             </a:r>
-          </a:p>
-        </p:txBody>
-      </p:sp>
-      <p:sp>
-        <p:nvSpPr>
-          <p:cNvPr id="3" name="コンテンツ プレースホルダー 2">
-            <a:extLst>
-              <a:ext uri="{FF2B5EF4-FFF2-40B4-BE49-F238E27FC236}">
-                <a16:creationId xmlns:a16="http://schemas.microsoft.com/office/drawing/2014/main" id="{719131F3-D255-484A-BBE2-C3974634E51D}"/>
-              </a:ext>
-            </a:extLst>
-          </p:cNvPr>
+            <a:endParaRPr lang="en-US" dirty="0"/>
+          </a:p>
+        </p:txBody>
+      </p:sp>
+      <p:sp>
+        <p:nvSpPr>
+          <p:cNvPr id="3" name="Content Placeholder 2"/>
           <p:cNvSpPr>
             <a:spLocks noGrp="1"/>
           </p:cNvSpPr>
@@ -2392,81 +2805,76 @@
           <a:p>
             <a:pPr lvl="0"/>
             <a:r>
-              <a:rPr kumimoji="1" lang="ja-JP" altLang="en-US"/>
+              <a:rPr lang="ja-JP" altLang="en-US"/>
               <a:t>マスター テキストの書式設定</a:t>
             </a:r>
           </a:p>
           <a:p>
             <a:pPr lvl="1"/>
             <a:r>
-              <a:rPr kumimoji="1" lang="ja-JP" altLang="en-US"/>
+              <a:rPr lang="ja-JP" altLang="en-US"/>
               <a:t>第 </a:t>
             </a:r>
             <a:r>
-              <a:rPr kumimoji="1" lang="en-US" altLang="ja-JP"/>
+              <a:rPr lang="en-US" altLang="ja-JP"/>
               <a:t>2 </a:t>
             </a:r>
             <a:r>
-              <a:rPr kumimoji="1" lang="ja-JP" altLang="en-US"/>
+              <a:rPr lang="ja-JP" altLang="en-US"/>
               <a:t>レベル</a:t>
             </a:r>
           </a:p>
           <a:p>
             <a:pPr lvl="2"/>
             <a:r>
-              <a:rPr kumimoji="1" lang="ja-JP" altLang="en-US"/>
+              <a:rPr lang="ja-JP" altLang="en-US"/>
               <a:t>第 </a:t>
             </a:r>
             <a:r>
-              <a:rPr kumimoji="1" lang="en-US" altLang="ja-JP"/>
+              <a:rPr lang="en-US" altLang="ja-JP"/>
               <a:t>3 </a:t>
             </a:r>
             <a:r>
-              <a:rPr kumimoji="1" lang="ja-JP" altLang="en-US"/>
+              <a:rPr lang="ja-JP" altLang="en-US"/>
               <a:t>レベル</a:t>
             </a:r>
           </a:p>
           <a:p>
             <a:pPr lvl="3"/>
             <a:r>
-              <a:rPr kumimoji="1" lang="ja-JP" altLang="en-US"/>
+              <a:rPr lang="ja-JP" altLang="en-US"/>
               <a:t>第 </a:t>
             </a:r>
             <a:r>
-              <a:rPr kumimoji="1" lang="en-US" altLang="ja-JP"/>
+              <a:rPr lang="en-US" altLang="ja-JP"/>
               <a:t>4 </a:t>
             </a:r>
             <a:r>
-              <a:rPr kumimoji="1" lang="ja-JP" altLang="en-US"/>
+              <a:rPr lang="ja-JP" altLang="en-US"/>
               <a:t>レベル</a:t>
             </a:r>
           </a:p>
           <a:p>
             <a:pPr lvl="4"/>
             <a:r>
-              <a:rPr kumimoji="1" lang="ja-JP" altLang="en-US"/>
+              <a:rPr lang="ja-JP" altLang="en-US"/>
               <a:t>第 </a:t>
             </a:r>
             <a:r>
-              <a:rPr kumimoji="1" lang="en-US" altLang="ja-JP"/>
+              <a:rPr lang="en-US" altLang="ja-JP"/>
               <a:t>5 </a:t>
             </a:r>
             <a:r>
-              <a:rPr kumimoji="1" lang="ja-JP" altLang="en-US"/>
+              <a:rPr lang="ja-JP" altLang="en-US"/>
               <a:t>レベル</a:t>
             </a:r>
-          </a:p>
-        </p:txBody>
-      </p:sp>
-      <p:sp>
-        <p:nvSpPr>
-          <p:cNvPr id="4" name="日付プレースホルダー 3">
-            <a:extLst>
-              <a:ext uri="{FF2B5EF4-FFF2-40B4-BE49-F238E27FC236}">
-                <a16:creationId xmlns:a16="http://schemas.microsoft.com/office/drawing/2014/main" id="{48D157DA-C059-4A08-A8B3-F869A5DF4C5B}"/>
-              </a:ext>
-            </a:extLst>
-          </p:cNvPr>
+            <a:endParaRPr lang="en-US" dirty="0"/>
+          </a:p>
+        </p:txBody>
+      </p:sp>
+      <p:sp>
+        <p:nvSpPr>
+          <p:cNvPr id="4" name="Date Placeholder 3"/>
           <p:cNvSpPr>
             <a:spLocks noGrp="1"/>
           </p:cNvSpPr>
@@ -2481,7 +2889,7 @@
           <a:p>
             <a:fld id="{C7088D3D-165A-46EA-B7B0-B1C3789A41AB}" type="datetimeFigureOut">
               <a:rPr kumimoji="1" lang="ja-JP" altLang="en-US" smtClean="0"/>
-              <a:t>2024/9/13</a:t>
+              <a:t>2024/9/17</a:t>
             </a:fld>
             <a:endParaRPr kumimoji="1" lang="ja-JP" altLang="en-US" dirty="0"/>
           </a:p>
@@ -2489,13 +2897,7 @@
       </p:sp>
       <p:sp>
         <p:nvSpPr>
-          <p:cNvPr id="5" name="フッター プレースホルダー 4">
-            <a:extLst>
-              <a:ext uri="{FF2B5EF4-FFF2-40B4-BE49-F238E27FC236}">
-                <a16:creationId xmlns:a16="http://schemas.microsoft.com/office/drawing/2014/main" id="{458D4CBC-CDDE-48E2-B087-34A384259BDE}"/>
-              </a:ext>
-            </a:extLst>
-          </p:cNvPr>
+          <p:cNvPr id="5" name="Footer Placeholder 4"/>
           <p:cNvSpPr>
             <a:spLocks noGrp="1"/>
           </p:cNvSpPr>
@@ -2514,13 +2916,7 @@
       </p:sp>
       <p:sp>
         <p:nvSpPr>
-          <p:cNvPr id="6" name="スライド番号プレースホルダー 5">
-            <a:extLst>
-              <a:ext uri="{FF2B5EF4-FFF2-40B4-BE49-F238E27FC236}">
-                <a16:creationId xmlns:a16="http://schemas.microsoft.com/office/drawing/2014/main" id="{350D101F-2ADC-4D7E-B0BF-F91B4A61C101}"/>
-              </a:ext>
-            </a:extLst>
-          </p:cNvPr>
+          <p:cNvPr id="6" name="Slide Number Placeholder 5"/>
           <p:cNvSpPr>
             <a:spLocks noGrp="1"/>
           </p:cNvSpPr>
@@ -2544,7 +2940,7 @@
     </p:spTree>
     <p:extLst>
       <p:ext uri="{BB962C8B-B14F-4D97-AF65-F5344CB8AC3E}">
-        <p14:creationId xmlns:p14="http://schemas.microsoft.com/office/powerpoint/2010/main" val="83147149"/>
+        <p14:creationId xmlns:p14="http://schemas.microsoft.com/office/powerpoint/2010/main" val="2647212165"/>
       </p:ext>
     </p:extLst>
   </p:cSld>
@@ -2567,8 +2963,16 @@
 </file>
 
 <file path=ppt/slideLayouts/slideLayout3.xml><?xml version="1.0" encoding="utf-8"?>
-<p:sldLayout xmlns:a="http://schemas.openxmlformats.org/drawingml/2006/main" xmlns:r="http://schemas.openxmlformats.org/officeDocument/2006/relationships" xmlns:p="http://schemas.openxmlformats.org/presentationml/2006/main" type="secHead" preserve="1">
+<p:sldLayout xmlns:a="http://schemas.openxmlformats.org/drawingml/2006/main" xmlns:r="http://schemas.openxmlformats.org/officeDocument/2006/relationships" xmlns:p="http://schemas.openxmlformats.org/presentationml/2006/main" showMasterSp="0" type="secHead" preserve="1">
   <p:cSld name="セクション見出し">
+    <p:bg>
+      <p:bgPr>
+        <a:solidFill>
+          <a:schemeClr val="bg1"/>
+        </a:solidFill>
+        <a:effectLst/>
+      </p:bgPr>
+    </p:bg>
     <p:spTree>
       <p:nvGrpSpPr>
         <p:cNvPr id="1" name=""/>
@@ -2585,79 +2989,157 @@
       </p:grpSpPr>
       <p:sp>
         <p:nvSpPr>
-          <p:cNvPr id="2" name="タイトル 1">
-            <a:extLst>
-              <a:ext uri="{FF2B5EF4-FFF2-40B4-BE49-F238E27FC236}">
-                <a16:creationId xmlns:a16="http://schemas.microsoft.com/office/drawing/2014/main" id="{8A49BC05-B9AB-4CB8-9431-FBF22E796F64}"/>
-              </a:ext>
-            </a:extLst>
-          </p:cNvPr>
-          <p:cNvSpPr>
-            <a:spLocks noGrp="1"/>
-          </p:cNvSpPr>
-          <p:nvPr>
-            <p:ph type="title"/>
-          </p:nvPr>
+          <p:cNvPr id="7" name="Rectangle 6"/>
+          <p:cNvSpPr/>
+          <p:nvPr/>
         </p:nvSpPr>
         <p:spPr>
           <a:xfrm>
-            <a:off x="831850" y="1709738"/>
-            <a:ext cx="10515600" cy="2852737"/>
+            <a:off x="3175" y="6400800"/>
+            <a:ext cx="12188825" cy="457200"/>
+          </a:xfrm>
+          <a:prstGeom prst="rect">
+            <a:avLst/>
+          </a:prstGeom>
+          <a:solidFill>
+            <a:schemeClr val="accent2"/>
+          </a:solidFill>
+          <a:ln>
+            <a:noFill/>
+          </a:ln>
+        </p:spPr>
+        <p:style>
+          <a:lnRef idx="2">
+            <a:schemeClr val="accent1">
+              <a:shade val="50000"/>
+            </a:schemeClr>
+          </a:lnRef>
+          <a:fillRef idx="1">
+            <a:schemeClr val="accent1"/>
+          </a:fillRef>
+          <a:effectRef idx="0">
+            <a:schemeClr val="accent1"/>
+          </a:effectRef>
+          <a:fontRef idx="minor">
+            <a:schemeClr val="lt1"/>
+          </a:fontRef>
+        </p:style>
+      </p:sp>
+      <p:sp>
+        <p:nvSpPr>
+          <p:cNvPr id="8" name="Rectangle 7"/>
+          <p:cNvSpPr/>
+          <p:nvPr/>
+        </p:nvSpPr>
+        <p:spPr>
+          <a:xfrm>
+            <a:off x="15" y="6334316"/>
+            <a:ext cx="12188825" cy="64008"/>
+          </a:xfrm>
+          <a:prstGeom prst="rect">
+            <a:avLst/>
+          </a:prstGeom>
+          <a:solidFill>
+            <a:schemeClr val="accent1"/>
+          </a:solidFill>
+          <a:ln>
+            <a:noFill/>
+          </a:ln>
+        </p:spPr>
+        <p:style>
+          <a:lnRef idx="2">
+            <a:schemeClr val="accent1">
+              <a:shade val="50000"/>
+            </a:schemeClr>
+          </a:lnRef>
+          <a:fillRef idx="1">
+            <a:schemeClr val="accent1"/>
+          </a:fillRef>
+          <a:effectRef idx="0">
+            <a:schemeClr val="accent1"/>
+          </a:effectRef>
+          <a:fontRef idx="minor">
+            <a:schemeClr val="lt1"/>
+          </a:fontRef>
+        </p:style>
+      </p:sp>
+      <p:sp>
+        <p:nvSpPr>
+          <p:cNvPr id="2" name="Title 1"/>
+          <p:cNvSpPr>
+            <a:spLocks noGrp="1"/>
+          </p:cNvSpPr>
+          <p:nvPr>
+            <p:ph type="title"/>
+          </p:nvPr>
+        </p:nvSpPr>
+        <p:spPr>
+          <a:xfrm>
+            <a:off x="1097280" y="758952"/>
+            <a:ext cx="10058400" cy="3566160"/>
           </a:xfrm>
         </p:spPr>
         <p:txBody>
-          <a:bodyPr anchor="b"/>
+          <a:bodyPr anchor="b" anchorCtr="0">
+            <a:normAutofit/>
+          </a:bodyPr>
           <a:lstStyle>
             <a:lvl1pPr>
-              <a:defRPr sz="6000"/>
-            </a:lvl1pPr>
-          </a:lstStyle>
-          <a:p>
-            <a:r>
-              <a:rPr kumimoji="1" lang="ja-JP" altLang="en-US"/>
-              <a:t>マスター タイトルの書式設定</a:t>
-            </a:r>
-          </a:p>
-        </p:txBody>
-      </p:sp>
-      <p:sp>
-        <p:nvSpPr>
-          <p:cNvPr id="3" name="テキスト プレースホルダー 2">
-            <a:extLst>
-              <a:ext uri="{FF2B5EF4-FFF2-40B4-BE49-F238E27FC236}">
-                <a16:creationId xmlns:a16="http://schemas.microsoft.com/office/drawing/2014/main" id="{D16F93BB-C0BC-4C8B-AF22-FE3DFB850305}"/>
-              </a:ext>
-            </a:extLst>
-          </p:cNvPr>
-          <p:cNvSpPr>
-            <a:spLocks noGrp="1"/>
-          </p:cNvSpPr>
-          <p:nvPr>
-            <p:ph type="body" idx="1"/>
-          </p:nvPr>
-        </p:nvSpPr>
-        <p:spPr>
-          <a:xfrm>
-            <a:off x="831850" y="4589463"/>
-            <a:ext cx="10515600" cy="1500187"/>
-          </a:xfrm>
-        </p:spPr>
-        <p:txBody>
-          <a:bodyPr/>
-          <a:lstStyle>
-            <a:lvl1pPr marL="0" indent="0">
-              <a:buNone/>
-              <a:defRPr sz="2400">
+              <a:lnSpc>
+                <a:spcPct val="85000"/>
+              </a:lnSpc>
+              <a:defRPr sz="8000" b="0">
                 <a:solidFill>
                   <a:schemeClr val="tx1">
-                    <a:tint val="75000"/>
+                    <a:lumMod val="85000"/>
+                    <a:lumOff val="15000"/>
                   </a:schemeClr>
                 </a:solidFill>
               </a:defRPr>
             </a:lvl1pPr>
+          </a:lstStyle>
+          <a:p>
+            <a:r>
+              <a:rPr lang="ja-JP" altLang="en-US"/>
+              <a:t>マスター タイトルの書式設定</a:t>
+            </a:r>
+            <a:endParaRPr lang="en-US" dirty="0"/>
+          </a:p>
+        </p:txBody>
+      </p:sp>
+      <p:sp>
+        <p:nvSpPr>
+          <p:cNvPr id="3" name="Text Placeholder 2"/>
+          <p:cNvSpPr>
+            <a:spLocks noGrp="1"/>
+          </p:cNvSpPr>
+          <p:nvPr>
+            <p:ph type="body" idx="1"/>
+          </p:nvPr>
+        </p:nvSpPr>
+        <p:spPr>
+          <a:xfrm>
+            <a:off x="1097280" y="4453128"/>
+            <a:ext cx="10058400" cy="1143000"/>
+          </a:xfrm>
+        </p:spPr>
+        <p:txBody>
+          <a:bodyPr lIns="91440" rIns="91440" anchor="t" anchorCtr="0">
+            <a:normAutofit/>
+          </a:bodyPr>
+          <a:lstStyle>
+            <a:lvl1pPr marL="0" indent="0">
+              <a:buNone/>
+              <a:defRPr sz="2400" cap="all" spc="200" baseline="0">
+                <a:solidFill>
+                  <a:schemeClr val="tx2"/>
+                </a:solidFill>
+                <a:latin typeface="+mj-lt"/>
+              </a:defRPr>
+            </a:lvl1pPr>
             <a:lvl2pPr marL="457200" indent="0">
               <a:buNone/>
-              <a:defRPr sz="2000">
+              <a:defRPr sz="1800">
                 <a:solidFill>
                   <a:schemeClr val="tx1">
                     <a:tint val="75000"/>
@@ -2667,7 +3149,7 @@
             </a:lvl2pPr>
             <a:lvl3pPr marL="914400" indent="0">
               <a:buNone/>
-              <a:defRPr sz="1800">
+              <a:defRPr sz="1600">
                 <a:solidFill>
                   <a:schemeClr val="tx1">
                     <a:tint val="75000"/>
@@ -2677,7 +3159,7 @@
             </a:lvl3pPr>
             <a:lvl4pPr marL="1371600" indent="0">
               <a:buNone/>
-              <a:defRPr sz="1600">
+              <a:defRPr sz="1400">
                 <a:solidFill>
                   <a:schemeClr val="tx1">
                     <a:tint val="75000"/>
@@ -2687,7 +3169,7 @@
             </a:lvl4pPr>
             <a:lvl5pPr marL="1828800" indent="0">
               <a:buNone/>
-              <a:defRPr sz="1600">
+              <a:defRPr sz="1400">
                 <a:solidFill>
                   <a:schemeClr val="tx1">
                     <a:tint val="75000"/>
@@ -2697,7 +3179,7 @@
             </a:lvl5pPr>
             <a:lvl6pPr marL="2286000" indent="0">
               <a:buNone/>
-              <a:defRPr sz="1600">
+              <a:defRPr sz="1400">
                 <a:solidFill>
                   <a:schemeClr val="tx1">
                     <a:tint val="75000"/>
@@ -2707,7 +3189,7 @@
             </a:lvl6pPr>
             <a:lvl7pPr marL="2743200" indent="0">
               <a:buNone/>
-              <a:defRPr sz="1600">
+              <a:defRPr sz="1400">
                 <a:solidFill>
                   <a:schemeClr val="tx1">
                     <a:tint val="75000"/>
@@ -2717,7 +3199,7 @@
             </a:lvl7pPr>
             <a:lvl8pPr marL="3200400" indent="0">
               <a:buNone/>
-              <a:defRPr sz="1600">
+              <a:defRPr sz="1400">
                 <a:solidFill>
                   <a:schemeClr val="tx1">
                     <a:tint val="75000"/>
@@ -2727,7 +3209,7 @@
             </a:lvl8pPr>
             <a:lvl9pPr marL="3657600" indent="0">
               <a:buNone/>
-              <a:defRPr sz="1600">
+              <a:defRPr sz="1400">
                 <a:solidFill>
                   <a:schemeClr val="tx1">
                     <a:tint val="75000"/>
@@ -2739,7 +3221,7 @@
           <a:p>
             <a:pPr lvl="0"/>
             <a:r>
-              <a:rPr kumimoji="1" lang="ja-JP" altLang="en-US"/>
+              <a:rPr lang="ja-JP" altLang="en-US"/>
               <a:t>マスター テキストの書式設定</a:t>
             </a:r>
           </a:p>
@@ -2747,13 +3229,7 @@
       </p:sp>
       <p:sp>
         <p:nvSpPr>
-          <p:cNvPr id="4" name="日付プレースホルダー 3">
-            <a:extLst>
-              <a:ext uri="{FF2B5EF4-FFF2-40B4-BE49-F238E27FC236}">
-                <a16:creationId xmlns:a16="http://schemas.microsoft.com/office/drawing/2014/main" id="{F27D93A1-0986-497F-865E-766E2FAF0941}"/>
-              </a:ext>
-            </a:extLst>
-          </p:cNvPr>
+          <p:cNvPr id="4" name="Date Placeholder 3"/>
           <p:cNvSpPr>
             <a:spLocks noGrp="1"/>
           </p:cNvSpPr>
@@ -2768,7 +3244,7 @@
           <a:p>
             <a:fld id="{C7088D3D-165A-46EA-B7B0-B1C3789A41AB}" type="datetimeFigureOut">
               <a:rPr kumimoji="1" lang="ja-JP" altLang="en-US" smtClean="0"/>
-              <a:t>2024/9/13</a:t>
+              <a:t>2024/9/17</a:t>
             </a:fld>
             <a:endParaRPr kumimoji="1" lang="ja-JP" altLang="en-US" dirty="0"/>
           </a:p>
@@ -2776,13 +3252,7 @@
       </p:sp>
       <p:sp>
         <p:nvSpPr>
-          <p:cNvPr id="5" name="フッター プレースホルダー 4">
-            <a:extLst>
-              <a:ext uri="{FF2B5EF4-FFF2-40B4-BE49-F238E27FC236}">
-                <a16:creationId xmlns:a16="http://schemas.microsoft.com/office/drawing/2014/main" id="{0A74A8D6-E3BE-46E6-BEAB-00C7C7C8E1F9}"/>
-              </a:ext>
-            </a:extLst>
-          </p:cNvPr>
+          <p:cNvPr id="5" name="Footer Placeholder 4"/>
           <p:cNvSpPr>
             <a:spLocks noGrp="1"/>
           </p:cNvSpPr>
@@ -2801,13 +3271,7 @@
       </p:sp>
       <p:sp>
         <p:nvSpPr>
-          <p:cNvPr id="6" name="スライド番号プレースホルダー 5">
-            <a:extLst>
-              <a:ext uri="{FF2B5EF4-FFF2-40B4-BE49-F238E27FC236}">
-                <a16:creationId xmlns:a16="http://schemas.microsoft.com/office/drawing/2014/main" id="{30C78435-7A33-4A91-8731-4929ADB34BA5}"/>
-              </a:ext>
-            </a:extLst>
-          </p:cNvPr>
+          <p:cNvPr id="6" name="Slide Number Placeholder 5"/>
           <p:cNvSpPr>
             <a:spLocks noGrp="1"/>
           </p:cNvSpPr>
@@ -2828,10 +3292,48 @@
           </a:p>
         </p:txBody>
       </p:sp>
+      <p:cxnSp>
+        <p:nvCxnSpPr>
+          <p:cNvPr id="9" name="Straight Connector 8"/>
+          <p:cNvCxnSpPr/>
+          <p:nvPr/>
+        </p:nvCxnSpPr>
+        <p:spPr>
+          <a:xfrm>
+            <a:off x="1207658" y="4343400"/>
+            <a:ext cx="9875520" cy="0"/>
+          </a:xfrm>
+          <a:prstGeom prst="line">
+            <a:avLst/>
+          </a:prstGeom>
+          <a:ln w="6350">
+            <a:solidFill>
+              <a:schemeClr val="tx1">
+                <a:lumMod val="50000"/>
+                <a:lumOff val="50000"/>
+              </a:schemeClr>
+            </a:solidFill>
+          </a:ln>
+        </p:spPr>
+        <p:style>
+          <a:lnRef idx="1">
+            <a:schemeClr val="accent1"/>
+          </a:lnRef>
+          <a:fillRef idx="0">
+            <a:schemeClr val="accent1"/>
+          </a:fillRef>
+          <a:effectRef idx="0">
+            <a:schemeClr val="accent1"/>
+          </a:effectRef>
+          <a:fontRef idx="minor">
+            <a:schemeClr val="tx1"/>
+          </a:fontRef>
+        </p:style>
+      </p:cxnSp>
     </p:spTree>
     <p:extLst>
       <p:ext uri="{BB962C8B-B14F-4D97-AF65-F5344CB8AC3E}">
-        <p14:creationId xmlns:p14="http://schemas.microsoft.com/office/powerpoint/2010/main" val="1367431022"/>
+        <p14:creationId xmlns:p14="http://schemas.microsoft.com/office/powerpoint/2010/main" val="4042936028"/>
       </p:ext>
     </p:extLst>
   </p:cSld>
@@ -2872,146 +3374,46 @@
       </p:grpSpPr>
       <p:sp>
         <p:nvSpPr>
-          <p:cNvPr id="2" name="タイトル 1">
-            <a:extLst>
-              <a:ext uri="{FF2B5EF4-FFF2-40B4-BE49-F238E27FC236}">
-                <a16:creationId xmlns:a16="http://schemas.microsoft.com/office/drawing/2014/main" id="{5FC1993C-99EA-42D7-967B-AB72564DF7AD}"/>
-              </a:ext>
-            </a:extLst>
-          </p:cNvPr>
+          <p:cNvPr id="8" name="Title 7"/>
           <p:cNvSpPr>
             <a:spLocks noGrp="1"/>
           </p:cNvSpPr>
           <p:nvPr>
             <p:ph type="title"/>
-          </p:nvPr>
-        </p:nvSpPr>
-        <p:spPr/>
-        <p:txBody>
-          <a:bodyPr/>
-          <a:lstStyle/>
-          <a:p>
-            <a:r>
-              <a:rPr kumimoji="1" lang="ja-JP" altLang="en-US"/>
-              <a:t>マスター タイトルの書式設定</a:t>
-            </a:r>
-          </a:p>
-        </p:txBody>
-      </p:sp>
-      <p:sp>
-        <p:nvSpPr>
-          <p:cNvPr id="3" name="コンテンツ プレースホルダー 2">
-            <a:extLst>
-              <a:ext uri="{FF2B5EF4-FFF2-40B4-BE49-F238E27FC236}">
-                <a16:creationId xmlns:a16="http://schemas.microsoft.com/office/drawing/2014/main" id="{A3E0F9AE-5E70-445F-8D62-07FBDB80EA08}"/>
-              </a:ext>
-            </a:extLst>
-          </p:cNvPr>
-          <p:cNvSpPr>
-            <a:spLocks noGrp="1"/>
-          </p:cNvSpPr>
-          <p:nvPr>
-            <p:ph sz="half" idx="1"/>
           </p:nvPr>
         </p:nvSpPr>
         <p:spPr>
           <a:xfrm>
-            <a:off x="838200" y="1825625"/>
-            <a:ext cx="5181600" cy="4351338"/>
+            <a:off x="1097280" y="286603"/>
+            <a:ext cx="10058400" cy="1450757"/>
           </a:xfrm>
         </p:spPr>
         <p:txBody>
           <a:bodyPr/>
           <a:lstStyle/>
           <a:p>
-            <a:pPr lvl="0"/>
-            <a:r>
-              <a:rPr kumimoji="1" lang="ja-JP" altLang="en-US"/>
-              <a:t>マスター テキストの書式設定</a:t>
-            </a:r>
-          </a:p>
-          <a:p>
-            <a:pPr lvl="1"/>
-            <a:r>
-              <a:rPr kumimoji="1" lang="ja-JP" altLang="en-US"/>
-              <a:t>第 </a:t>
-            </a:r>
-            <a:r>
-              <a:rPr kumimoji="1" lang="en-US" altLang="ja-JP"/>
-              <a:t>2 </a:t>
-            </a:r>
-            <a:r>
-              <a:rPr kumimoji="1" lang="ja-JP" altLang="en-US"/>
-              <a:t>レベル</a:t>
-            </a:r>
-          </a:p>
-          <a:p>
-            <a:pPr lvl="2"/>
-            <a:r>
-              <a:rPr kumimoji="1" lang="ja-JP" altLang="en-US"/>
-              <a:t>第 </a:t>
-            </a:r>
-            <a:r>
-              <a:rPr kumimoji="1" lang="en-US" altLang="ja-JP"/>
-              <a:t>3 </a:t>
-            </a:r>
-            <a:r>
-              <a:rPr kumimoji="1" lang="ja-JP" altLang="en-US"/>
-              <a:t>レベル</a:t>
-            </a:r>
-          </a:p>
-          <a:p>
-            <a:pPr lvl="3"/>
-            <a:r>
-              <a:rPr kumimoji="1" lang="ja-JP" altLang="en-US"/>
-              <a:t>第 </a:t>
-            </a:r>
-            <a:r>
-              <a:rPr kumimoji="1" lang="en-US" altLang="ja-JP"/>
-              <a:t>4 </a:t>
-            </a:r>
-            <a:r>
-              <a:rPr kumimoji="1" lang="ja-JP" altLang="en-US"/>
-              <a:t>レベル</a:t>
-            </a:r>
-          </a:p>
-          <a:p>
-            <a:pPr lvl="4"/>
-            <a:r>
-              <a:rPr kumimoji="1" lang="ja-JP" altLang="en-US"/>
-              <a:t>第 </a:t>
-            </a:r>
-            <a:r>
-              <a:rPr kumimoji="1" lang="en-US" altLang="ja-JP"/>
-              <a:t>5 </a:t>
-            </a:r>
-            <a:r>
-              <a:rPr kumimoji="1" lang="ja-JP" altLang="en-US"/>
-              <a:t>レベル</a:t>
-            </a:r>
-          </a:p>
-        </p:txBody>
-      </p:sp>
-      <p:sp>
-        <p:nvSpPr>
-          <p:cNvPr id="4" name="コンテンツ プレースホルダー 3">
-            <a:extLst>
-              <a:ext uri="{FF2B5EF4-FFF2-40B4-BE49-F238E27FC236}">
-                <a16:creationId xmlns:a16="http://schemas.microsoft.com/office/drawing/2014/main" id="{78219028-A26C-4B0D-B242-F4E01420CCF9}"/>
-              </a:ext>
-            </a:extLst>
-          </p:cNvPr>
-          <p:cNvSpPr>
-            <a:spLocks noGrp="1"/>
-          </p:cNvSpPr>
-          <p:nvPr>
-            <p:ph sz="half" idx="2"/>
+            <a:r>
+              <a:rPr lang="ja-JP" altLang="en-US"/>
+              <a:t>マスター タイトルの書式設定</a:t>
+            </a:r>
+            <a:endParaRPr lang="en-US" dirty="0"/>
+          </a:p>
+        </p:txBody>
+      </p:sp>
+      <p:sp>
+        <p:nvSpPr>
+          <p:cNvPr id="3" name="Content Placeholder 2"/>
+          <p:cNvSpPr>
+            <a:spLocks noGrp="1"/>
+          </p:cNvSpPr>
+          <p:nvPr>
+            <p:ph sz="half" idx="1"/>
           </p:nvPr>
         </p:nvSpPr>
         <p:spPr>
           <a:xfrm>
-            <a:off x="6172200" y="1825625"/>
-            <a:ext cx="5181600" cy="4351338"/>
+            <a:off x="1097279" y="1845734"/>
+            <a:ext cx="4937760" cy="4023360"/>
           </a:xfrm>
         </p:spPr>
         <p:txBody>
@@ -3020,81 +3422,165 @@
           <a:p>
             <a:pPr lvl="0"/>
             <a:r>
-              <a:rPr kumimoji="1" lang="ja-JP" altLang="en-US"/>
+              <a:rPr lang="ja-JP" altLang="en-US"/>
               <a:t>マスター テキストの書式設定</a:t>
             </a:r>
           </a:p>
           <a:p>
             <a:pPr lvl="1"/>
             <a:r>
-              <a:rPr kumimoji="1" lang="ja-JP" altLang="en-US"/>
+              <a:rPr lang="ja-JP" altLang="en-US"/>
               <a:t>第 </a:t>
             </a:r>
             <a:r>
-              <a:rPr kumimoji="1" lang="en-US" altLang="ja-JP"/>
+              <a:rPr lang="en-US" altLang="ja-JP"/>
               <a:t>2 </a:t>
             </a:r>
             <a:r>
-              <a:rPr kumimoji="1" lang="ja-JP" altLang="en-US"/>
+              <a:rPr lang="ja-JP" altLang="en-US"/>
               <a:t>レベル</a:t>
             </a:r>
           </a:p>
           <a:p>
             <a:pPr lvl="2"/>
             <a:r>
-              <a:rPr kumimoji="1" lang="ja-JP" altLang="en-US"/>
+              <a:rPr lang="ja-JP" altLang="en-US"/>
               <a:t>第 </a:t>
             </a:r>
             <a:r>
-              <a:rPr kumimoji="1" lang="en-US" altLang="ja-JP"/>
+              <a:rPr lang="en-US" altLang="ja-JP"/>
               <a:t>3 </a:t>
             </a:r>
             <a:r>
-              <a:rPr kumimoji="1" lang="ja-JP" altLang="en-US"/>
+              <a:rPr lang="ja-JP" altLang="en-US"/>
               <a:t>レベル</a:t>
             </a:r>
           </a:p>
           <a:p>
             <a:pPr lvl="3"/>
             <a:r>
-              <a:rPr kumimoji="1" lang="ja-JP" altLang="en-US"/>
+              <a:rPr lang="ja-JP" altLang="en-US"/>
               <a:t>第 </a:t>
             </a:r>
             <a:r>
-              <a:rPr kumimoji="1" lang="en-US" altLang="ja-JP"/>
+              <a:rPr lang="en-US" altLang="ja-JP"/>
               <a:t>4 </a:t>
             </a:r>
             <a:r>
-              <a:rPr kumimoji="1" lang="ja-JP" altLang="en-US"/>
+              <a:rPr lang="ja-JP" altLang="en-US"/>
               <a:t>レベル</a:t>
             </a:r>
           </a:p>
           <a:p>
             <a:pPr lvl="4"/>
             <a:r>
-              <a:rPr kumimoji="1" lang="ja-JP" altLang="en-US"/>
+              <a:rPr lang="ja-JP" altLang="en-US"/>
               <a:t>第 </a:t>
             </a:r>
             <a:r>
-              <a:rPr kumimoji="1" lang="en-US" altLang="ja-JP"/>
+              <a:rPr lang="en-US" altLang="ja-JP"/>
               <a:t>5 </a:t>
             </a:r>
             <a:r>
-              <a:rPr kumimoji="1" lang="ja-JP" altLang="en-US"/>
+              <a:rPr lang="ja-JP" altLang="en-US"/>
               <a:t>レベル</a:t>
             </a:r>
-          </a:p>
-        </p:txBody>
-      </p:sp>
-      <p:sp>
-        <p:nvSpPr>
-          <p:cNvPr id="5" name="日付プレースホルダー 4">
-            <a:extLst>
-              <a:ext uri="{FF2B5EF4-FFF2-40B4-BE49-F238E27FC236}">
-                <a16:creationId xmlns:a16="http://schemas.microsoft.com/office/drawing/2014/main" id="{7BB2646B-7ECA-4AFE-9A51-C9143EAADF28}"/>
-              </a:ext>
-            </a:extLst>
-          </p:cNvPr>
+            <a:endParaRPr lang="en-US" dirty="0"/>
+          </a:p>
+        </p:txBody>
+      </p:sp>
+      <p:sp>
+        <p:nvSpPr>
+          <p:cNvPr id="4" name="Content Placeholder 3"/>
+          <p:cNvSpPr>
+            <a:spLocks noGrp="1"/>
+          </p:cNvSpPr>
+          <p:nvPr>
+            <p:ph sz="half" idx="2"/>
+          </p:nvPr>
+        </p:nvSpPr>
+        <p:spPr>
+          <a:xfrm>
+            <a:off x="6217920" y="1845735"/>
+            <a:ext cx="4937760" cy="4023360"/>
+          </a:xfrm>
+        </p:spPr>
+        <p:txBody>
+          <a:bodyPr/>
+          <a:lstStyle/>
+          <a:p>
+            <a:pPr lvl="0"/>
+            <a:r>
+              <a:rPr lang="ja-JP" altLang="en-US"/>
+              <a:t>マスター テキストの書式設定</a:t>
+            </a:r>
+          </a:p>
+          <a:p>
+            <a:pPr lvl="1"/>
+            <a:r>
+              <a:rPr lang="ja-JP" altLang="en-US"/>
+              <a:t>第 </a:t>
+            </a:r>
+            <a:r>
+              <a:rPr lang="en-US" altLang="ja-JP"/>
+              <a:t>2 </a:t>
+            </a:r>
+            <a:r>
+              <a:rPr lang="ja-JP" altLang="en-US"/>
+              <a:t>レベル</a:t>
+            </a:r>
+          </a:p>
+          <a:p>
+            <a:pPr lvl="2"/>
+            <a:r>
+              <a:rPr lang="ja-JP" altLang="en-US"/>
+              <a:t>第 </a:t>
+            </a:r>
+            <a:r>
+              <a:rPr lang="en-US" altLang="ja-JP"/>
+              <a:t>3 </a:t>
+            </a:r>
+            <a:r>
+              <a:rPr lang="ja-JP" altLang="en-US"/>
+              <a:t>レベル</a:t>
+            </a:r>
+          </a:p>
+          <a:p>
+            <a:pPr lvl="3"/>
+            <a:r>
+              <a:rPr lang="ja-JP" altLang="en-US"/>
+              <a:t>第 </a:t>
+            </a:r>
+            <a:r>
+              <a:rPr lang="en-US" altLang="ja-JP"/>
+              <a:t>4 </a:t>
+            </a:r>
+            <a:r>
+              <a:rPr lang="ja-JP" altLang="en-US"/>
+              <a:t>レベル</a:t>
+            </a:r>
+          </a:p>
+          <a:p>
+            <a:pPr lvl="4"/>
+            <a:r>
+              <a:rPr lang="ja-JP" altLang="en-US"/>
+              <a:t>第 </a:t>
+            </a:r>
+            <a:r>
+              <a:rPr lang="en-US" altLang="ja-JP"/>
+              <a:t>5 </a:t>
+            </a:r>
+            <a:r>
+              <a:rPr lang="ja-JP" altLang="en-US"/>
+              <a:t>レベル</a:t>
+            </a:r>
+            <a:endParaRPr lang="en-US" dirty="0"/>
+          </a:p>
+        </p:txBody>
+      </p:sp>
+      <p:sp>
+        <p:nvSpPr>
+          <p:cNvPr id="5" name="Date Placeholder 4"/>
           <p:cNvSpPr>
             <a:spLocks noGrp="1"/>
           </p:cNvSpPr>
@@ -3109,7 +3595,7 @@
           <a:p>
             <a:fld id="{C7088D3D-165A-46EA-B7B0-B1C3789A41AB}" type="datetimeFigureOut">
               <a:rPr kumimoji="1" lang="ja-JP" altLang="en-US" smtClean="0"/>
-              <a:t>2024/9/13</a:t>
+              <a:t>2024/9/17</a:t>
             </a:fld>
             <a:endParaRPr kumimoji="1" lang="ja-JP" altLang="en-US" dirty="0"/>
           </a:p>
@@ -3117,13 +3603,7 @@
       </p:sp>
       <p:sp>
         <p:nvSpPr>
-          <p:cNvPr id="6" name="フッター プレースホルダー 5">
-            <a:extLst>
-              <a:ext uri="{FF2B5EF4-FFF2-40B4-BE49-F238E27FC236}">
-                <a16:creationId xmlns:a16="http://schemas.microsoft.com/office/drawing/2014/main" id="{6D5874BD-B4E1-40A7-8E57-3AB0C9B735E2}"/>
-              </a:ext>
-            </a:extLst>
-          </p:cNvPr>
+          <p:cNvPr id="6" name="Footer Placeholder 5"/>
           <p:cNvSpPr>
             <a:spLocks noGrp="1"/>
           </p:cNvSpPr>
@@ -3142,13 +3622,7 @@
       </p:sp>
       <p:sp>
         <p:nvSpPr>
-          <p:cNvPr id="7" name="スライド番号プレースホルダー 6">
-            <a:extLst>
-              <a:ext uri="{FF2B5EF4-FFF2-40B4-BE49-F238E27FC236}">
-                <a16:creationId xmlns:a16="http://schemas.microsoft.com/office/drawing/2014/main" id="{E627AE11-B954-4164-AA9E-617ED229F043}"/>
-              </a:ext>
-            </a:extLst>
-          </p:cNvPr>
+          <p:cNvPr id="7" name="Slide Number Placeholder 6"/>
           <p:cNvSpPr>
             <a:spLocks noGrp="1"/>
           </p:cNvSpPr>
@@ -3172,7 +3646,7 @@
     </p:spTree>
     <p:extLst>
       <p:ext uri="{BB962C8B-B14F-4D97-AF65-F5344CB8AC3E}">
-        <p14:creationId xmlns:p14="http://schemas.microsoft.com/office/powerpoint/2010/main" val="783354590"/>
+        <p14:creationId xmlns:p14="http://schemas.microsoft.com/office/powerpoint/2010/main" val="3481562242"/>
       </p:ext>
     </p:extLst>
   </p:cSld>
@@ -3213,13 +3687,7 @@
       </p:grpSpPr>
       <p:sp>
         <p:nvSpPr>
-          <p:cNvPr id="2" name="タイトル 1">
-            <a:extLst>
-              <a:ext uri="{FF2B5EF4-FFF2-40B4-BE49-F238E27FC236}">
-                <a16:creationId xmlns:a16="http://schemas.microsoft.com/office/drawing/2014/main" id="{3B5FBA35-96FD-4CD8-8BE4-68DC8E7D7722}"/>
-              </a:ext>
-            </a:extLst>
-          </p:cNvPr>
+          <p:cNvPr id="10" name="Title 9"/>
           <p:cNvSpPr>
             <a:spLocks noGrp="1"/>
           </p:cNvSpPr>
@@ -3229,8 +3697,8 @@
         </p:nvSpPr>
         <p:spPr>
           <a:xfrm>
-            <a:off x="839788" y="365125"/>
-            <a:ext cx="10515600" cy="1325563"/>
+            <a:off x="1097280" y="286603"/>
+            <a:ext cx="10058400" cy="1450757"/>
           </a:xfrm>
         </p:spPr>
         <p:txBody>
@@ -3238,21 +3706,16 @@
           <a:lstStyle/>
           <a:p>
             <a:r>
-              <a:rPr kumimoji="1" lang="ja-JP" altLang="en-US"/>
+              <a:rPr lang="ja-JP" altLang="en-US"/>
               <a:t>マスター タイトルの書式設定</a:t>
             </a:r>
-          </a:p>
-        </p:txBody>
-      </p:sp>
-      <p:sp>
-        <p:nvSpPr>
-          <p:cNvPr id="3" name="テキスト プレースホルダー 2">
-            <a:extLst>
-              <a:ext uri="{FF2B5EF4-FFF2-40B4-BE49-F238E27FC236}">
-                <a16:creationId xmlns:a16="http://schemas.microsoft.com/office/drawing/2014/main" id="{0A7B8C33-A4CB-49E0-B63E-445F2AE75418}"/>
-              </a:ext>
-            </a:extLst>
-          </p:cNvPr>
+            <a:endParaRPr lang="en-US" dirty="0"/>
+          </a:p>
+        </p:txBody>
+      </p:sp>
+      <p:sp>
+        <p:nvSpPr>
+          <p:cNvPr id="3" name="Text Placeholder 2"/>
           <p:cNvSpPr>
             <a:spLocks noGrp="1"/>
           </p:cNvSpPr>
@@ -3262,16 +3725,22 @@
         </p:nvSpPr>
         <p:spPr>
           <a:xfrm>
-            <a:off x="839788" y="1681163"/>
-            <a:ext cx="5157787" cy="823912"/>
+            <a:off x="1097280" y="1846052"/>
+            <a:ext cx="4937760" cy="736282"/>
           </a:xfrm>
         </p:spPr>
         <p:txBody>
-          <a:bodyPr anchor="b"/>
+          <a:bodyPr lIns="91440" rIns="91440" anchor="ctr">
+            <a:normAutofit/>
+          </a:bodyPr>
           <a:lstStyle>
             <a:lvl1pPr marL="0" indent="0">
               <a:buNone/>
-              <a:defRPr sz="2400" b="1"/>
+              <a:defRPr sz="2000" b="0" cap="all" baseline="0">
+                <a:solidFill>
+                  <a:schemeClr val="tx2"/>
+                </a:solidFill>
+              </a:defRPr>
             </a:lvl1pPr>
             <a:lvl2pPr marL="457200" indent="0">
               <a:buNone/>
@@ -3309,7 +3778,7 @@
           <a:p>
             <a:pPr lvl="0"/>
             <a:r>
-              <a:rPr kumimoji="1" lang="ja-JP" altLang="en-US"/>
+              <a:rPr lang="ja-JP" altLang="en-US"/>
               <a:t>マスター テキストの書式設定</a:t>
             </a:r>
           </a:p>
@@ -3317,13 +3786,7 @@
       </p:sp>
       <p:sp>
         <p:nvSpPr>
-          <p:cNvPr id="4" name="コンテンツ プレースホルダー 3">
-            <a:extLst>
-              <a:ext uri="{FF2B5EF4-FFF2-40B4-BE49-F238E27FC236}">
-                <a16:creationId xmlns:a16="http://schemas.microsoft.com/office/drawing/2014/main" id="{A24CC423-1817-4896-9CCD-DB296D7D42CE}"/>
-              </a:ext>
-            </a:extLst>
-          </p:cNvPr>
+          <p:cNvPr id="4" name="Content Placeholder 3"/>
           <p:cNvSpPr>
             <a:spLocks noGrp="1"/>
           </p:cNvSpPr>
@@ -3333,8 +3796,8 @@
         </p:nvSpPr>
         <p:spPr>
           <a:xfrm>
-            <a:off x="839788" y="2505075"/>
-            <a:ext cx="5157787" cy="3684588"/>
+            <a:off x="1097280" y="2582334"/>
+            <a:ext cx="4937760" cy="3378200"/>
           </a:xfrm>
         </p:spPr>
         <p:txBody>
@@ -3343,81 +3806,76 @@
           <a:p>
             <a:pPr lvl="0"/>
             <a:r>
-              <a:rPr kumimoji="1" lang="ja-JP" altLang="en-US"/>
+              <a:rPr lang="ja-JP" altLang="en-US"/>
               <a:t>マスター テキストの書式設定</a:t>
             </a:r>
           </a:p>
           <a:p>
             <a:pPr lvl="1"/>
             <a:r>
-              <a:rPr kumimoji="1" lang="ja-JP" altLang="en-US"/>
+              <a:rPr lang="ja-JP" altLang="en-US"/>
               <a:t>第 </a:t>
             </a:r>
             <a:r>
-              <a:rPr kumimoji="1" lang="en-US" altLang="ja-JP"/>
+              <a:rPr lang="en-US" altLang="ja-JP"/>
               <a:t>2 </a:t>
             </a:r>
             <a:r>
-              <a:rPr kumimoji="1" lang="ja-JP" altLang="en-US"/>
+              <a:rPr lang="ja-JP" altLang="en-US"/>
               <a:t>レベル</a:t>
             </a:r>
           </a:p>
           <a:p>
             <a:pPr lvl="2"/>
             <a:r>
-              <a:rPr kumimoji="1" lang="ja-JP" altLang="en-US"/>
+              <a:rPr lang="ja-JP" altLang="en-US"/>
               <a:t>第 </a:t>
             </a:r>
             <a:r>
-              <a:rPr kumimoji="1" lang="en-US" altLang="ja-JP"/>
+              <a:rPr lang="en-US" altLang="ja-JP"/>
               <a:t>3 </a:t>
             </a:r>
             <a:r>
-              <a:rPr kumimoji="1" lang="ja-JP" altLang="en-US"/>
+              <a:rPr lang="ja-JP" altLang="en-US"/>
               <a:t>レベル</a:t>
             </a:r>
           </a:p>
           <a:p>
             <a:pPr lvl="3"/>
             <a:r>
-              <a:rPr kumimoji="1" lang="ja-JP" altLang="en-US"/>
+              <a:rPr lang="ja-JP" altLang="en-US"/>
               <a:t>第 </a:t>
             </a:r>
             <a:r>
-              <a:rPr kumimoji="1" lang="en-US" altLang="ja-JP"/>
+              <a:rPr lang="en-US" altLang="ja-JP"/>
               <a:t>4 </a:t>
             </a:r>
             <a:r>
-              <a:rPr kumimoji="1" lang="ja-JP" altLang="en-US"/>
+              <a:rPr lang="ja-JP" altLang="en-US"/>
               <a:t>レベル</a:t>
             </a:r>
           </a:p>
           <a:p>
             <a:pPr lvl="4"/>
             <a:r>
-              <a:rPr kumimoji="1" lang="ja-JP" altLang="en-US"/>
+              <a:rPr lang="ja-JP" altLang="en-US"/>
               <a:t>第 </a:t>
             </a:r>
             <a:r>
-              <a:rPr kumimoji="1" lang="en-US" altLang="ja-JP"/>
+              <a:rPr lang="en-US" altLang="ja-JP"/>
               <a:t>5 </a:t>
             </a:r>
             <a:r>
-              <a:rPr kumimoji="1" lang="ja-JP" altLang="en-US"/>
+              <a:rPr lang="ja-JP" altLang="en-US"/>
               <a:t>レベル</a:t>
             </a:r>
-          </a:p>
-        </p:txBody>
-      </p:sp>
-      <p:sp>
-        <p:nvSpPr>
-          <p:cNvPr id="5" name="テキスト プレースホルダー 4">
-            <a:extLst>
-              <a:ext uri="{FF2B5EF4-FFF2-40B4-BE49-F238E27FC236}">
-                <a16:creationId xmlns:a16="http://schemas.microsoft.com/office/drawing/2014/main" id="{7E347DCC-0AC3-4B87-BF0E-CB94D1F3C18F}"/>
-              </a:ext>
-            </a:extLst>
-          </p:cNvPr>
+            <a:endParaRPr lang="en-US" dirty="0"/>
+          </a:p>
+        </p:txBody>
+      </p:sp>
+      <p:sp>
+        <p:nvSpPr>
+          <p:cNvPr id="5" name="Text Placeholder 4"/>
           <p:cNvSpPr>
             <a:spLocks noGrp="1"/>
           </p:cNvSpPr>
@@ -3427,16 +3885,22 @@
         </p:nvSpPr>
         <p:spPr>
           <a:xfrm>
-            <a:off x="6172200" y="1681163"/>
-            <a:ext cx="5183188" cy="823912"/>
+            <a:off x="6217920" y="1846052"/>
+            <a:ext cx="4937760" cy="736282"/>
           </a:xfrm>
         </p:spPr>
         <p:txBody>
-          <a:bodyPr anchor="b"/>
+          <a:bodyPr lIns="91440" rIns="91440" anchor="ctr">
+            <a:normAutofit/>
+          </a:bodyPr>
           <a:lstStyle>
             <a:lvl1pPr marL="0" indent="0">
               <a:buNone/>
-              <a:defRPr sz="2400" b="1"/>
+              <a:defRPr sz="2000" b="0" cap="all" baseline="0">
+                <a:solidFill>
+                  <a:schemeClr val="tx2"/>
+                </a:solidFill>
+              </a:defRPr>
             </a:lvl1pPr>
             <a:lvl2pPr marL="457200" indent="0">
               <a:buNone/>
@@ -3474,7 +3938,7 @@
           <a:p>
             <a:pPr lvl="0"/>
             <a:r>
-              <a:rPr kumimoji="1" lang="ja-JP" altLang="en-US"/>
+              <a:rPr lang="ja-JP" altLang="en-US"/>
               <a:t>マスター テキストの書式設定</a:t>
             </a:r>
           </a:p>
@@ -3482,13 +3946,7 @@
       </p:sp>
       <p:sp>
         <p:nvSpPr>
-          <p:cNvPr id="6" name="コンテンツ プレースホルダー 5">
-            <a:extLst>
-              <a:ext uri="{FF2B5EF4-FFF2-40B4-BE49-F238E27FC236}">
-                <a16:creationId xmlns:a16="http://schemas.microsoft.com/office/drawing/2014/main" id="{C129ED82-E468-42F1-ADF2-4F7B7FD9DEF9}"/>
-              </a:ext>
-            </a:extLst>
-          </p:cNvPr>
+          <p:cNvPr id="6" name="Content Placeholder 5"/>
           <p:cNvSpPr>
             <a:spLocks noGrp="1"/>
           </p:cNvSpPr>
@@ -3498,8 +3956,8 @@
         </p:nvSpPr>
         <p:spPr>
           <a:xfrm>
-            <a:off x="6172200" y="2505075"/>
-            <a:ext cx="5183188" cy="3684588"/>
+            <a:off x="6217920" y="2582334"/>
+            <a:ext cx="4937760" cy="3378200"/>
           </a:xfrm>
         </p:spPr>
         <p:txBody>
@@ -3508,81 +3966,76 @@
           <a:p>
             <a:pPr lvl="0"/>
             <a:r>
-              <a:rPr kumimoji="1" lang="ja-JP" altLang="en-US"/>
+              <a:rPr lang="ja-JP" altLang="en-US"/>
               <a:t>マスター テキストの書式設定</a:t>
             </a:r>
           </a:p>
           <a:p>
             <a:pPr lvl="1"/>
             <a:r>
-              <a:rPr kumimoji="1" lang="ja-JP" altLang="en-US"/>
+              <a:rPr lang="ja-JP" altLang="en-US"/>
               <a:t>第 </a:t>
             </a:r>
             <a:r>
-              <a:rPr kumimoji="1" lang="en-US" altLang="ja-JP"/>
+              <a:rPr lang="en-US" altLang="ja-JP"/>
               <a:t>2 </a:t>
             </a:r>
             <a:r>
-              <a:rPr kumimoji="1" lang="ja-JP" altLang="en-US"/>
+              <a:rPr lang="ja-JP" altLang="en-US"/>
               <a:t>レベル</a:t>
             </a:r>
           </a:p>
           <a:p>
             <a:pPr lvl="2"/>
             <a:r>
-              <a:rPr kumimoji="1" lang="ja-JP" altLang="en-US"/>
+              <a:rPr lang="ja-JP" altLang="en-US"/>
               <a:t>第 </a:t>
             </a:r>
             <a:r>
-              <a:rPr kumimoji="1" lang="en-US" altLang="ja-JP"/>
+              <a:rPr lang="en-US" altLang="ja-JP"/>
               <a:t>3 </a:t>
             </a:r>
             <a:r>
-              <a:rPr kumimoji="1" lang="ja-JP" altLang="en-US"/>
+              <a:rPr lang="ja-JP" altLang="en-US"/>
               <a:t>レベル</a:t>
             </a:r>
           </a:p>
           <a:p>
             <a:pPr lvl="3"/>
             <a:r>
-              <a:rPr kumimoji="1" lang="ja-JP" altLang="en-US"/>
+              <a:rPr lang="ja-JP" altLang="en-US"/>
               <a:t>第 </a:t>
             </a:r>
             <a:r>
-              <a:rPr kumimoji="1" lang="en-US" altLang="ja-JP"/>
+              <a:rPr lang="en-US" altLang="ja-JP"/>
               <a:t>4 </a:t>
             </a:r>
             <a:r>
-              <a:rPr kumimoji="1" lang="ja-JP" altLang="en-US"/>
+              <a:rPr lang="ja-JP" altLang="en-US"/>
               <a:t>レベル</a:t>
             </a:r>
           </a:p>
           <a:p>
             <a:pPr lvl="4"/>
             <a:r>
-              <a:rPr kumimoji="1" lang="ja-JP" altLang="en-US"/>
+              <a:rPr lang="ja-JP" altLang="en-US"/>
               <a:t>第 </a:t>
             </a:r>
             <a:r>
-              <a:rPr kumimoji="1" lang="en-US" altLang="ja-JP"/>
+              <a:rPr lang="en-US" altLang="ja-JP"/>
               <a:t>5 </a:t>
             </a:r>
             <a:r>
-              <a:rPr kumimoji="1" lang="ja-JP" altLang="en-US"/>
+              <a:rPr lang="ja-JP" altLang="en-US"/>
               <a:t>レベル</a:t>
             </a:r>
-          </a:p>
-        </p:txBody>
-      </p:sp>
-      <p:sp>
-        <p:nvSpPr>
-          <p:cNvPr id="7" name="日付プレースホルダー 6">
-            <a:extLst>
-              <a:ext uri="{FF2B5EF4-FFF2-40B4-BE49-F238E27FC236}">
-                <a16:creationId xmlns:a16="http://schemas.microsoft.com/office/drawing/2014/main" id="{4DEEEE01-7D02-4662-AD8D-518E6F910EE8}"/>
-              </a:ext>
-            </a:extLst>
-          </p:cNvPr>
+            <a:endParaRPr lang="en-US" dirty="0"/>
+          </a:p>
+        </p:txBody>
+      </p:sp>
+      <p:sp>
+        <p:nvSpPr>
+          <p:cNvPr id="7" name="Date Placeholder 6"/>
           <p:cNvSpPr>
             <a:spLocks noGrp="1"/>
           </p:cNvSpPr>
@@ -3597,7 +4050,7 @@
           <a:p>
             <a:fld id="{C7088D3D-165A-46EA-B7B0-B1C3789A41AB}" type="datetimeFigureOut">
               <a:rPr kumimoji="1" lang="ja-JP" altLang="en-US" smtClean="0"/>
-              <a:t>2024/9/13</a:t>
+              <a:t>2024/9/17</a:t>
             </a:fld>
             <a:endParaRPr kumimoji="1" lang="ja-JP" altLang="en-US" dirty="0"/>
           </a:p>
@@ -3605,13 +4058,7 @@
       </p:sp>
       <p:sp>
         <p:nvSpPr>
-          <p:cNvPr id="8" name="フッター プレースホルダー 7">
-            <a:extLst>
-              <a:ext uri="{FF2B5EF4-FFF2-40B4-BE49-F238E27FC236}">
-                <a16:creationId xmlns:a16="http://schemas.microsoft.com/office/drawing/2014/main" id="{194EFD7A-C203-4068-AEE7-EC5D6C90421A}"/>
-              </a:ext>
-            </a:extLst>
-          </p:cNvPr>
+          <p:cNvPr id="8" name="Footer Placeholder 7"/>
           <p:cNvSpPr>
             <a:spLocks noGrp="1"/>
           </p:cNvSpPr>
@@ -3630,13 +4077,7 @@
       </p:sp>
       <p:sp>
         <p:nvSpPr>
-          <p:cNvPr id="9" name="スライド番号プレースホルダー 8">
-            <a:extLst>
-              <a:ext uri="{FF2B5EF4-FFF2-40B4-BE49-F238E27FC236}">
-                <a16:creationId xmlns:a16="http://schemas.microsoft.com/office/drawing/2014/main" id="{BB1DA7A2-890E-4385-BA7B-31665799263B}"/>
-              </a:ext>
-            </a:extLst>
-          </p:cNvPr>
+          <p:cNvPr id="9" name="Slide Number Placeholder 8"/>
           <p:cNvSpPr>
             <a:spLocks noGrp="1"/>
           </p:cNvSpPr>
@@ -3660,7 +4101,7 @@
     </p:spTree>
     <p:extLst>
       <p:ext uri="{BB962C8B-B14F-4D97-AF65-F5344CB8AC3E}">
-        <p14:creationId xmlns:p14="http://schemas.microsoft.com/office/powerpoint/2010/main" val="3869794850"/>
+        <p14:creationId xmlns:p14="http://schemas.microsoft.com/office/powerpoint/2010/main" val="3252050690"/>
       </p:ext>
     </p:extLst>
   </p:cSld>
@@ -3701,13 +4142,7 @@
       </p:grpSpPr>
       <p:sp>
         <p:nvSpPr>
-          <p:cNvPr id="2" name="タイトル 1">
-            <a:extLst>
-              <a:ext uri="{FF2B5EF4-FFF2-40B4-BE49-F238E27FC236}">
-                <a16:creationId xmlns:a16="http://schemas.microsoft.com/office/drawing/2014/main" id="{82C3165C-7EBC-4DD9-9F66-5ADFDAB517D8}"/>
-              </a:ext>
-            </a:extLst>
-          </p:cNvPr>
+          <p:cNvPr id="2" name="Title 1"/>
           <p:cNvSpPr>
             <a:spLocks noGrp="1"/>
           </p:cNvSpPr>
@@ -3721,21 +4156,16 @@
           <a:lstStyle/>
           <a:p>
             <a:r>
-              <a:rPr kumimoji="1" lang="ja-JP" altLang="en-US"/>
+              <a:rPr lang="ja-JP" altLang="en-US"/>
               <a:t>マスター タイトルの書式設定</a:t>
             </a:r>
-          </a:p>
-        </p:txBody>
-      </p:sp>
-      <p:sp>
-        <p:nvSpPr>
-          <p:cNvPr id="3" name="日付プレースホルダー 2">
-            <a:extLst>
-              <a:ext uri="{FF2B5EF4-FFF2-40B4-BE49-F238E27FC236}">
-                <a16:creationId xmlns:a16="http://schemas.microsoft.com/office/drawing/2014/main" id="{EB8C9DFC-8D02-4891-B41D-B08A3844C55E}"/>
-              </a:ext>
-            </a:extLst>
-          </p:cNvPr>
+            <a:endParaRPr lang="en-US" dirty="0"/>
+          </a:p>
+        </p:txBody>
+      </p:sp>
+      <p:sp>
+        <p:nvSpPr>
+          <p:cNvPr id="3" name="Date Placeholder 2"/>
           <p:cNvSpPr>
             <a:spLocks noGrp="1"/>
           </p:cNvSpPr>
@@ -3750,7 +4180,7 @@
           <a:p>
             <a:fld id="{C7088D3D-165A-46EA-B7B0-B1C3789A41AB}" type="datetimeFigureOut">
               <a:rPr kumimoji="1" lang="ja-JP" altLang="en-US" smtClean="0"/>
-              <a:t>2024/9/13</a:t>
+              <a:t>2024/9/17</a:t>
             </a:fld>
             <a:endParaRPr kumimoji="1" lang="ja-JP" altLang="en-US" dirty="0"/>
           </a:p>
@@ -3758,13 +4188,7 @@
       </p:sp>
       <p:sp>
         <p:nvSpPr>
-          <p:cNvPr id="4" name="フッター プレースホルダー 3">
-            <a:extLst>
-              <a:ext uri="{FF2B5EF4-FFF2-40B4-BE49-F238E27FC236}">
-                <a16:creationId xmlns:a16="http://schemas.microsoft.com/office/drawing/2014/main" id="{51FCA073-D432-4ACA-9E65-27B304606454}"/>
-              </a:ext>
-            </a:extLst>
-          </p:cNvPr>
+          <p:cNvPr id="4" name="Footer Placeholder 3"/>
           <p:cNvSpPr>
             <a:spLocks noGrp="1"/>
           </p:cNvSpPr>
@@ -3783,13 +4207,7 @@
       </p:sp>
       <p:sp>
         <p:nvSpPr>
-          <p:cNvPr id="5" name="スライド番号プレースホルダー 4">
-            <a:extLst>
-              <a:ext uri="{FF2B5EF4-FFF2-40B4-BE49-F238E27FC236}">
-                <a16:creationId xmlns:a16="http://schemas.microsoft.com/office/drawing/2014/main" id="{EAD56FC5-F4BD-47FB-A34A-D5F7CAE1232A}"/>
-              </a:ext>
-            </a:extLst>
-          </p:cNvPr>
+          <p:cNvPr id="5" name="Slide Number Placeholder 4"/>
           <p:cNvSpPr>
             <a:spLocks noGrp="1"/>
           </p:cNvSpPr>
@@ -3813,7 +4231,7 @@
     </p:spTree>
     <p:extLst>
       <p:ext uri="{BB962C8B-B14F-4D97-AF65-F5344CB8AC3E}">
-        <p14:creationId xmlns:p14="http://schemas.microsoft.com/office/powerpoint/2010/main" val="4066436816"/>
+        <p14:creationId xmlns:p14="http://schemas.microsoft.com/office/powerpoint/2010/main" val="1639584373"/>
       </p:ext>
     </p:extLst>
   </p:cSld>
@@ -3836,7 +4254,7 @@
 </file>
 
 <file path=ppt/slideLayouts/slideLayout7.xml><?xml version="1.0" encoding="utf-8"?>
-<p:sldLayout xmlns:a="http://schemas.openxmlformats.org/drawingml/2006/main" xmlns:r="http://schemas.openxmlformats.org/officeDocument/2006/relationships" xmlns:p="http://schemas.openxmlformats.org/presentationml/2006/main" type="blank" preserve="1">
+<p:sldLayout xmlns:a="http://schemas.openxmlformats.org/drawingml/2006/main" xmlns:r="http://schemas.openxmlformats.org/officeDocument/2006/relationships" xmlns:p="http://schemas.openxmlformats.org/presentationml/2006/main" showMasterSp="0" type="blank" preserve="1">
   <p:cSld name="白紙">
     <p:spTree>
       <p:nvGrpSpPr>
@@ -3854,13 +4272,83 @@
       </p:grpSpPr>
       <p:sp>
         <p:nvSpPr>
-          <p:cNvPr id="2" name="日付プレースホルダー 1">
-            <a:extLst>
-              <a:ext uri="{FF2B5EF4-FFF2-40B4-BE49-F238E27FC236}">
-                <a16:creationId xmlns:a16="http://schemas.microsoft.com/office/drawing/2014/main" id="{483F8779-270B-4065-BEE6-2C8D9EC566C8}"/>
-              </a:ext>
-            </a:extLst>
-          </p:cNvPr>
+          <p:cNvPr id="5" name="Rectangle 4"/>
+          <p:cNvSpPr/>
+          <p:nvPr/>
+        </p:nvSpPr>
+        <p:spPr>
+          <a:xfrm>
+            <a:off x="3175" y="6400800"/>
+            <a:ext cx="12188825" cy="457200"/>
+          </a:xfrm>
+          <a:prstGeom prst="rect">
+            <a:avLst/>
+          </a:prstGeom>
+          <a:solidFill>
+            <a:schemeClr val="accent2"/>
+          </a:solidFill>
+          <a:ln>
+            <a:noFill/>
+          </a:ln>
+        </p:spPr>
+        <p:style>
+          <a:lnRef idx="2">
+            <a:schemeClr val="accent1">
+              <a:shade val="50000"/>
+            </a:schemeClr>
+          </a:lnRef>
+          <a:fillRef idx="1">
+            <a:schemeClr val="accent1"/>
+          </a:fillRef>
+          <a:effectRef idx="0">
+            <a:schemeClr val="accent1"/>
+          </a:effectRef>
+          <a:fontRef idx="minor">
+            <a:schemeClr val="lt1"/>
+          </a:fontRef>
+        </p:style>
+      </p:sp>
+      <p:sp>
+        <p:nvSpPr>
+          <p:cNvPr id="6" name="Rectangle 5"/>
+          <p:cNvSpPr/>
+          <p:nvPr/>
+        </p:nvSpPr>
+        <p:spPr>
+          <a:xfrm>
+            <a:off x="15" y="6334316"/>
+            <a:ext cx="12188825" cy="64008"/>
+          </a:xfrm>
+          <a:prstGeom prst="rect">
+            <a:avLst/>
+          </a:prstGeom>
+          <a:solidFill>
+            <a:schemeClr val="accent1"/>
+          </a:solidFill>
+          <a:ln>
+            <a:noFill/>
+          </a:ln>
+        </p:spPr>
+        <p:style>
+          <a:lnRef idx="2">
+            <a:schemeClr val="accent1">
+              <a:shade val="50000"/>
+            </a:schemeClr>
+          </a:lnRef>
+          <a:fillRef idx="1">
+            <a:schemeClr val="accent1"/>
+          </a:fillRef>
+          <a:effectRef idx="0">
+            <a:schemeClr val="accent1"/>
+          </a:effectRef>
+          <a:fontRef idx="minor">
+            <a:schemeClr val="lt1"/>
+          </a:fontRef>
+        </p:style>
+      </p:sp>
+      <p:sp>
+        <p:nvSpPr>
+          <p:cNvPr id="7" name="Date Placeholder 6"/>
           <p:cNvSpPr>
             <a:spLocks noGrp="1"/>
           </p:cNvSpPr>
@@ -3875,7 +4363,7 @@
           <a:p>
             <a:fld id="{C7088D3D-165A-46EA-B7B0-B1C3789A41AB}" type="datetimeFigureOut">
               <a:rPr kumimoji="1" lang="ja-JP" altLang="en-US" smtClean="0"/>
-              <a:t>2024/9/13</a:t>
+              <a:t>2024/9/17</a:t>
             </a:fld>
             <a:endParaRPr kumimoji="1" lang="ja-JP" altLang="en-US" dirty="0"/>
           </a:p>
@@ -3883,13 +4371,7 @@
       </p:sp>
       <p:sp>
         <p:nvSpPr>
-          <p:cNvPr id="3" name="フッター プレースホルダー 2">
-            <a:extLst>
-              <a:ext uri="{FF2B5EF4-FFF2-40B4-BE49-F238E27FC236}">
-                <a16:creationId xmlns:a16="http://schemas.microsoft.com/office/drawing/2014/main" id="{8EDD0D40-DF0C-4C21-8B96-D4D9C7EE15AB}"/>
-              </a:ext>
-            </a:extLst>
-          </p:cNvPr>
+          <p:cNvPr id="8" name="Footer Placeholder 7"/>
           <p:cNvSpPr>
             <a:spLocks noGrp="1"/>
           </p:cNvSpPr>
@@ -3900,7 +4382,15 @@
         <p:spPr/>
         <p:txBody>
           <a:bodyPr/>
-          <a:lstStyle/>
+          <a:lstStyle>
+            <a:lvl1pPr>
+              <a:defRPr>
+                <a:solidFill>
+                  <a:srgbClr val="FFFFFF"/>
+                </a:solidFill>
+              </a:defRPr>
+            </a:lvl1pPr>
+          </a:lstStyle>
           <a:p>
             <a:endParaRPr kumimoji="1" lang="ja-JP" altLang="en-US" dirty="0"/>
           </a:p>
@@ -3908,13 +4398,7 @@
       </p:sp>
       <p:sp>
         <p:nvSpPr>
-          <p:cNvPr id="4" name="スライド番号プレースホルダー 3">
-            <a:extLst>
-              <a:ext uri="{FF2B5EF4-FFF2-40B4-BE49-F238E27FC236}">
-                <a16:creationId xmlns:a16="http://schemas.microsoft.com/office/drawing/2014/main" id="{0B8023D1-2EF6-4FF0-8056-98294EA27F71}"/>
-              </a:ext>
-            </a:extLst>
-          </p:cNvPr>
+          <p:cNvPr id="9" name="Slide Number Placeholder 8"/>
           <p:cNvSpPr>
             <a:spLocks noGrp="1"/>
           </p:cNvSpPr>
@@ -3938,7 +4422,7 @@
     </p:spTree>
     <p:extLst>
       <p:ext uri="{BB962C8B-B14F-4D97-AF65-F5344CB8AC3E}">
-        <p14:creationId xmlns:p14="http://schemas.microsoft.com/office/powerpoint/2010/main" val="343209361"/>
+        <p14:creationId xmlns:p14="http://schemas.microsoft.com/office/powerpoint/2010/main" val="1155433146"/>
       </p:ext>
     </p:extLst>
   </p:cSld>
@@ -3961,7 +4445,7 @@
 </file>
 
 <file path=ppt/slideLayouts/slideLayout8.xml><?xml version="1.0" encoding="utf-8"?>
-<p:sldLayout xmlns:a="http://schemas.openxmlformats.org/drawingml/2006/main" xmlns:r="http://schemas.openxmlformats.org/officeDocument/2006/relationships" xmlns:p="http://schemas.openxmlformats.org/presentationml/2006/main" type="objTx" preserve="1">
+<p:sldLayout xmlns:a="http://schemas.openxmlformats.org/drawingml/2006/main" xmlns:r="http://schemas.openxmlformats.org/officeDocument/2006/relationships" xmlns:p="http://schemas.openxmlformats.org/presentationml/2006/main" showMasterSp="0" type="objTx" preserve="1">
   <p:cSld name="タイトル付きのコンテンツ">
     <p:spTree>
       <p:nvGrpSpPr>
@@ -3979,50 +4463,121 @@
       </p:grpSpPr>
       <p:sp>
         <p:nvSpPr>
-          <p:cNvPr id="2" name="タイトル 1">
-            <a:extLst>
-              <a:ext uri="{FF2B5EF4-FFF2-40B4-BE49-F238E27FC236}">
-                <a16:creationId xmlns:a16="http://schemas.microsoft.com/office/drawing/2014/main" id="{E83DFA84-CEEE-4F56-A5D6-6B50EB197618}"/>
-              </a:ext>
-            </a:extLst>
-          </p:cNvPr>
-          <p:cNvSpPr>
-            <a:spLocks noGrp="1"/>
-          </p:cNvSpPr>
-          <p:nvPr>
-            <p:ph type="title"/>
-          </p:nvPr>
+          <p:cNvPr id="8" name="Rectangle 7"/>
+          <p:cNvSpPr/>
+          <p:nvPr/>
         </p:nvSpPr>
         <p:spPr>
           <a:xfrm>
-            <a:off x="839788" y="457200"/>
-            <a:ext cx="3932237" cy="1600200"/>
+            <a:off x="16" y="0"/>
+            <a:ext cx="4050791" cy="6858000"/>
+          </a:xfrm>
+          <a:prstGeom prst="rect">
+            <a:avLst/>
+          </a:prstGeom>
+          <a:solidFill>
+            <a:schemeClr val="accent2"/>
+          </a:solidFill>
+          <a:ln>
+            <a:noFill/>
+          </a:ln>
+        </p:spPr>
+        <p:style>
+          <a:lnRef idx="2">
+            <a:schemeClr val="accent1">
+              <a:shade val="50000"/>
+            </a:schemeClr>
+          </a:lnRef>
+          <a:fillRef idx="1">
+            <a:schemeClr val="accent1"/>
+          </a:fillRef>
+          <a:effectRef idx="0">
+            <a:schemeClr val="accent1"/>
+          </a:effectRef>
+          <a:fontRef idx="minor">
+            <a:schemeClr val="lt1"/>
+          </a:fontRef>
+        </p:style>
+      </p:sp>
+      <p:sp>
+        <p:nvSpPr>
+          <p:cNvPr id="9" name="Rectangle 8"/>
+          <p:cNvSpPr/>
+          <p:nvPr/>
+        </p:nvSpPr>
+        <p:spPr>
+          <a:xfrm>
+            <a:off x="4040071" y="0"/>
+            <a:ext cx="64008" cy="6858000"/>
+          </a:xfrm>
+          <a:prstGeom prst="rect">
+            <a:avLst/>
+          </a:prstGeom>
+          <a:solidFill>
+            <a:schemeClr val="accent1"/>
+          </a:solidFill>
+          <a:ln>
+            <a:noFill/>
+          </a:ln>
+        </p:spPr>
+        <p:style>
+          <a:lnRef idx="2">
+            <a:schemeClr val="accent1">
+              <a:shade val="50000"/>
+            </a:schemeClr>
+          </a:lnRef>
+          <a:fillRef idx="1">
+            <a:schemeClr val="accent1"/>
+          </a:fillRef>
+          <a:effectRef idx="0">
+            <a:schemeClr val="accent1"/>
+          </a:effectRef>
+          <a:fontRef idx="minor">
+            <a:schemeClr val="lt1"/>
+          </a:fontRef>
+        </p:style>
+      </p:sp>
+      <p:sp>
+        <p:nvSpPr>
+          <p:cNvPr id="2" name="Title 1"/>
+          <p:cNvSpPr>
+            <a:spLocks noGrp="1"/>
+          </p:cNvSpPr>
+          <p:nvPr>
+            <p:ph type="title"/>
+          </p:nvPr>
+        </p:nvSpPr>
+        <p:spPr>
+          <a:xfrm>
+            <a:off x="457200" y="594359"/>
+            <a:ext cx="3200400" cy="2286000"/>
           </a:xfrm>
         </p:spPr>
         <p:txBody>
-          <a:bodyPr anchor="b"/>
+          <a:bodyPr anchor="b">
+            <a:normAutofit/>
+          </a:bodyPr>
           <a:lstStyle>
             <a:lvl1pPr>
-              <a:defRPr sz="3200"/>
+              <a:defRPr sz="3600" b="0">
+                <a:solidFill>
+                  <a:srgbClr val="FFFFFF"/>
+                </a:solidFill>
+              </a:defRPr>
             </a:lvl1pPr>
           </a:lstStyle>
           <a:p>
             <a:r>
-              <a:rPr kumimoji="1" lang="ja-JP" altLang="en-US"/>
+              <a:rPr lang="ja-JP" altLang="en-US"/>
               <a:t>マスター タイトルの書式設定</a:t>
             </a:r>
-          </a:p>
-        </p:txBody>
-      </p:sp>
-      <p:sp>
-        <p:nvSpPr>
-          <p:cNvPr id="3" name="コンテンツ プレースホルダー 2">
-            <a:extLst>
-              <a:ext uri="{FF2B5EF4-FFF2-40B4-BE49-F238E27FC236}">
-                <a16:creationId xmlns:a16="http://schemas.microsoft.com/office/drawing/2014/main" id="{E42568AF-9A80-4996-A556-D6257EFA05B8}"/>
-              </a:ext>
-            </a:extLst>
-          </p:cNvPr>
+            <a:endParaRPr lang="en-US" dirty="0"/>
+          </a:p>
+        </p:txBody>
+      </p:sp>
+      <p:sp>
+        <p:nvSpPr>
+          <p:cNvPr id="3" name="Content Placeholder 2"/>
           <p:cNvSpPr>
             <a:spLocks noGrp="1"/>
           </p:cNvSpPr>
@@ -4032,255 +4587,240 @@
         </p:nvSpPr>
         <p:spPr>
           <a:xfrm>
-            <a:off x="5183188" y="987425"/>
-            <a:ext cx="6172200" cy="4873625"/>
+            <a:off x="4800600" y="731520"/>
+            <a:ext cx="6492240" cy="5257800"/>
           </a:xfrm>
         </p:spPr>
+        <p:txBody>
+          <a:bodyPr/>
+          <a:lstStyle/>
+          <a:p>
+            <a:pPr lvl="0"/>
+            <a:r>
+              <a:rPr lang="ja-JP" altLang="en-US"/>
+              <a:t>マスター テキストの書式設定</a:t>
+            </a:r>
+          </a:p>
+          <a:p>
+            <a:pPr lvl="1"/>
+            <a:r>
+              <a:rPr lang="ja-JP" altLang="en-US"/>
+              <a:t>第 </a:t>
+            </a:r>
+            <a:r>
+              <a:rPr lang="en-US" altLang="ja-JP"/>
+              <a:t>2 </a:t>
+            </a:r>
+            <a:r>
+              <a:rPr lang="ja-JP" altLang="en-US"/>
+              <a:t>レベル</a:t>
+            </a:r>
+          </a:p>
+          <a:p>
+            <a:pPr lvl="2"/>
+            <a:r>
+              <a:rPr lang="ja-JP" altLang="en-US"/>
+              <a:t>第 </a:t>
+            </a:r>
+            <a:r>
+              <a:rPr lang="en-US" altLang="ja-JP"/>
+              <a:t>3 </a:t>
+            </a:r>
+            <a:r>
+              <a:rPr lang="ja-JP" altLang="en-US"/>
+              <a:t>レベル</a:t>
+            </a:r>
+          </a:p>
+          <a:p>
+            <a:pPr lvl="3"/>
+            <a:r>
+              <a:rPr lang="ja-JP" altLang="en-US"/>
+              <a:t>第 </a:t>
+            </a:r>
+            <a:r>
+              <a:rPr lang="en-US" altLang="ja-JP"/>
+              <a:t>4 </a:t>
+            </a:r>
+            <a:r>
+              <a:rPr lang="ja-JP" altLang="en-US"/>
+              <a:t>レベル</a:t>
+            </a:r>
+          </a:p>
+          <a:p>
+            <a:pPr lvl="4"/>
+            <a:r>
+              <a:rPr lang="ja-JP" altLang="en-US"/>
+              <a:t>第 </a:t>
+            </a:r>
+            <a:r>
+              <a:rPr lang="en-US" altLang="ja-JP"/>
+              <a:t>5 </a:t>
+            </a:r>
+            <a:r>
+              <a:rPr lang="ja-JP" altLang="en-US"/>
+              <a:t>レベル</a:t>
+            </a:r>
+            <a:endParaRPr lang="en-US" dirty="0"/>
+          </a:p>
+        </p:txBody>
+      </p:sp>
+      <p:sp>
+        <p:nvSpPr>
+          <p:cNvPr id="4" name="Text Placeholder 3"/>
+          <p:cNvSpPr>
+            <a:spLocks noGrp="1"/>
+          </p:cNvSpPr>
+          <p:nvPr>
+            <p:ph type="body" sz="half" idx="2"/>
+          </p:nvPr>
+        </p:nvSpPr>
+        <p:spPr>
+          <a:xfrm>
+            <a:off x="457200" y="2926080"/>
+            <a:ext cx="3200400" cy="3379124"/>
+          </a:xfrm>
+        </p:spPr>
+        <p:txBody>
+          <a:bodyPr lIns="91440" rIns="91440">
+            <a:normAutofit/>
+          </a:bodyPr>
+          <a:lstStyle>
+            <a:lvl1pPr marL="0" indent="0">
+              <a:buNone/>
+              <a:defRPr sz="1500">
+                <a:solidFill>
+                  <a:srgbClr val="FFFFFF"/>
+                </a:solidFill>
+              </a:defRPr>
+            </a:lvl1pPr>
+            <a:lvl2pPr marL="457200" indent="0">
+              <a:buNone/>
+              <a:defRPr sz="1200"/>
+            </a:lvl2pPr>
+            <a:lvl3pPr marL="914400" indent="0">
+              <a:buNone/>
+              <a:defRPr sz="1000"/>
+            </a:lvl3pPr>
+            <a:lvl4pPr marL="1371600" indent="0">
+              <a:buNone/>
+              <a:defRPr sz="900"/>
+            </a:lvl4pPr>
+            <a:lvl5pPr marL="1828800" indent="0">
+              <a:buNone/>
+              <a:defRPr sz="900"/>
+            </a:lvl5pPr>
+            <a:lvl6pPr marL="2286000" indent="0">
+              <a:buNone/>
+              <a:defRPr sz="900"/>
+            </a:lvl6pPr>
+            <a:lvl7pPr marL="2743200" indent="0">
+              <a:buNone/>
+              <a:defRPr sz="900"/>
+            </a:lvl7pPr>
+            <a:lvl8pPr marL="3200400" indent="0">
+              <a:buNone/>
+              <a:defRPr sz="900"/>
+            </a:lvl8pPr>
+            <a:lvl9pPr marL="3657600" indent="0">
+              <a:buNone/>
+              <a:defRPr sz="900"/>
+            </a:lvl9pPr>
+          </a:lstStyle>
+          <a:p>
+            <a:pPr lvl="0"/>
+            <a:r>
+              <a:rPr lang="ja-JP" altLang="en-US"/>
+              <a:t>マスター テキストの書式設定</a:t>
+            </a:r>
+          </a:p>
+        </p:txBody>
+      </p:sp>
+      <p:sp>
+        <p:nvSpPr>
+          <p:cNvPr id="5" name="Date Placeholder 4"/>
+          <p:cNvSpPr>
+            <a:spLocks noGrp="1"/>
+          </p:cNvSpPr>
+          <p:nvPr>
+            <p:ph type="dt" sz="half" idx="10"/>
+          </p:nvPr>
+        </p:nvSpPr>
+        <p:spPr>
+          <a:xfrm>
+            <a:off x="465512" y="6459785"/>
+            <a:ext cx="2618510" cy="365125"/>
+          </a:xfrm>
+        </p:spPr>
+        <p:txBody>
+          <a:bodyPr/>
+          <a:lstStyle>
+            <a:lvl1pPr algn="l">
+              <a:defRPr/>
+            </a:lvl1pPr>
+          </a:lstStyle>
+          <a:p>
+            <a:fld id="{C7088D3D-165A-46EA-B7B0-B1C3789A41AB}" type="datetimeFigureOut">
+              <a:rPr kumimoji="1" lang="ja-JP" altLang="en-US" smtClean="0"/>
+              <a:t>2024/9/17</a:t>
+            </a:fld>
+            <a:endParaRPr kumimoji="1" lang="ja-JP" altLang="en-US" dirty="0"/>
+          </a:p>
+        </p:txBody>
+      </p:sp>
+      <p:sp>
+        <p:nvSpPr>
+          <p:cNvPr id="6" name="Footer Placeholder 5"/>
+          <p:cNvSpPr>
+            <a:spLocks noGrp="1"/>
+          </p:cNvSpPr>
+          <p:nvPr>
+            <p:ph type="ftr" sz="quarter" idx="11"/>
+          </p:nvPr>
+        </p:nvSpPr>
+        <p:spPr>
+          <a:xfrm>
+            <a:off x="4800600" y="6459785"/>
+            <a:ext cx="4648200" cy="365125"/>
+          </a:xfrm>
+        </p:spPr>
+        <p:txBody>
+          <a:bodyPr/>
+          <a:lstStyle>
+            <a:lvl1pPr algn="l">
+              <a:defRPr>
+                <a:solidFill>
+                  <a:schemeClr val="tx2"/>
+                </a:solidFill>
+              </a:defRPr>
+            </a:lvl1pPr>
+          </a:lstStyle>
+          <a:p>
+            <a:endParaRPr kumimoji="1" lang="ja-JP" altLang="en-US" dirty="0"/>
+          </a:p>
+        </p:txBody>
+      </p:sp>
+      <p:sp>
+        <p:nvSpPr>
+          <p:cNvPr id="7" name="Slide Number Placeholder 6"/>
+          <p:cNvSpPr>
+            <a:spLocks noGrp="1"/>
+          </p:cNvSpPr>
+          <p:nvPr>
+            <p:ph type="sldNum" sz="quarter" idx="12"/>
+          </p:nvPr>
+        </p:nvSpPr>
+        <p:spPr/>
         <p:txBody>
           <a:bodyPr/>
           <a:lstStyle>
             <a:lvl1pPr>
-              <a:defRPr sz="3200"/>
+              <a:defRPr>
+                <a:solidFill>
+                  <a:schemeClr val="tx2"/>
+                </a:solidFill>
+              </a:defRPr>
             </a:lvl1pPr>
-            <a:lvl2pPr>
-              <a:defRPr sz="2800"/>
-            </a:lvl2pPr>
-            <a:lvl3pPr>
-              <a:defRPr sz="2400"/>
-            </a:lvl3pPr>
-            <a:lvl4pPr>
-              <a:defRPr sz="2000"/>
-            </a:lvl4pPr>
-            <a:lvl5pPr>
-              <a:defRPr sz="2000"/>
-            </a:lvl5pPr>
-            <a:lvl6pPr>
-              <a:defRPr sz="2000"/>
-            </a:lvl6pPr>
-            <a:lvl7pPr>
-              <a:defRPr sz="2000"/>
-            </a:lvl7pPr>
-            <a:lvl8pPr>
-              <a:defRPr sz="2000"/>
-            </a:lvl8pPr>
-            <a:lvl9pPr>
-              <a:defRPr sz="2000"/>
-            </a:lvl9pPr>
           </a:lstStyle>
-          <a:p>
-            <a:pPr lvl="0"/>
-            <a:r>
-              <a:rPr kumimoji="1" lang="ja-JP" altLang="en-US"/>
-              <a:t>マスター テキストの書式設定</a:t>
-            </a:r>
-          </a:p>
-          <a:p>
-            <a:pPr lvl="1"/>
-            <a:r>
-              <a:rPr kumimoji="1" lang="ja-JP" altLang="en-US"/>
-              <a:t>第 </a:t>
-            </a:r>
-            <a:r>
-              <a:rPr kumimoji="1" lang="en-US" altLang="ja-JP"/>
-              <a:t>2 </a:t>
-            </a:r>
-            <a:r>
-              <a:rPr kumimoji="1" lang="ja-JP" altLang="en-US"/>
-              <a:t>レベル</a:t>
-            </a:r>
-          </a:p>
-          <a:p>
-            <a:pPr lvl="2"/>
-            <a:r>
-              <a:rPr kumimoji="1" lang="ja-JP" altLang="en-US"/>
-              <a:t>第 </a:t>
-            </a:r>
-            <a:r>
-              <a:rPr kumimoji="1" lang="en-US" altLang="ja-JP"/>
-              <a:t>3 </a:t>
-            </a:r>
-            <a:r>
-              <a:rPr kumimoji="1" lang="ja-JP" altLang="en-US"/>
-              <a:t>レベル</a:t>
-            </a:r>
-          </a:p>
-          <a:p>
-            <a:pPr lvl="3"/>
-            <a:r>
-              <a:rPr kumimoji="1" lang="ja-JP" altLang="en-US"/>
-              <a:t>第 </a:t>
-            </a:r>
-            <a:r>
-              <a:rPr kumimoji="1" lang="en-US" altLang="ja-JP"/>
-              <a:t>4 </a:t>
-            </a:r>
-            <a:r>
-              <a:rPr kumimoji="1" lang="ja-JP" altLang="en-US"/>
-              <a:t>レベル</a:t>
-            </a:r>
-          </a:p>
-          <a:p>
-            <a:pPr lvl="4"/>
-            <a:r>
-              <a:rPr kumimoji="1" lang="ja-JP" altLang="en-US"/>
-              <a:t>第 </a:t>
-            </a:r>
-            <a:r>
-              <a:rPr kumimoji="1" lang="en-US" altLang="ja-JP"/>
-              <a:t>5 </a:t>
-            </a:r>
-            <a:r>
-              <a:rPr kumimoji="1" lang="ja-JP" altLang="en-US"/>
-              <a:t>レベル</a:t>
-            </a:r>
-          </a:p>
-        </p:txBody>
-      </p:sp>
-      <p:sp>
-        <p:nvSpPr>
-          <p:cNvPr id="4" name="テキスト プレースホルダー 3">
-            <a:extLst>
-              <a:ext uri="{FF2B5EF4-FFF2-40B4-BE49-F238E27FC236}">
-                <a16:creationId xmlns:a16="http://schemas.microsoft.com/office/drawing/2014/main" id="{777435A4-E66B-4876-B277-E68E3A6A6D70}"/>
-              </a:ext>
-            </a:extLst>
-          </p:cNvPr>
-          <p:cNvSpPr>
-            <a:spLocks noGrp="1"/>
-          </p:cNvSpPr>
-          <p:nvPr>
-            <p:ph type="body" sz="half" idx="2"/>
-          </p:nvPr>
-        </p:nvSpPr>
-        <p:spPr>
-          <a:xfrm>
-            <a:off x="839788" y="2057400"/>
-            <a:ext cx="3932237" cy="3811588"/>
-          </a:xfrm>
-        </p:spPr>
-        <p:txBody>
-          <a:bodyPr/>
-          <a:lstStyle>
-            <a:lvl1pPr marL="0" indent="0">
-              <a:buNone/>
-              <a:defRPr sz="1600"/>
-            </a:lvl1pPr>
-            <a:lvl2pPr marL="457200" indent="0">
-              <a:buNone/>
-              <a:defRPr sz="1400"/>
-            </a:lvl2pPr>
-            <a:lvl3pPr marL="914400" indent="0">
-              <a:buNone/>
-              <a:defRPr sz="1200"/>
-            </a:lvl3pPr>
-            <a:lvl4pPr marL="1371600" indent="0">
-              <a:buNone/>
-              <a:defRPr sz="1000"/>
-            </a:lvl4pPr>
-            <a:lvl5pPr marL="1828800" indent="0">
-              <a:buNone/>
-              <a:defRPr sz="1000"/>
-            </a:lvl5pPr>
-            <a:lvl6pPr marL="2286000" indent="0">
-              <a:buNone/>
-              <a:defRPr sz="1000"/>
-            </a:lvl6pPr>
-            <a:lvl7pPr marL="2743200" indent="0">
-              <a:buNone/>
-              <a:defRPr sz="1000"/>
-            </a:lvl7pPr>
-            <a:lvl8pPr marL="3200400" indent="0">
-              <a:buNone/>
-              <a:defRPr sz="1000"/>
-            </a:lvl8pPr>
-            <a:lvl9pPr marL="3657600" indent="0">
-              <a:buNone/>
-              <a:defRPr sz="1000"/>
-            </a:lvl9pPr>
-          </a:lstStyle>
-          <a:p>
-            <a:pPr lvl="0"/>
-            <a:r>
-              <a:rPr kumimoji="1" lang="ja-JP" altLang="en-US"/>
-              <a:t>マスター テキストの書式設定</a:t>
-            </a:r>
-          </a:p>
-        </p:txBody>
-      </p:sp>
-      <p:sp>
-        <p:nvSpPr>
-          <p:cNvPr id="5" name="日付プレースホルダー 4">
-            <a:extLst>
-              <a:ext uri="{FF2B5EF4-FFF2-40B4-BE49-F238E27FC236}">
-                <a16:creationId xmlns:a16="http://schemas.microsoft.com/office/drawing/2014/main" id="{266A295C-E49F-42E7-BEB2-062820FA20ED}"/>
-              </a:ext>
-            </a:extLst>
-          </p:cNvPr>
-          <p:cNvSpPr>
-            <a:spLocks noGrp="1"/>
-          </p:cNvSpPr>
-          <p:nvPr>
-            <p:ph type="dt" sz="half" idx="10"/>
-          </p:nvPr>
-        </p:nvSpPr>
-        <p:spPr/>
-        <p:txBody>
-          <a:bodyPr/>
-          <a:lstStyle/>
-          <a:p>
-            <a:fld id="{C7088D3D-165A-46EA-B7B0-B1C3789A41AB}" type="datetimeFigureOut">
-              <a:rPr kumimoji="1" lang="ja-JP" altLang="en-US" smtClean="0"/>
-              <a:t>2024/9/13</a:t>
-            </a:fld>
-            <a:endParaRPr kumimoji="1" lang="ja-JP" altLang="en-US" dirty="0"/>
-          </a:p>
-        </p:txBody>
-      </p:sp>
-      <p:sp>
-        <p:nvSpPr>
-          <p:cNvPr id="6" name="フッター プレースホルダー 5">
-            <a:extLst>
-              <a:ext uri="{FF2B5EF4-FFF2-40B4-BE49-F238E27FC236}">
-                <a16:creationId xmlns:a16="http://schemas.microsoft.com/office/drawing/2014/main" id="{F349A9B9-3950-4D2C-9C4E-F3198A005F42}"/>
-              </a:ext>
-            </a:extLst>
-          </p:cNvPr>
-          <p:cNvSpPr>
-            <a:spLocks noGrp="1"/>
-          </p:cNvSpPr>
-          <p:nvPr>
-            <p:ph type="ftr" sz="quarter" idx="11"/>
-          </p:nvPr>
-        </p:nvSpPr>
-        <p:spPr/>
-        <p:txBody>
-          <a:bodyPr/>
-          <a:lstStyle/>
-          <a:p>
-            <a:endParaRPr kumimoji="1" lang="ja-JP" altLang="en-US" dirty="0"/>
-          </a:p>
-        </p:txBody>
-      </p:sp>
-      <p:sp>
-        <p:nvSpPr>
-          <p:cNvPr id="7" name="スライド番号プレースホルダー 6">
-            <a:extLst>
-              <a:ext uri="{FF2B5EF4-FFF2-40B4-BE49-F238E27FC236}">
-                <a16:creationId xmlns:a16="http://schemas.microsoft.com/office/drawing/2014/main" id="{87AEC61E-280D-4987-9A41-7E2A3C60766B}"/>
-              </a:ext>
-            </a:extLst>
-          </p:cNvPr>
-          <p:cNvSpPr>
-            <a:spLocks noGrp="1"/>
-          </p:cNvSpPr>
-          <p:nvPr>
-            <p:ph type="sldNum" sz="quarter" idx="12"/>
-          </p:nvPr>
-        </p:nvSpPr>
-        <p:spPr/>
-        <p:txBody>
-          <a:bodyPr/>
-          <a:lstStyle/>
           <a:p>
             <a:fld id="{A3DE33CB-5839-4DFF-8E04-643563D60251}" type="slidenum">
               <a:rPr kumimoji="1" lang="ja-JP" altLang="en-US" smtClean="0"/>
@@ -4293,7 +4833,7 @@
     </p:spTree>
     <p:extLst>
       <p:ext uri="{BB962C8B-B14F-4D97-AF65-F5344CB8AC3E}">
-        <p14:creationId xmlns:p14="http://schemas.microsoft.com/office/powerpoint/2010/main" val="1154251161"/>
+        <p14:creationId xmlns:p14="http://schemas.microsoft.com/office/powerpoint/2010/main" val="1036158448"/>
       </p:ext>
     </p:extLst>
   </p:cSld>
@@ -4316,7 +4856,7 @@
 </file>
 
 <file path=ppt/slideLayouts/slideLayout9.xml><?xml version="1.0" encoding="utf-8"?>
-<p:sldLayout xmlns:a="http://schemas.openxmlformats.org/drawingml/2006/main" xmlns:r="http://schemas.openxmlformats.org/officeDocument/2006/relationships" xmlns:p="http://schemas.openxmlformats.org/presentationml/2006/main" type="picTx" preserve="1">
+<p:sldLayout xmlns:a="http://schemas.openxmlformats.org/drawingml/2006/main" xmlns:r="http://schemas.openxmlformats.org/officeDocument/2006/relationships" xmlns:p="http://schemas.openxmlformats.org/presentationml/2006/main" showMasterSp="0" type="picTx" preserve="1">
   <p:cSld name="タイトル付きの図">
     <p:spTree>
       <p:nvGrpSpPr>
@@ -4334,52 +4874,123 @@
       </p:grpSpPr>
       <p:sp>
         <p:nvSpPr>
-          <p:cNvPr id="2" name="タイトル 1">
-            <a:extLst>
-              <a:ext uri="{FF2B5EF4-FFF2-40B4-BE49-F238E27FC236}">
-                <a16:creationId xmlns:a16="http://schemas.microsoft.com/office/drawing/2014/main" id="{B8677C2D-1A72-47CE-8E40-39069677A9D4}"/>
-              </a:ext>
-            </a:extLst>
-          </p:cNvPr>
-          <p:cNvSpPr>
-            <a:spLocks noGrp="1"/>
-          </p:cNvSpPr>
-          <p:nvPr>
-            <p:ph type="title"/>
-          </p:nvPr>
+          <p:cNvPr id="8" name="Rectangle 7"/>
+          <p:cNvSpPr/>
+          <p:nvPr/>
         </p:nvSpPr>
         <p:spPr>
           <a:xfrm>
-            <a:off x="839788" y="457200"/>
-            <a:ext cx="3932237" cy="1600200"/>
+            <a:off x="0" y="4953000"/>
+            <a:ext cx="12188825" cy="1905000"/>
+          </a:xfrm>
+          <a:prstGeom prst="rect">
+            <a:avLst/>
+          </a:prstGeom>
+          <a:solidFill>
+            <a:schemeClr val="accent2"/>
+          </a:solidFill>
+          <a:ln>
+            <a:noFill/>
+          </a:ln>
+        </p:spPr>
+        <p:style>
+          <a:lnRef idx="2">
+            <a:schemeClr val="accent1">
+              <a:shade val="50000"/>
+            </a:schemeClr>
+          </a:lnRef>
+          <a:fillRef idx="1">
+            <a:schemeClr val="accent1"/>
+          </a:fillRef>
+          <a:effectRef idx="0">
+            <a:schemeClr val="accent1"/>
+          </a:effectRef>
+          <a:fontRef idx="minor">
+            <a:schemeClr val="lt1"/>
+          </a:fontRef>
+        </p:style>
+      </p:sp>
+      <p:sp>
+        <p:nvSpPr>
+          <p:cNvPr id="9" name="Rectangle 8"/>
+          <p:cNvSpPr/>
+          <p:nvPr/>
+        </p:nvSpPr>
+        <p:spPr>
+          <a:xfrm>
+            <a:off x="15" y="4915076"/>
+            <a:ext cx="12188825" cy="64008"/>
+          </a:xfrm>
+          <a:prstGeom prst="rect">
+            <a:avLst/>
+          </a:prstGeom>
+          <a:solidFill>
+            <a:schemeClr val="accent1"/>
+          </a:solidFill>
+          <a:ln>
+            <a:noFill/>
+          </a:ln>
+        </p:spPr>
+        <p:style>
+          <a:lnRef idx="2">
+            <a:schemeClr val="accent1">
+              <a:shade val="50000"/>
+            </a:schemeClr>
+          </a:lnRef>
+          <a:fillRef idx="1">
+            <a:schemeClr val="accent1"/>
+          </a:fillRef>
+          <a:effectRef idx="0">
+            <a:schemeClr val="accent1"/>
+          </a:effectRef>
+          <a:fontRef idx="minor">
+            <a:schemeClr val="lt1"/>
+          </a:fontRef>
+        </p:style>
+      </p:sp>
+      <p:sp>
+        <p:nvSpPr>
+          <p:cNvPr id="2" name="Title 1"/>
+          <p:cNvSpPr>
+            <a:spLocks noGrp="1"/>
+          </p:cNvSpPr>
+          <p:nvPr>
+            <p:ph type="title"/>
+          </p:nvPr>
+        </p:nvSpPr>
+        <p:spPr>
+          <a:xfrm>
+            <a:off x="1097280" y="5074920"/>
+            <a:ext cx="10113264" cy="822960"/>
           </a:xfrm>
         </p:spPr>
         <p:txBody>
-          <a:bodyPr anchor="b"/>
+          <a:bodyPr lIns="91440" tIns="0" rIns="91440" bIns="0" anchor="b">
+            <a:noAutofit/>
+          </a:bodyPr>
           <a:lstStyle>
             <a:lvl1pPr>
-              <a:defRPr sz="3200"/>
+              <a:defRPr sz="3600" b="0">
+                <a:solidFill>
+                  <a:srgbClr val="FFFFFF"/>
+                </a:solidFill>
+              </a:defRPr>
             </a:lvl1pPr>
           </a:lstStyle>
           <a:p>
             <a:r>
-              <a:rPr kumimoji="1" lang="ja-JP" altLang="en-US"/>
+              <a:rPr lang="ja-JP" altLang="en-US"/>
               <a:t>マスター タイトルの書式設定</a:t>
             </a:r>
-          </a:p>
-        </p:txBody>
-      </p:sp>
-      <p:sp>
-        <p:nvSpPr>
-          <p:cNvPr id="3" name="図プレースホルダー 2">
-            <a:extLst>
-              <a:ext uri="{FF2B5EF4-FFF2-40B4-BE49-F238E27FC236}">
-                <a16:creationId xmlns:a16="http://schemas.microsoft.com/office/drawing/2014/main" id="{B02E13CC-602D-4188-AE19-A0B7D578C6CE}"/>
-              </a:ext>
-            </a:extLst>
-          </p:cNvPr>
-          <p:cNvSpPr>
-            <a:spLocks noGrp="1"/>
+            <a:endParaRPr lang="en-US" dirty="0"/>
+          </a:p>
+        </p:txBody>
+      </p:sp>
+      <p:sp>
+        <p:nvSpPr>
+          <p:cNvPr id="3" name="Picture Placeholder 2"/>
+          <p:cNvSpPr>
+            <a:spLocks noGrp="1" noChangeAspect="1"/>
           </p:cNvSpPr>
           <p:nvPr>
             <p:ph type="pic" idx="1"/>
@@ -4387,16 +4998,26 @@
         </p:nvSpPr>
         <p:spPr>
           <a:xfrm>
-            <a:off x="5183188" y="987425"/>
-            <a:ext cx="6172200" cy="4873625"/>
+            <a:off x="15" y="0"/>
+            <a:ext cx="12191985" cy="4915076"/>
           </a:xfrm>
+          <a:blipFill>
+            <a:blip r:embed="rId2"/>
+            <a:stretch>
+              <a:fillRect/>
+            </a:stretch>
+          </a:blipFill>
         </p:spPr>
         <p:txBody>
-          <a:bodyPr/>
+          <a:bodyPr lIns="457200" tIns="457200" anchor="t"/>
           <a:lstStyle>
             <a:lvl1pPr marL="0" indent="0">
               <a:buNone/>
-              <a:defRPr sz="3200"/>
+              <a:defRPr sz="3200">
+                <a:solidFill>
+                  <a:schemeClr val="bg1"/>
+                </a:solidFill>
+              </a:defRPr>
             </a:lvl1pPr>
             <a:lvl2pPr marL="457200" indent="0">
               <a:buNone/>
@@ -4432,19 +5053,17 @@
             </a:lvl9pPr>
           </a:lstStyle>
           <a:p>
-            <a:endParaRPr kumimoji="1" lang="ja-JP" altLang="en-US" dirty="0"/>
-          </a:p>
-        </p:txBody>
-      </p:sp>
-      <p:sp>
-        <p:nvSpPr>
-          <p:cNvPr id="4" name="テキスト プレースホルダー 3">
-            <a:extLst>
-              <a:ext uri="{FF2B5EF4-FFF2-40B4-BE49-F238E27FC236}">
-                <a16:creationId xmlns:a16="http://schemas.microsoft.com/office/drawing/2014/main" id="{7055DF89-C857-481A-8DE6-6E57FDAC592C}"/>
-              </a:ext>
-            </a:extLst>
-          </p:cNvPr>
+            <a:r>
+              <a:rPr lang="ja-JP" altLang="en-US"/>
+              <a:t>アイコンをクリックして図を追加</a:t>
+            </a:r>
+            <a:endParaRPr lang="en-US" dirty="0"/>
+          </a:p>
+        </p:txBody>
+      </p:sp>
+      <p:sp>
+        <p:nvSpPr>
+          <p:cNvPr id="4" name="Text Placeholder 3"/>
           <p:cNvSpPr>
             <a:spLocks noGrp="1"/>
           </p:cNvSpPr>
@@ -4454,54 +5073,66 @@
         </p:nvSpPr>
         <p:spPr>
           <a:xfrm>
-            <a:off x="839788" y="2057400"/>
-            <a:ext cx="3932237" cy="3811588"/>
+            <a:off x="1097280" y="5907023"/>
+            <a:ext cx="10113264" cy="594360"/>
           </a:xfrm>
         </p:spPr>
         <p:txBody>
-          <a:bodyPr/>
+          <a:bodyPr lIns="91440" tIns="0" rIns="91440" bIns="0">
+            <a:normAutofit/>
+          </a:bodyPr>
           <a:lstStyle>
             <a:lvl1pPr marL="0" indent="0">
+              <a:spcBef>
+                <a:spcPts val="0"/>
+              </a:spcBef>
+              <a:spcAft>
+                <a:spcPts val="600"/>
+              </a:spcAft>
               <a:buNone/>
-              <a:defRPr sz="1600"/>
+              <a:defRPr sz="1500">
+                <a:solidFill>
+                  <a:srgbClr val="FFFFFF"/>
+                </a:solidFill>
+              </a:defRPr>
             </a:lvl1pPr>
             <a:lvl2pPr marL="457200" indent="0">
               <a:buNone/>
-              <a:defRPr sz="1400"/>
+              <a:defRPr sz="1200"/>
             </a:lvl2pPr>
             <a:lvl3pPr marL="914400" indent="0">
               <a:buNone/>
-              <a:defRPr sz="1200"/>
+              <a:defRPr sz="1000"/>
             </a:lvl3pPr>
             <a:lvl4pPr marL="1371600" indent="0">
               <a:buNone/>
-              <a:defRPr sz="1000"/>
+              <a:defRPr sz="900"/>
             </a:lvl4pPr>
             <a:lvl5pPr marL="1828800" indent="0">
               <a:buNone/>
-              <a:defRPr sz="1000"/>
+              <a:defRPr sz="900"/>
             </a:lvl5pPr>
             <a:lvl6pPr marL="2286000" indent="0">
               <a:buNone/>
-              <a:defRPr sz="1000"/>
+              <a:defRPr sz="900"/>
             </a:lvl6pPr>
             <a:lvl7pPr marL="2743200" indent="0">
               <a:buNone/>
-              <a:defRPr sz="1000"/>
+              <a:defRPr sz="900"/>
             </a:lvl7pPr>
             <a:lvl8pPr marL="3200400" indent="0">
               <a:buNone/>
-              <a:defRPr sz="1000"/>
+              <a:defRPr sz="900"/>
             </a:lvl8pPr>
             <a:lvl9pPr marL="3657600" indent="0">
               <a:buNone/>
-              <a:defRPr sz="1000"/>
+              <a:defRPr sz="900"/>
             </a:lvl9pPr>
           </a:lstStyle>
           <a:p>
             <a:pPr lvl="0"/>
             <a:r>
-              <a:rPr kumimoji="1" lang="ja-JP" altLang="en-US"/>
+              <a:rPr lang="ja-JP" altLang="en-US"/>
               <a:t>マスター テキストの書式設定</a:t>
             </a:r>
           </a:p>
@@ -4509,13 +5140,7 @@
       </p:sp>
       <p:sp>
         <p:nvSpPr>
-          <p:cNvPr id="5" name="日付プレースホルダー 4">
-            <a:extLst>
-              <a:ext uri="{FF2B5EF4-FFF2-40B4-BE49-F238E27FC236}">
-                <a16:creationId xmlns:a16="http://schemas.microsoft.com/office/drawing/2014/main" id="{CA98CCC9-4424-41F8-96F4-3EA6E6A7C7F4}"/>
-              </a:ext>
-            </a:extLst>
-          </p:cNvPr>
+          <p:cNvPr id="5" name="Date Placeholder 4"/>
           <p:cNvSpPr>
             <a:spLocks noGrp="1"/>
           </p:cNvSpPr>
@@ -4530,7 +5155,7 @@
           <a:p>
             <a:fld id="{C7088D3D-165A-46EA-B7B0-B1C3789A41AB}" type="datetimeFigureOut">
               <a:rPr kumimoji="1" lang="ja-JP" altLang="en-US" smtClean="0"/>
-              <a:t>2024/9/13</a:t>
+              <a:t>2024/9/17</a:t>
             </a:fld>
             <a:endParaRPr kumimoji="1" lang="ja-JP" altLang="en-US" dirty="0"/>
           </a:p>
@@ -4538,13 +5163,7 @@
       </p:sp>
       <p:sp>
         <p:nvSpPr>
-          <p:cNvPr id="6" name="フッター プレースホルダー 5">
-            <a:extLst>
-              <a:ext uri="{FF2B5EF4-FFF2-40B4-BE49-F238E27FC236}">
-                <a16:creationId xmlns:a16="http://schemas.microsoft.com/office/drawing/2014/main" id="{2CA42BCA-0112-49CA-BF7E-7B17FA249493}"/>
-              </a:ext>
-            </a:extLst>
-          </p:cNvPr>
+          <p:cNvPr id="6" name="Footer Placeholder 5"/>
           <p:cNvSpPr>
             <a:spLocks noGrp="1"/>
           </p:cNvSpPr>
@@ -4563,13 +5182,7 @@
       </p:sp>
       <p:sp>
         <p:nvSpPr>
-          <p:cNvPr id="7" name="スライド番号プレースホルダー 6">
-            <a:extLst>
-              <a:ext uri="{FF2B5EF4-FFF2-40B4-BE49-F238E27FC236}">
-                <a16:creationId xmlns:a16="http://schemas.microsoft.com/office/drawing/2014/main" id="{371AFD94-DDE2-4B78-9B57-461327BAB025}"/>
-              </a:ext>
-            </a:extLst>
-          </p:cNvPr>
+          <p:cNvPr id="7" name="Slide Number Placeholder 6"/>
           <p:cNvSpPr>
             <a:spLocks noGrp="1"/>
           </p:cNvSpPr>
@@ -4593,7 +5206,7 @@
     </p:spTree>
     <p:extLst>
       <p:ext uri="{BB962C8B-B14F-4D97-AF65-F5344CB8AC3E}">
-        <p14:creationId xmlns:p14="http://schemas.microsoft.com/office/powerpoint/2010/main" val="1586368935"/>
+        <p14:creationId xmlns:p14="http://schemas.microsoft.com/office/powerpoint/2010/main" val="3206151243"/>
       </p:ext>
     </p:extLst>
   </p:cSld>
@@ -4639,51 +5252,116 @@
       </p:grpSpPr>
       <p:sp>
         <p:nvSpPr>
-          <p:cNvPr id="2" name="タイトル プレースホルダー 1">
-            <a:extLst>
-              <a:ext uri="{FF2B5EF4-FFF2-40B4-BE49-F238E27FC236}">
-                <a16:creationId xmlns:a16="http://schemas.microsoft.com/office/drawing/2014/main" id="{2C8E5C92-D958-4926-A489-F4468BA2845A}"/>
-              </a:ext>
-            </a:extLst>
-          </p:cNvPr>
-          <p:cNvSpPr>
-            <a:spLocks noGrp="1"/>
-          </p:cNvSpPr>
-          <p:nvPr>
-            <p:ph type="title"/>
-          </p:nvPr>
+          <p:cNvPr id="7" name="Rectangle 6"/>
+          <p:cNvSpPr/>
+          <p:nvPr/>
         </p:nvSpPr>
         <p:spPr>
           <a:xfrm>
-            <a:off x="838200" y="365125"/>
-            <a:ext cx="10515600" cy="1325563"/>
+            <a:off x="1" y="6400800"/>
+            <a:ext cx="12192000" cy="457200"/>
+          </a:xfrm>
+          <a:prstGeom prst="rect">
+            <a:avLst/>
+          </a:prstGeom>
+          <a:solidFill>
+            <a:schemeClr val="accent2"/>
+          </a:solidFill>
+          <a:ln>
+            <a:noFill/>
+          </a:ln>
+        </p:spPr>
+        <p:style>
+          <a:lnRef idx="2">
+            <a:schemeClr val="accent1">
+              <a:shade val="50000"/>
+            </a:schemeClr>
+          </a:lnRef>
+          <a:fillRef idx="1">
+            <a:schemeClr val="accent1"/>
+          </a:fillRef>
+          <a:effectRef idx="0">
+            <a:schemeClr val="accent1"/>
+          </a:effectRef>
+          <a:fontRef idx="minor">
+            <a:schemeClr val="lt1"/>
+          </a:fontRef>
+        </p:style>
+      </p:sp>
+      <p:sp>
+        <p:nvSpPr>
+          <p:cNvPr id="9" name="Rectangle 8"/>
+          <p:cNvSpPr/>
+          <p:nvPr/>
+        </p:nvSpPr>
+        <p:spPr>
+          <a:xfrm>
+            <a:off x="0" y="6334316"/>
+            <a:ext cx="12192001" cy="65998"/>
+          </a:xfrm>
+          <a:prstGeom prst="rect">
+            <a:avLst/>
+          </a:prstGeom>
+          <a:solidFill>
+            <a:schemeClr val="accent1"/>
+          </a:solidFill>
+          <a:ln>
+            <a:noFill/>
+          </a:ln>
+        </p:spPr>
+        <p:style>
+          <a:lnRef idx="2">
+            <a:schemeClr val="accent1">
+              <a:shade val="50000"/>
+            </a:schemeClr>
+          </a:lnRef>
+          <a:fillRef idx="1">
+            <a:schemeClr val="accent1"/>
+          </a:fillRef>
+          <a:effectRef idx="0">
+            <a:schemeClr val="accent1"/>
+          </a:effectRef>
+          <a:fontRef idx="minor">
+            <a:schemeClr val="lt1"/>
+          </a:fontRef>
+        </p:style>
+      </p:sp>
+      <p:sp>
+        <p:nvSpPr>
+          <p:cNvPr id="2" name="Title Placeholder 1"/>
+          <p:cNvSpPr>
+            <a:spLocks noGrp="1"/>
+          </p:cNvSpPr>
+          <p:nvPr>
+            <p:ph type="title"/>
+          </p:nvPr>
+        </p:nvSpPr>
+        <p:spPr>
+          <a:xfrm>
+            <a:off x="1097280" y="286603"/>
+            <a:ext cx="10058400" cy="1450757"/>
           </a:xfrm>
           <a:prstGeom prst="rect">
             <a:avLst/>
           </a:prstGeom>
         </p:spPr>
         <p:txBody>
-          <a:bodyPr vert="horz" lIns="91440" tIns="45720" rIns="91440" bIns="45720" rtlCol="0" anchor="ctr">
+          <a:bodyPr vert="horz" lIns="91440" tIns="45720" rIns="91440" bIns="45720" rtlCol="0" anchor="b">
             <a:normAutofit/>
           </a:bodyPr>
           <a:lstStyle/>
           <a:p>
             <a:r>
-              <a:rPr kumimoji="1" lang="ja-JP" altLang="en-US"/>
+              <a:rPr lang="ja-JP" altLang="en-US"/>
               <a:t>マスター タイトルの書式設定</a:t>
             </a:r>
-          </a:p>
-        </p:txBody>
-      </p:sp>
-      <p:sp>
-        <p:nvSpPr>
-          <p:cNvPr id="3" name="テキスト プレースホルダー 2">
-            <a:extLst>
-              <a:ext uri="{FF2B5EF4-FFF2-40B4-BE49-F238E27FC236}">
-                <a16:creationId xmlns:a16="http://schemas.microsoft.com/office/drawing/2014/main" id="{AB492B48-B609-4D8A-AF9B-7D5D001A2754}"/>
-              </a:ext>
-            </a:extLst>
-          </p:cNvPr>
+            <a:endParaRPr lang="en-US" dirty="0"/>
+          </a:p>
+        </p:txBody>
+      </p:sp>
+      <p:sp>
+        <p:nvSpPr>
+          <p:cNvPr id="3" name="Text Placeholder 2"/>
           <p:cNvSpPr>
             <a:spLocks noGrp="1"/>
           </p:cNvSpPr>
@@ -4693,96 +5371,91 @@
         </p:nvSpPr>
         <p:spPr>
           <a:xfrm>
-            <a:off x="838200" y="1825625"/>
-            <a:ext cx="10515600" cy="4351338"/>
+            <a:off x="1097280" y="1845734"/>
+            <a:ext cx="10058400" cy="4023360"/>
           </a:xfrm>
           <a:prstGeom prst="rect">
             <a:avLst/>
           </a:prstGeom>
         </p:spPr>
         <p:txBody>
-          <a:bodyPr vert="horz" lIns="91440" tIns="45720" rIns="91440" bIns="45720" rtlCol="0">
+          <a:bodyPr vert="horz" lIns="0" tIns="45720" rIns="0" bIns="45720" rtlCol="0">
             <a:normAutofit/>
           </a:bodyPr>
           <a:lstStyle/>
           <a:p>
             <a:pPr lvl="0"/>
             <a:r>
-              <a:rPr kumimoji="1" lang="ja-JP" altLang="en-US"/>
+              <a:rPr lang="ja-JP" altLang="en-US"/>
               <a:t>マスター テキストの書式設定</a:t>
             </a:r>
           </a:p>
           <a:p>
             <a:pPr lvl="1"/>
             <a:r>
-              <a:rPr kumimoji="1" lang="ja-JP" altLang="en-US"/>
+              <a:rPr lang="ja-JP" altLang="en-US"/>
               <a:t>第 </a:t>
             </a:r>
             <a:r>
-              <a:rPr kumimoji="1" lang="en-US" altLang="ja-JP"/>
+              <a:rPr lang="en-US" altLang="ja-JP"/>
               <a:t>2 </a:t>
             </a:r>
             <a:r>
-              <a:rPr kumimoji="1" lang="ja-JP" altLang="en-US"/>
+              <a:rPr lang="ja-JP" altLang="en-US"/>
               <a:t>レベル</a:t>
             </a:r>
           </a:p>
           <a:p>
             <a:pPr lvl="2"/>
             <a:r>
-              <a:rPr kumimoji="1" lang="ja-JP" altLang="en-US"/>
+              <a:rPr lang="ja-JP" altLang="en-US"/>
               <a:t>第 </a:t>
             </a:r>
             <a:r>
-              <a:rPr kumimoji="1" lang="en-US" altLang="ja-JP"/>
+              <a:rPr lang="en-US" altLang="ja-JP"/>
               <a:t>3 </a:t>
             </a:r>
             <a:r>
-              <a:rPr kumimoji="1" lang="ja-JP" altLang="en-US"/>
+              <a:rPr lang="ja-JP" altLang="en-US"/>
               <a:t>レベル</a:t>
             </a:r>
           </a:p>
           <a:p>
             <a:pPr lvl="3"/>
             <a:r>
-              <a:rPr kumimoji="1" lang="ja-JP" altLang="en-US"/>
+              <a:rPr lang="ja-JP" altLang="en-US"/>
               <a:t>第 </a:t>
             </a:r>
             <a:r>
-              <a:rPr kumimoji="1" lang="en-US" altLang="ja-JP"/>
+              <a:rPr lang="en-US" altLang="ja-JP"/>
               <a:t>4 </a:t>
             </a:r>
             <a:r>
-              <a:rPr kumimoji="1" lang="ja-JP" altLang="en-US"/>
+              <a:rPr lang="ja-JP" altLang="en-US"/>
               <a:t>レベル</a:t>
             </a:r>
           </a:p>
           <a:p>
             <a:pPr lvl="4"/>
             <a:r>
-              <a:rPr kumimoji="1" lang="ja-JP" altLang="en-US"/>
+              <a:rPr lang="ja-JP" altLang="en-US"/>
               <a:t>第 </a:t>
             </a:r>
             <a:r>
-              <a:rPr kumimoji="1" lang="en-US" altLang="ja-JP"/>
+              <a:rPr lang="en-US" altLang="ja-JP"/>
               <a:t>5 </a:t>
             </a:r>
             <a:r>
-              <a:rPr kumimoji="1" lang="ja-JP" altLang="en-US"/>
+              <a:rPr lang="ja-JP" altLang="en-US"/>
               <a:t>レベル</a:t>
             </a:r>
-          </a:p>
-        </p:txBody>
-      </p:sp>
-      <p:sp>
-        <p:nvSpPr>
-          <p:cNvPr id="4" name="日付プレースホルダー 3">
-            <a:extLst>
-              <a:ext uri="{FF2B5EF4-FFF2-40B4-BE49-F238E27FC236}">
-                <a16:creationId xmlns:a16="http://schemas.microsoft.com/office/drawing/2014/main" id="{B6EAA78E-D636-4C71-9E0F-D4D018F9ED8B}"/>
-              </a:ext>
-            </a:extLst>
-          </p:cNvPr>
+            <a:endParaRPr lang="en-US" dirty="0"/>
+          </a:p>
+        </p:txBody>
+      </p:sp>
+      <p:sp>
+        <p:nvSpPr>
+          <p:cNvPr id="4" name="Date Placeholder 3"/>
           <p:cNvSpPr>
             <a:spLocks noGrp="1"/>
           </p:cNvSpPr>
@@ -4792,8 +5465,8 @@
         </p:nvSpPr>
         <p:spPr>
           <a:xfrm>
-            <a:off x="838200" y="6356350"/>
-            <a:ext cx="2743200" cy="365125"/>
+            <a:off x="1097280" y="6459785"/>
+            <a:ext cx="2472271" cy="365125"/>
           </a:xfrm>
           <a:prstGeom prst="rect">
             <a:avLst/>
@@ -4803,11 +5476,9 @@
           <a:bodyPr vert="horz" lIns="91440" tIns="45720" rIns="91440" bIns="45720" rtlCol="0" anchor="ctr"/>
           <a:lstStyle>
             <a:lvl1pPr algn="l">
-              <a:defRPr sz="1200">
+              <a:defRPr sz="900">
                 <a:solidFill>
-                  <a:schemeClr val="tx1">
-                    <a:tint val="75000"/>
-                  </a:schemeClr>
+                  <a:srgbClr val="FFFFFF"/>
                 </a:solidFill>
               </a:defRPr>
             </a:lvl1pPr>
@@ -4815,7 +5486,7 @@
           <a:p>
             <a:fld id="{C7088D3D-165A-46EA-B7B0-B1C3789A41AB}" type="datetimeFigureOut">
               <a:rPr kumimoji="1" lang="ja-JP" altLang="en-US" smtClean="0"/>
-              <a:t>2024/9/13</a:t>
+              <a:t>2024/9/17</a:t>
             </a:fld>
             <a:endParaRPr kumimoji="1" lang="ja-JP" altLang="en-US" dirty="0"/>
           </a:p>
@@ -4823,13 +5494,7 @@
       </p:sp>
       <p:sp>
         <p:nvSpPr>
-          <p:cNvPr id="5" name="フッター プレースホルダー 4">
-            <a:extLst>
-              <a:ext uri="{FF2B5EF4-FFF2-40B4-BE49-F238E27FC236}">
-                <a16:creationId xmlns:a16="http://schemas.microsoft.com/office/drawing/2014/main" id="{E2010828-2CC3-4F0F-8EA0-A503A2F447B7}"/>
-              </a:ext>
-            </a:extLst>
-          </p:cNvPr>
+          <p:cNvPr id="5" name="Footer Placeholder 4"/>
           <p:cNvSpPr>
             <a:spLocks noGrp="1"/>
           </p:cNvSpPr>
@@ -4839,8 +5504,8 @@
         </p:nvSpPr>
         <p:spPr>
           <a:xfrm>
-            <a:off x="4038600" y="6356350"/>
-            <a:ext cx="4114800" cy="365125"/>
+            <a:off x="3686185" y="6459785"/>
+            <a:ext cx="4822804" cy="365125"/>
           </a:xfrm>
           <a:prstGeom prst="rect">
             <a:avLst/>
@@ -4850,11 +5515,9 @@
           <a:bodyPr vert="horz" lIns="91440" tIns="45720" rIns="91440" bIns="45720" rtlCol="0" anchor="ctr"/>
           <a:lstStyle>
             <a:lvl1pPr algn="ctr">
-              <a:defRPr sz="1200">
+              <a:defRPr sz="900" cap="all" baseline="0">
                 <a:solidFill>
-                  <a:schemeClr val="tx1">
-                    <a:tint val="75000"/>
-                  </a:schemeClr>
+                  <a:srgbClr val="FFFFFF"/>
                 </a:solidFill>
               </a:defRPr>
             </a:lvl1pPr>
@@ -4866,13 +5529,7 @@
       </p:sp>
       <p:sp>
         <p:nvSpPr>
-          <p:cNvPr id="6" name="スライド番号プレースホルダー 5">
-            <a:extLst>
-              <a:ext uri="{FF2B5EF4-FFF2-40B4-BE49-F238E27FC236}">
-                <a16:creationId xmlns:a16="http://schemas.microsoft.com/office/drawing/2014/main" id="{83C6909D-3609-444B-85AB-363AB02879BD}"/>
-              </a:ext>
-            </a:extLst>
-          </p:cNvPr>
+          <p:cNvPr id="6" name="Slide Number Placeholder 5"/>
           <p:cNvSpPr>
             <a:spLocks noGrp="1"/>
           </p:cNvSpPr>
@@ -4882,8 +5539,8 @@
         </p:nvSpPr>
         <p:spPr>
           <a:xfrm>
-            <a:off x="8610600" y="6356350"/>
-            <a:ext cx="2743200" cy="365125"/>
+            <a:off x="9900458" y="6459785"/>
+            <a:ext cx="1312025" cy="365125"/>
           </a:xfrm>
           <a:prstGeom prst="rect">
             <a:avLst/>
@@ -4893,11 +5550,9 @@
           <a:bodyPr vert="horz" lIns="91440" tIns="45720" rIns="91440" bIns="45720" rtlCol="0" anchor="ctr"/>
           <a:lstStyle>
             <a:lvl1pPr algn="r">
-              <a:defRPr sz="1200">
+              <a:defRPr sz="1050">
                 <a:solidFill>
-                  <a:schemeClr val="tx1">
-                    <a:tint val="75000"/>
-                  </a:schemeClr>
+                  <a:srgbClr val="FFFFFF"/>
                 </a:solidFill>
               </a:defRPr>
             </a:lvl1pPr>
@@ -4911,26 +5566,64 @@
           </a:p>
         </p:txBody>
       </p:sp>
+      <p:cxnSp>
+        <p:nvCxnSpPr>
+          <p:cNvPr id="10" name="Straight Connector 9"/>
+          <p:cNvCxnSpPr/>
+          <p:nvPr/>
+        </p:nvCxnSpPr>
+        <p:spPr>
+          <a:xfrm>
+            <a:off x="1193532" y="1737845"/>
+            <a:ext cx="9966960" cy="0"/>
+          </a:xfrm>
+          <a:prstGeom prst="line">
+            <a:avLst/>
+          </a:prstGeom>
+          <a:ln w="6350">
+            <a:solidFill>
+              <a:schemeClr val="tx1">
+                <a:lumMod val="50000"/>
+                <a:lumOff val="50000"/>
+              </a:schemeClr>
+            </a:solidFill>
+          </a:ln>
+        </p:spPr>
+        <p:style>
+          <a:lnRef idx="1">
+            <a:schemeClr val="accent1"/>
+          </a:lnRef>
+          <a:fillRef idx="0">
+            <a:schemeClr val="accent1"/>
+          </a:fillRef>
+          <a:effectRef idx="0">
+            <a:schemeClr val="accent1"/>
+          </a:effectRef>
+          <a:fontRef idx="minor">
+            <a:schemeClr val="tx1"/>
+          </a:fontRef>
+        </p:style>
+      </p:cxnSp>
     </p:spTree>
     <p:extLst>
       <p:ext uri="{BB962C8B-B14F-4D97-AF65-F5344CB8AC3E}">
-        <p14:creationId xmlns:p14="http://schemas.microsoft.com/office/powerpoint/2010/main" val="1932458464"/>
+        <p14:creationId xmlns:p14="http://schemas.microsoft.com/office/powerpoint/2010/main" val="1445929749"/>
       </p:ext>
     </p:extLst>
   </p:cSld>
   <p:clrMap bg1="lt1" tx1="dk1" bg2="lt2" tx2="dk2" accent1="accent1" accent2="accent2" accent3="accent3" accent4="accent4" accent5="accent5" accent6="accent6" hlink="hlink" folHlink="folHlink"/>
   <p:sldLayoutIdLst>
-    <p:sldLayoutId id="2147483649" r:id="rId1"/>
-    <p:sldLayoutId id="2147483650" r:id="rId2"/>
-    <p:sldLayoutId id="2147483651" r:id="rId3"/>
-    <p:sldLayoutId id="2147483652" r:id="rId4"/>
-    <p:sldLayoutId id="2147483653" r:id="rId5"/>
-    <p:sldLayoutId id="2147483654" r:id="rId6"/>
-    <p:sldLayoutId id="2147483655" r:id="rId7"/>
-    <p:sldLayoutId id="2147483656" r:id="rId8"/>
-    <p:sldLayoutId id="2147483657" r:id="rId9"/>
-    <p:sldLayoutId id="2147483658" r:id="rId10"/>
-    <p:sldLayoutId id="2147483659" r:id="rId11"/>
+    <p:sldLayoutId id="2147483661" r:id="rId1"/>
+    <p:sldLayoutId id="2147483662" r:id="rId2"/>
+    <p:sldLayoutId id="2147483663" r:id="rId3"/>
+    <p:sldLayoutId id="2147483664" r:id="rId4"/>
+    <p:sldLayoutId id="2147483665" r:id="rId5"/>
+    <p:sldLayoutId id="2147483666" r:id="rId6"/>
+    <p:sldLayoutId id="2147483667" r:id="rId7"/>
+    <p:sldLayoutId id="2147483668" r:id="rId8"/>
+    <p:sldLayoutId id="2147483669" r:id="rId9"/>
+    <p:sldLayoutId id="2147483670" r:id="rId10"/>
+    <p:sldLayoutId id="2147483671" r:id="rId11"/>
   </p:sldLayoutIdLst>
   <mc:AlternateContent xmlns:mc="http://schemas.openxmlformats.org/markup-compatibility/2006" xmlns:p159="http://schemas.microsoft.com/office/powerpoint/2015/09/main">
     <mc:Choice Requires="p159">
@@ -4948,15 +5641,18 @@
     <p:titleStyle>
       <a:lvl1pPr algn="l" defTabSz="914400" rtl="0" eaLnBrk="1" latinLnBrk="0" hangingPunct="1">
         <a:lnSpc>
-          <a:spcPct val="90000"/>
+          <a:spcPct val="85000"/>
         </a:lnSpc>
         <a:spcBef>
           <a:spcPct val="0"/>
         </a:spcBef>
         <a:buNone/>
-        <a:defRPr kumimoji="1" sz="4400" kern="1200">
+        <a:defRPr kumimoji="1" sz="4800" kern="1200" spc="-50" baseline="0">
           <a:solidFill>
-            <a:schemeClr val="tx1"/>
+            <a:schemeClr val="tx1">
+              <a:lumMod val="75000"/>
+              <a:lumOff val="25000"/>
+            </a:schemeClr>
           </a:solidFill>
           <a:latin typeface="+mj-lt"/>
           <a:ea typeface="+mj-ea"/>
@@ -4965,162 +5661,244 @@
       </a:lvl1pPr>
     </p:titleStyle>
     <p:bodyStyle>
-      <a:lvl1pPr marL="228600" indent="-228600" algn="l" defTabSz="914400" rtl="0" eaLnBrk="1" latinLnBrk="0" hangingPunct="1">
+      <a:lvl1pPr marL="91440" indent="-91440" algn="l" defTabSz="914400" rtl="0" eaLnBrk="1" latinLnBrk="0" hangingPunct="1">
         <a:lnSpc>
           <a:spcPct val="90000"/>
         </a:lnSpc>
         <a:spcBef>
-          <a:spcPts val="1000"/>
+          <a:spcPts val="1200"/>
         </a:spcBef>
-        <a:buFont typeface="Arial" panose="020B0604020202020204" pitchFamily="34" charset="0"/>
-        <a:buChar char="•"/>
-        <a:defRPr kumimoji="1" sz="2800" kern="1200">
+        <a:spcAft>
+          <a:spcPts val="200"/>
+        </a:spcAft>
+        <a:buClr>
+          <a:schemeClr val="accent1"/>
+        </a:buClr>
+        <a:buSzPct val="100000"/>
+        <a:buFont typeface="Calibri" panose="020F0502020204030204" pitchFamily="34" charset="0"/>
+        <a:buChar char=" "/>
+        <a:defRPr kumimoji="1" sz="2000" kern="1200">
           <a:solidFill>
-            <a:schemeClr val="tx1"/>
+            <a:schemeClr val="tx1">
+              <a:lumMod val="75000"/>
+              <a:lumOff val="25000"/>
+            </a:schemeClr>
           </a:solidFill>
           <a:latin typeface="+mn-lt"/>
           <a:ea typeface="+mn-ea"/>
           <a:cs typeface="+mn-cs"/>
         </a:defRPr>
       </a:lvl1pPr>
-      <a:lvl2pPr marL="685800" indent="-228600" algn="l" defTabSz="914400" rtl="0" eaLnBrk="1" latinLnBrk="0" hangingPunct="1">
+      <a:lvl2pPr marL="384048" indent="-182880" algn="l" defTabSz="914400" rtl="0" eaLnBrk="1" latinLnBrk="0" hangingPunct="1">
         <a:lnSpc>
           <a:spcPct val="90000"/>
         </a:lnSpc>
         <a:spcBef>
-          <a:spcPts val="500"/>
+          <a:spcPts val="200"/>
         </a:spcBef>
-        <a:buFont typeface="Arial" panose="020B0604020202020204" pitchFamily="34" charset="0"/>
-        <a:buChar char="•"/>
-        <a:defRPr kumimoji="1" sz="2400" kern="1200">
+        <a:spcAft>
+          <a:spcPts val="400"/>
+        </a:spcAft>
+        <a:buClr>
+          <a:schemeClr val="accent1"/>
+        </a:buClr>
+        <a:buFont typeface="Calibri" pitchFamily="34" charset="0"/>
+        <a:buChar char="◦"/>
+        <a:defRPr kumimoji="1" sz="1800" kern="1200">
           <a:solidFill>
-            <a:schemeClr val="tx1"/>
+            <a:schemeClr val="tx1">
+              <a:lumMod val="75000"/>
+              <a:lumOff val="25000"/>
+            </a:schemeClr>
           </a:solidFill>
           <a:latin typeface="+mn-lt"/>
           <a:ea typeface="+mn-ea"/>
           <a:cs typeface="+mn-cs"/>
         </a:defRPr>
       </a:lvl2pPr>
-      <a:lvl3pPr marL="1143000" indent="-228600" algn="l" defTabSz="914400" rtl="0" eaLnBrk="1" latinLnBrk="0" hangingPunct="1">
+      <a:lvl3pPr marL="566928" indent="-182880" algn="l" defTabSz="914400" rtl="0" eaLnBrk="1" latinLnBrk="0" hangingPunct="1">
         <a:lnSpc>
           <a:spcPct val="90000"/>
         </a:lnSpc>
         <a:spcBef>
-          <a:spcPts val="500"/>
+          <a:spcPts val="200"/>
         </a:spcBef>
-        <a:buFont typeface="Arial" panose="020B0604020202020204" pitchFamily="34" charset="0"/>
-        <a:buChar char="•"/>
-        <a:defRPr kumimoji="1" sz="2000" kern="1200">
+        <a:spcAft>
+          <a:spcPts val="400"/>
+        </a:spcAft>
+        <a:buClr>
+          <a:schemeClr val="accent1"/>
+        </a:buClr>
+        <a:buFont typeface="Calibri" pitchFamily="34" charset="0"/>
+        <a:buChar char="◦"/>
+        <a:defRPr kumimoji="1" sz="1400" kern="1200">
           <a:solidFill>
-            <a:schemeClr val="tx1"/>
+            <a:schemeClr val="tx1">
+              <a:lumMod val="75000"/>
+              <a:lumOff val="25000"/>
+            </a:schemeClr>
           </a:solidFill>
           <a:latin typeface="+mn-lt"/>
           <a:ea typeface="+mn-ea"/>
           <a:cs typeface="+mn-cs"/>
         </a:defRPr>
       </a:lvl3pPr>
-      <a:lvl4pPr marL="1600200" indent="-228600" algn="l" defTabSz="914400" rtl="0" eaLnBrk="1" latinLnBrk="0" hangingPunct="1">
+      <a:lvl4pPr marL="749808" indent="-182880" algn="l" defTabSz="914400" rtl="0" eaLnBrk="1" latinLnBrk="0" hangingPunct="1">
         <a:lnSpc>
           <a:spcPct val="90000"/>
         </a:lnSpc>
         <a:spcBef>
-          <a:spcPts val="500"/>
+          <a:spcPts val="200"/>
         </a:spcBef>
-        <a:buFont typeface="Arial" panose="020B0604020202020204" pitchFamily="34" charset="0"/>
-        <a:buChar char="•"/>
-        <a:defRPr kumimoji="1" sz="1800" kern="1200">
+        <a:spcAft>
+          <a:spcPts val="400"/>
+        </a:spcAft>
+        <a:buClr>
+          <a:schemeClr val="accent1"/>
+        </a:buClr>
+        <a:buFont typeface="Calibri" pitchFamily="34" charset="0"/>
+        <a:buChar char="◦"/>
+        <a:defRPr kumimoji="1" sz="1400" kern="1200">
           <a:solidFill>
-            <a:schemeClr val="tx1"/>
+            <a:schemeClr val="tx1">
+              <a:lumMod val="75000"/>
+              <a:lumOff val="25000"/>
+            </a:schemeClr>
           </a:solidFill>
           <a:latin typeface="+mn-lt"/>
           <a:ea typeface="+mn-ea"/>
           <a:cs typeface="+mn-cs"/>
         </a:defRPr>
       </a:lvl4pPr>
-      <a:lvl5pPr marL="2057400" indent="-228600" algn="l" defTabSz="914400" rtl="0" eaLnBrk="1" latinLnBrk="0" hangingPunct="1">
+      <a:lvl5pPr marL="932688" indent="-182880" algn="l" defTabSz="914400" rtl="0" eaLnBrk="1" latinLnBrk="0" hangingPunct="1">
         <a:lnSpc>
           <a:spcPct val="90000"/>
         </a:lnSpc>
         <a:spcBef>
-          <a:spcPts val="500"/>
+          <a:spcPts val="200"/>
         </a:spcBef>
-        <a:buFont typeface="Arial" panose="020B0604020202020204" pitchFamily="34" charset="0"/>
-        <a:buChar char="•"/>
-        <a:defRPr kumimoji="1" sz="1800" kern="1200">
+        <a:spcAft>
+          <a:spcPts val="400"/>
+        </a:spcAft>
+        <a:buClr>
+          <a:schemeClr val="accent1"/>
+        </a:buClr>
+        <a:buFont typeface="Calibri" pitchFamily="34" charset="0"/>
+        <a:buChar char="◦"/>
+        <a:defRPr kumimoji="1" sz="1400" kern="1200">
           <a:solidFill>
-            <a:schemeClr val="tx1"/>
+            <a:schemeClr val="tx1">
+              <a:lumMod val="75000"/>
+              <a:lumOff val="25000"/>
+            </a:schemeClr>
           </a:solidFill>
           <a:latin typeface="+mn-lt"/>
           <a:ea typeface="+mn-ea"/>
           <a:cs typeface="+mn-cs"/>
         </a:defRPr>
       </a:lvl5pPr>
-      <a:lvl6pPr marL="2514600" indent="-228600" algn="l" defTabSz="914400" rtl="0" eaLnBrk="1" latinLnBrk="0" hangingPunct="1">
+      <a:lvl6pPr marL="1100000" indent="-228600" algn="l" defTabSz="914400" rtl="0" eaLnBrk="1" latinLnBrk="0" hangingPunct="1">
         <a:lnSpc>
           <a:spcPct val="90000"/>
         </a:lnSpc>
         <a:spcBef>
-          <a:spcPts val="500"/>
+          <a:spcPts val="200"/>
         </a:spcBef>
-        <a:buFont typeface="Arial" panose="020B0604020202020204" pitchFamily="34" charset="0"/>
-        <a:buChar char="•"/>
-        <a:defRPr kumimoji="1" sz="1800" kern="1200">
+        <a:spcAft>
+          <a:spcPts val="400"/>
+        </a:spcAft>
+        <a:buClr>
+          <a:schemeClr val="accent1"/>
+        </a:buClr>
+        <a:buFont typeface="Calibri" pitchFamily="34" charset="0"/>
+        <a:buChar char="◦"/>
+        <a:defRPr kumimoji="1" sz="1400" kern="1200">
           <a:solidFill>
-            <a:schemeClr val="tx1"/>
+            <a:schemeClr val="tx1">
+              <a:lumMod val="75000"/>
+              <a:lumOff val="25000"/>
+            </a:schemeClr>
           </a:solidFill>
           <a:latin typeface="+mn-lt"/>
           <a:ea typeface="+mn-ea"/>
           <a:cs typeface="+mn-cs"/>
         </a:defRPr>
       </a:lvl6pPr>
-      <a:lvl7pPr marL="2971800" indent="-228600" algn="l" defTabSz="914400" rtl="0" eaLnBrk="1" latinLnBrk="0" hangingPunct="1">
+      <a:lvl7pPr marL="1300000" indent="-228600" algn="l" defTabSz="914400" rtl="0" eaLnBrk="1" latinLnBrk="0" hangingPunct="1">
         <a:lnSpc>
           <a:spcPct val="90000"/>
         </a:lnSpc>
         <a:spcBef>
-          <a:spcPts val="500"/>
+          <a:spcPts val="200"/>
         </a:spcBef>
-        <a:buFont typeface="Arial" panose="020B0604020202020204" pitchFamily="34" charset="0"/>
-        <a:buChar char="•"/>
-        <a:defRPr kumimoji="1" sz="1800" kern="1200">
+        <a:spcAft>
+          <a:spcPts val="400"/>
+        </a:spcAft>
+        <a:buClr>
+          <a:schemeClr val="accent1"/>
+        </a:buClr>
+        <a:buFont typeface="Calibri" pitchFamily="34" charset="0"/>
+        <a:buChar char="◦"/>
+        <a:defRPr kumimoji="1" sz="1400" kern="1200">
           <a:solidFill>
-            <a:schemeClr val="tx1"/>
+            <a:schemeClr val="tx1">
+              <a:lumMod val="75000"/>
+              <a:lumOff val="25000"/>
+            </a:schemeClr>
           </a:solidFill>
           <a:latin typeface="+mn-lt"/>
           <a:ea typeface="+mn-ea"/>
           <a:cs typeface="+mn-cs"/>
         </a:defRPr>
       </a:lvl7pPr>
-      <a:lvl8pPr marL="3429000" indent="-228600" algn="l" defTabSz="914400" rtl="0" eaLnBrk="1" latinLnBrk="0" hangingPunct="1">
+      <a:lvl8pPr marL="1500000" indent="-228600" algn="l" defTabSz="914400" rtl="0" eaLnBrk="1" latinLnBrk="0" hangingPunct="1">
         <a:lnSpc>
           <a:spcPct val="90000"/>
         </a:lnSpc>
         <a:spcBef>
-          <a:spcPts val="500"/>
+          <a:spcPts val="200"/>
         </a:spcBef>
-        <a:buFont typeface="Arial" panose="020B0604020202020204" pitchFamily="34" charset="0"/>
-        <a:buChar char="•"/>
-        <a:defRPr kumimoji="1" sz="1800" kern="1200">
+        <a:spcAft>
+          <a:spcPts val="400"/>
+        </a:spcAft>
+        <a:buClr>
+          <a:schemeClr val="accent1"/>
+        </a:buClr>
+        <a:buFont typeface="Calibri" pitchFamily="34" charset="0"/>
+        <a:buChar char="◦"/>
+        <a:defRPr kumimoji="1" sz="1400" kern="1200">
           <a:solidFill>
-            <a:schemeClr val="tx1"/>
+            <a:schemeClr val="tx1">
+              <a:lumMod val="75000"/>
+              <a:lumOff val="25000"/>
+            </a:schemeClr>
           </a:solidFill>
           <a:latin typeface="+mn-lt"/>
           <a:ea typeface="+mn-ea"/>
           <a:cs typeface="+mn-cs"/>
         </a:defRPr>
       </a:lvl8pPr>
-      <a:lvl9pPr marL="3886200" indent="-228600" algn="l" defTabSz="914400" rtl="0" eaLnBrk="1" latinLnBrk="0" hangingPunct="1">
+      <a:lvl9pPr marL="1700000" indent="-228600" algn="l" defTabSz="914400" rtl="0" eaLnBrk="1" latinLnBrk="0" hangingPunct="1">
         <a:lnSpc>
           <a:spcPct val="90000"/>
         </a:lnSpc>
         <a:spcBef>
-          <a:spcPts val="500"/>
+          <a:spcPts val="200"/>
         </a:spcBef>
-        <a:buFont typeface="Arial" panose="020B0604020202020204" pitchFamily="34" charset="0"/>
-        <a:buChar char="•"/>
-        <a:defRPr kumimoji="1" sz="1800" kern="1200">
+        <a:spcAft>
+          <a:spcPts val="400"/>
+        </a:spcAft>
+        <a:buClr>
+          <a:schemeClr val="accent1"/>
+        </a:buClr>
+        <a:buFont typeface="Calibri" pitchFamily="34" charset="0"/>
+        <a:buChar char="◦"/>
+        <a:defRPr kumimoji="1" sz="1400" kern="1200">
           <a:solidFill>
-            <a:schemeClr val="tx1"/>
+            <a:schemeClr val="tx1">
+              <a:lumMod val="75000"/>
+              <a:lumOff val="25000"/>
+            </a:schemeClr>
           </a:solidFill>
           <a:latin typeface="+mn-lt"/>
           <a:ea typeface="+mn-ea"/>
@@ -5130,7 +5908,7 @@
     </p:bodyStyle>
     <p:otherStyle>
       <a:defPPr>
-        <a:defRPr lang="ja-JP"/>
+        <a:defRPr lang="en-US"/>
       </a:defPPr>
       <a:lvl1pPr marL="0" algn="l" defTabSz="914400" rtl="0" eaLnBrk="1" latinLnBrk="0" hangingPunct="1">
         <a:defRPr kumimoji="1" sz="1800" kern="1200">
@@ -5408,6 +6186,9 @@
             <a:br>
               <a:rPr lang="en-US" altLang="ja-JP" dirty="0"/>
             </a:br>
+            <a:br>
+              <a:rPr lang="en-US" altLang="ja-JP" dirty="0"/>
+            </a:br>
             <a:r>
               <a:rPr lang="ja-JP" altLang="en-US" dirty="0"/>
               <a:t>問題は設定画面の方が、かなり修正するのに難易度が高くて</a:t>
@@ -5533,27 +6314,62 @@
         <p:spPr/>
         <p:txBody>
           <a:bodyPr>
-            <a:normAutofit fontScale="92500" lnSpcReduction="10000"/>
+            <a:normAutofit/>
           </a:bodyPr>
           <a:lstStyle/>
           <a:p>
             <a:r>
               <a:rPr kumimoji="1" lang="ja-JP" altLang="en-US" dirty="0"/>
-              <a:t>一番苦労した点はデザインの部分で、何時間もかけて完成したやつがバックアップ事に書き換えられて、駄目になったことと、他には、思ったように動かず調べたりしても中々解決できない問題があったりしたのが大変だった。</a:t>
+              <a:t>一番苦労した点はデザインの部分で、何時間もかけて完成したやつがバックアップ事に書き換えられて、駄目になったことと、</a:t>
             </a:r>
             <a:br>
               <a:rPr kumimoji="1" lang="en-US" altLang="ja-JP" dirty="0"/>
             </a:br>
             <a:r>
               <a:rPr kumimoji="1" lang="ja-JP" altLang="en-US" dirty="0"/>
-              <a:t>・スケジュール通りに進まないことがあったり、全体をもっと把握できてれば、多少改善は出来ていただろう。</a:t>
+              <a:t>他には、思ったように動かず調べたりしても中々解決できない問題があったりしたのが</a:t>
+            </a:r>
+            <a:br>
+              <a:rPr kumimoji="1" lang="en-US" altLang="ja-JP" dirty="0"/>
+            </a:br>
+            <a:r>
+              <a:rPr kumimoji="1" lang="ja-JP" altLang="en-US" dirty="0"/>
+              <a:t>大変だった。</a:t>
+            </a:r>
+            <a:br>
+              <a:rPr kumimoji="1" lang="en-US" altLang="ja-JP" dirty="0"/>
+            </a:br>
+            <a:r>
+              <a:rPr kumimoji="1" lang="ja-JP" altLang="en-US" dirty="0"/>
+              <a:t>・スケジュール通りに進まないことがあったり</a:t>
+            </a:r>
+            <a:br>
+              <a:rPr kumimoji="1" lang="en-US" altLang="ja-JP" dirty="0"/>
+            </a:br>
+            <a:r>
+              <a:rPr kumimoji="1" lang="ja-JP" altLang="en-US" dirty="0"/>
+              <a:t>　全体をもっと把握できてれば、多少改善は出来ていただろう。</a:t>
             </a:r>
             <a:br>
               <a:rPr lang="en-US" altLang="ja-JP" dirty="0"/>
             </a:br>
             <a:r>
               <a:rPr lang="ja-JP" altLang="en-US" dirty="0"/>
-              <a:t>・他にも作成する上で時間的な問題や技術的な問題など様々な問題が個人的には沢山あったため、今後は</a:t>
+              <a:t>・他にも作成する上で時間的な問題や技術的な問題など</a:t>
+            </a:r>
+            <a:br>
+              <a:rPr lang="en-US" altLang="ja-JP" dirty="0"/>
+            </a:br>
+            <a:r>
+              <a:rPr lang="ja-JP" altLang="en-US" dirty="0"/>
+              <a:t>　様々な問題が個人的には沢山あったため、</a:t>
+            </a:r>
+            <a:br>
+              <a:rPr lang="en-US" altLang="ja-JP" dirty="0"/>
+            </a:br>
+            <a:r>
+              <a:rPr lang="ja-JP" altLang="en-US" dirty="0"/>
+              <a:t>　私自身</a:t>
             </a:r>
             <a:r>
               <a:rPr kumimoji="1" lang="ja-JP" altLang="en-US" dirty="0"/>
@@ -5567,21 +6383,21 @@
             </a:br>
             <a:r>
               <a:rPr kumimoji="1" lang="ja-JP" altLang="en-US" dirty="0"/>
-              <a:t>キューブをクリックしたら集まる、または逆</a:t>
+              <a:t>　キューブをクリックしたら集まる、</a:t>
             </a:r>
             <a:br>
               <a:rPr kumimoji="1" lang="en-US" altLang="ja-JP" dirty="0"/>
             </a:br>
             <a:r>
               <a:rPr kumimoji="1" lang="ja-JP" altLang="en-US" dirty="0"/>
-              <a:t>パネルを階段状に</a:t>
+              <a:t>　または逆パネルを階段状に</a:t>
             </a:r>
             <a:r>
               <a:rPr lang="ja-JP" altLang="en-US" dirty="0"/>
               <a:t>設置</a:t>
             </a:r>
             <a:br>
-              <a:rPr lang="en-US" altLang="ja-JP"/>
+              <a:rPr lang="en-US" altLang="ja-JP" dirty="0"/>
             </a:br>
             <a:endParaRPr kumimoji="1" lang="ja-JP" altLang="en-US" dirty="0"/>
           </a:p>
@@ -5885,7 +6701,7 @@
             </a:pPr>
             <a:r>
               <a:rPr lang="ja-JP" altLang="en-US" dirty="0"/>
-              <a:t>　各店舗ごとに目標売上を割り振るシステム</a:t>
+              <a:t>　各店舗ごとに目標売上を登録するシステム</a:t>
             </a:r>
             <a:endParaRPr lang="en-US" altLang="ja-JP" dirty="0"/>
           </a:p>
@@ -6137,8 +6953,8 @@
         </p:nvSpPr>
         <p:spPr>
           <a:xfrm>
-            <a:off x="838200" y="365125"/>
-            <a:ext cx="10515600" cy="1325563"/>
+            <a:off x="1097280" y="286604"/>
+            <a:ext cx="10058400" cy="772422"/>
           </a:xfrm>
         </p:spPr>
         <p:txBody>
@@ -6917,6 +7733,38 @@
           <a:chExt cx="0" cy="0"/>
         </a:xfrm>
       </p:grpSpPr>
+      <p:sp>
+        <p:nvSpPr>
+          <p:cNvPr id="2" name="タイトル 1">
+            <a:extLst>
+              <a:ext uri="{FF2B5EF4-FFF2-40B4-BE49-F238E27FC236}">
+                <a16:creationId xmlns:a16="http://schemas.microsoft.com/office/drawing/2014/main" id="{2EAC88C0-CDDB-4A00-8762-A1587B9421D8}"/>
+              </a:ext>
+            </a:extLst>
+          </p:cNvPr>
+          <p:cNvSpPr>
+            <a:spLocks noGrp="1"/>
+          </p:cNvSpPr>
+          <p:nvPr>
+            <p:ph type="title"/>
+          </p:nvPr>
+        </p:nvSpPr>
+        <p:spPr>
+          <a:solidFill>
+            <a:schemeClr val="bg1"/>
+          </a:solidFill>
+        </p:spPr>
+        <p:txBody>
+          <a:bodyPr/>
+          <a:lstStyle/>
+          <a:p>
+            <a:r>
+              <a:rPr kumimoji="1" lang="ja-JP" altLang="en-US" b="1" dirty="0"/>
+              <a:t>役割分担</a:t>
+            </a:r>
+          </a:p>
+        </p:txBody>
+      </p:sp>
       <p:pic>
         <p:nvPicPr>
           <p:cNvPr id="5" name="コンテンツ プレースホルダー 4">
@@ -6952,38 +7800,6 @@
           </a:xfrm>
         </p:spPr>
       </p:pic>
-      <p:sp>
-        <p:nvSpPr>
-          <p:cNvPr id="2" name="タイトル 1">
-            <a:extLst>
-              <a:ext uri="{FF2B5EF4-FFF2-40B4-BE49-F238E27FC236}">
-                <a16:creationId xmlns:a16="http://schemas.microsoft.com/office/drawing/2014/main" id="{2EAC88C0-CDDB-4A00-8762-A1587B9421D8}"/>
-              </a:ext>
-            </a:extLst>
-          </p:cNvPr>
-          <p:cNvSpPr>
-            <a:spLocks noGrp="1"/>
-          </p:cNvSpPr>
-          <p:nvPr>
-            <p:ph type="title"/>
-          </p:nvPr>
-        </p:nvSpPr>
-        <p:spPr>
-          <a:solidFill>
-            <a:schemeClr val="bg1"/>
-          </a:solidFill>
-        </p:spPr>
-        <p:txBody>
-          <a:bodyPr/>
-          <a:lstStyle/>
-          <a:p>
-            <a:r>
-              <a:rPr kumimoji="1" lang="ja-JP" altLang="en-US" b="1" dirty="0"/>
-              <a:t>役割分担</a:t>
-            </a:r>
-          </a:p>
-        </p:txBody>
-      </p:sp>
       <p:sp>
         <p:nvSpPr>
           <p:cNvPr id="3" name="四角形: 角を丸くする 2">
@@ -7277,54 +8093,54 @@
 </file>
 
 <file path=ppt/theme/theme1.xml><?xml version="1.0" encoding="utf-8"?>
-<a:theme xmlns:a="http://schemas.openxmlformats.org/drawingml/2006/main" name="Office テーマ">
+<a:theme xmlns:a="http://schemas.openxmlformats.org/drawingml/2006/main" name="レトロスペクト">
   <a:themeElements>
-    <a:clrScheme name="Office">
+    <a:clrScheme name="レトロスペクト">
       <a:dk1>
-        <a:sysClr val="windowText" lastClr="000000"/>
+        <a:srgbClr val="000000"/>
       </a:dk1>
       <a:lt1>
         <a:sysClr val="window" lastClr="FFFFFF"/>
       </a:lt1>
       <a:dk2>
-        <a:srgbClr val="44546A"/>
+        <a:srgbClr val="637052"/>
       </a:dk2>
       <a:lt2>
-        <a:srgbClr val="E7E6E6"/>
+        <a:srgbClr val="CCDDEA"/>
       </a:lt2>
       <a:accent1>
-        <a:srgbClr val="4472C4"/>
+        <a:srgbClr val="E48312"/>
       </a:accent1>
       <a:accent2>
-        <a:srgbClr val="ED7D31"/>
+        <a:srgbClr val="BD582C"/>
       </a:accent2>
       <a:accent3>
-        <a:srgbClr val="A5A5A5"/>
+        <a:srgbClr val="865640"/>
       </a:accent3>
       <a:accent4>
-        <a:srgbClr val="FFC000"/>
+        <a:srgbClr val="9B8357"/>
       </a:accent4>
       <a:accent5>
-        <a:srgbClr val="5B9BD5"/>
+        <a:srgbClr val="C2BC80"/>
       </a:accent5>
       <a:accent6>
-        <a:srgbClr val="70AD47"/>
+        <a:srgbClr val="94A088"/>
       </a:accent6>
       <a:hlink>
-        <a:srgbClr val="0563C1"/>
+        <a:srgbClr val="2998E3"/>
       </a:hlink>
       <a:folHlink>
-        <a:srgbClr val="954F72"/>
+        <a:srgbClr val="8C8C8C"/>
       </a:folHlink>
     </a:clrScheme>
-    <a:fontScheme name="Office">
+    <a:fontScheme name="レトロスペクト">
       <a:majorFont>
-        <a:latin typeface="游ゴシック Light" panose="020F0302020204030204"/>
+        <a:latin typeface="Calibri Light" panose="020F0302020204030204"/>
         <a:ea typeface=""/>
         <a:cs typeface=""/>
-        <a:font script="Jpan" typeface="游ゴシック Light"/>
+        <a:font script="Jpan" typeface="ＭＳ Ｐゴシック"/>
         <a:font script="Hang" typeface="맑은 고딕"/>
-        <a:font script="Hans" typeface="等线 Light"/>
+        <a:font script="Hans" typeface="宋体"/>
         <a:font script="Hant" typeface="新細明體"/>
         <a:font script="Arab" typeface="Times New Roman"/>
         <a:font script="Hebr" typeface="Times New Roman"/>
@@ -7352,31 +8168,14 @@
         <a:font script="Viet" typeface="Times New Roman"/>
         <a:font script="Uigh" typeface="Microsoft Uighur"/>
         <a:font script="Geor" typeface="Sylfaen"/>
-        <a:font script="Armn" typeface="Arial"/>
-        <a:font script="Bugi" typeface="Leelawadee UI"/>
-        <a:font script="Bopo" typeface="Microsoft JhengHei"/>
-        <a:font script="Java" typeface="Javanese Text"/>
-        <a:font script="Lisu" typeface="Segoe UI"/>
-        <a:font script="Mymr" typeface="Myanmar Text"/>
-        <a:font script="Nkoo" typeface="Ebrima"/>
-        <a:font script="Olck" typeface="Nirmala UI"/>
-        <a:font script="Osma" typeface="Ebrima"/>
-        <a:font script="Phag" typeface="Phagspa"/>
-        <a:font script="Syrn" typeface="Estrangelo Edessa"/>
-        <a:font script="Syrj" typeface="Estrangelo Edessa"/>
-        <a:font script="Syre" typeface="Estrangelo Edessa"/>
-        <a:font script="Sora" typeface="Nirmala UI"/>
-        <a:font script="Tale" typeface="Microsoft Tai Le"/>
-        <a:font script="Talu" typeface="Microsoft New Tai Lue"/>
-        <a:font script="Tfng" typeface="Ebrima"/>
       </a:majorFont>
       <a:minorFont>
-        <a:latin typeface="游ゴシック" panose="020F0502020204030204"/>
+        <a:latin typeface="Calibri" panose="020F0502020204030204"/>
         <a:ea typeface=""/>
         <a:cs typeface=""/>
-        <a:font script="Jpan" typeface="游ゴシック"/>
+        <a:font script="Jpan" typeface="ＭＳ Ｐゴシック"/>
         <a:font script="Hang" typeface="맑은 고딕"/>
-        <a:font script="Hans" typeface="等线"/>
+        <a:font script="Hans" typeface="宋体"/>
         <a:font script="Hant" typeface="新細明體"/>
         <a:font script="Arab" typeface="Arial"/>
         <a:font script="Hebr" typeface="Arial"/>
@@ -7404,26 +8203,9 @@
         <a:font script="Viet" typeface="Arial"/>
         <a:font script="Uigh" typeface="Microsoft Uighur"/>
         <a:font script="Geor" typeface="Sylfaen"/>
-        <a:font script="Armn" typeface="Arial"/>
-        <a:font script="Bugi" typeface="Leelawadee UI"/>
-        <a:font script="Bopo" typeface="Microsoft JhengHei"/>
-        <a:font script="Java" typeface="Javanese Text"/>
-        <a:font script="Lisu" typeface="Segoe UI"/>
-        <a:font script="Mymr" typeface="Myanmar Text"/>
-        <a:font script="Nkoo" typeface="Ebrima"/>
-        <a:font script="Olck" typeface="Nirmala UI"/>
-        <a:font script="Osma" typeface="Ebrima"/>
-        <a:font script="Phag" typeface="Phagspa"/>
-        <a:font script="Syrn" typeface="Estrangelo Edessa"/>
-        <a:font script="Syrj" typeface="Estrangelo Edessa"/>
-        <a:font script="Syre" typeface="Estrangelo Edessa"/>
-        <a:font script="Sora" typeface="Nirmala UI"/>
-        <a:font script="Tale" typeface="Microsoft Tai Le"/>
-        <a:font script="Talu" typeface="Microsoft New Tai Lue"/>
-        <a:font script="Tfng" typeface="Ebrima"/>
       </a:minorFont>
     </a:fontScheme>
-    <a:fmtScheme name="Office">
+    <a:fmtScheme name="レトロスペクト">
       <a:fillStyleLst>
         <a:solidFill>
           <a:schemeClr val="phClr"/>
@@ -7432,76 +8214,81 @@
           <a:gsLst>
             <a:gs pos="0">
               <a:schemeClr val="phClr">
-                <a:lumMod val="110000"/>
-                <a:satMod val="105000"/>
-                <a:tint val="67000"/>
+                <a:tint val="65000"/>
+                <a:shade val="92000"/>
+                <a:satMod val="130000"/>
               </a:schemeClr>
             </a:gs>
-            <a:gs pos="50000">
+            <a:gs pos="45000">
               <a:schemeClr val="phClr">
-                <a:lumMod val="105000"/>
-                <a:satMod val="103000"/>
-                <a:tint val="73000"/>
+                <a:tint val="60000"/>
+                <a:shade val="99000"/>
+                <a:satMod val="120000"/>
               </a:schemeClr>
             </a:gs>
             <a:gs pos="100000">
               <a:schemeClr val="phClr">
-                <a:lumMod val="105000"/>
-                <a:satMod val="109000"/>
-                <a:tint val="81000"/>
+                <a:tint val="55000"/>
+                <a:satMod val="140000"/>
               </a:schemeClr>
             </a:gs>
           </a:gsLst>
-          <a:lin ang="5400000" scaled="0"/>
+          <a:path path="circle">
+            <a:fillToRect l="100000" t="100000" r="100000" b="100000"/>
+          </a:path>
         </a:gradFill>
         <a:gradFill rotWithShape="1">
           <a:gsLst>
             <a:gs pos="0">
               <a:schemeClr val="phClr">
-                <a:satMod val="103000"/>
-                <a:lumMod val="102000"/>
-                <a:tint val="94000"/>
+                <a:shade val="85000"/>
+                <a:satMod val="130000"/>
               </a:schemeClr>
             </a:gs>
-            <a:gs pos="50000">
+            <a:gs pos="34000">
               <a:schemeClr val="phClr">
-                <a:satMod val="110000"/>
-                <a:lumMod val="100000"/>
-                <a:shade val="100000"/>
+                <a:shade val="87000"/>
+                <a:satMod val="125000"/>
+              </a:schemeClr>
+            </a:gs>
+            <a:gs pos="70000">
+              <a:schemeClr val="phClr">
+                <a:tint val="100000"/>
+                <a:shade val="90000"/>
+                <a:satMod val="130000"/>
               </a:schemeClr>
             </a:gs>
             <a:gs pos="100000">
               <a:schemeClr val="phClr">
-                <a:lumMod val="99000"/>
-                <a:satMod val="120000"/>
-                <a:shade val="78000"/>
+                <a:tint val="100000"/>
+                <a:shade val="100000"/>
+                <a:satMod val="110000"/>
               </a:schemeClr>
             </a:gs>
           </a:gsLst>
-          <a:lin ang="5400000" scaled="0"/>
+          <a:path path="circle">
+            <a:fillToRect l="100000" t="100000" r="100000" b="100000"/>
+          </a:path>
         </a:gradFill>
       </a:fillStyleLst>
       <a:lnStyleLst>
-        <a:ln w="6350" cap="flat" cmpd="sng" algn="ctr">
-          <a:solidFill>
-            <a:schemeClr val="phClr"/>
-          </a:solidFill>
-          <a:prstDash val="solid"/>
-          <a:miter lim="800000"/>
-        </a:ln>
         <a:ln w="12700" cap="flat" cmpd="sng" algn="ctr">
           <a:solidFill>
             <a:schemeClr val="phClr"/>
           </a:solidFill>
           <a:prstDash val="solid"/>
-          <a:miter lim="800000"/>
         </a:ln>
-        <a:ln w="19050" cap="flat" cmpd="sng" algn="ctr">
+        <a:ln w="15875" cap="flat" cmpd="sng" algn="ctr">
           <a:solidFill>
             <a:schemeClr val="phClr"/>
           </a:solidFill>
           <a:prstDash val="solid"/>
-          <a:miter lim="800000"/>
+        </a:ln>
+        <a:ln w="25400" cap="flat" cmpd="sng" algn="ctr">
+          <a:solidFill>
+            <a:schemeClr val="phClr"/>
+          </a:solidFill>
+          <a:prstDash val="solid"/>
         </a:ln>
       </a:lnStyleLst>
       <a:effectStyleLst>
@@ -7509,16 +8296,33 @@
           <a:effectLst/>
         </a:effectStyle>
         <a:effectStyle>
-          <a:effectLst/>
+          <a:effectLst>
+            <a:outerShdw blurRad="38100" dist="25400" dir="2700000" algn="br" rotWithShape="0">
+              <a:srgbClr val="000000">
+                <a:alpha val="60000"/>
+              </a:srgbClr>
+            </a:outerShdw>
+          </a:effectLst>
         </a:effectStyle>
         <a:effectStyle>
           <a:effectLst>
-            <a:outerShdw blurRad="57150" dist="19050" dir="5400000" algn="ctr" rotWithShape="0">
+            <a:outerShdw blurRad="44450" dist="25400" dir="2700000" algn="br" rotWithShape="0">
               <a:srgbClr val="000000">
-                <a:alpha val="63000"/>
+                <a:alpha val="60000"/>
               </a:srgbClr>
             </a:outerShdw>
           </a:effectLst>
+          <a:scene3d>
+            <a:camera prst="orthographicFront">
+              <a:rot lat="0" lon="0" rev="0"/>
+            </a:camera>
+            <a:lightRig rig="threePt" dir="t">
+              <a:rot lat="0" lon="0" rev="19800000"/>
+            </a:lightRig>
+          </a:scene3d>
+          <a:sp3d prstMaterial="flat">
+            <a:bevelT w="25400" h="31750"/>
+          </a:sp3d>
         </a:effectStyle>
       </a:effectStyleLst>
       <a:bgFillStyleLst>
@@ -7527,36 +8331,36 @@
         </a:solidFill>
         <a:solidFill>
           <a:schemeClr val="phClr">
-            <a:tint val="95000"/>
-            <a:satMod val="170000"/>
+            <a:tint val="90000"/>
+            <a:shade val="97000"/>
+            <a:satMod val="130000"/>
           </a:schemeClr>
         </a:solidFill>
         <a:gradFill rotWithShape="1">
           <a:gsLst>
             <a:gs pos="0">
               <a:schemeClr val="phClr">
-                <a:tint val="93000"/>
-                <a:satMod val="150000"/>
-                <a:shade val="98000"/>
-                <a:lumMod val="102000"/>
+                <a:tint val="96000"/>
+                <a:shade val="99000"/>
+                <a:satMod val="140000"/>
               </a:schemeClr>
             </a:gs>
-            <a:gs pos="50000">
+            <a:gs pos="65000">
               <a:schemeClr val="phClr">
-                <a:tint val="98000"/>
+                <a:tint val="100000"/>
+                <a:shade val="80000"/>
                 <a:satMod val="130000"/>
-                <a:shade val="90000"/>
-                <a:lumMod val="103000"/>
               </a:schemeClr>
             </a:gs>
             <a:gs pos="100000">
               <a:schemeClr val="phClr">
-                <a:shade val="63000"/>
+                <a:tint val="100000"/>
+                <a:shade val="48000"/>
                 <a:satMod val="120000"/>
               </a:schemeClr>
             </a:gs>
           </a:gsLst>
-          <a:lin ang="5400000" scaled="0"/>
+          <a:lin ang="16200000" scaled="0"/>
         </a:gradFill>
       </a:bgFillStyleLst>
     </a:fmtScheme>
@@ -7565,7 +8369,7 @@
   <a:extraClrSchemeLst/>
   <a:extLst>
     <a:ext uri="{05A4C25C-085E-4340-85A3-A5531E510DB2}">
-      <thm15:themeFamily xmlns:thm15="http://schemas.microsoft.com/office/thememl/2012/main" name="Office Theme" id="{62F939B6-93AF-4DB8-9C6B-D6C7DFDC589F}" vid="{4A3C46E8-61CC-4603-A589-7422A47A8E4A}"/>
+      <thm15:themeFamily xmlns:thm15="http://schemas.microsoft.com/office/thememl/2012/main" name="Retrospect" id="{5F128B03-DCCA-4EEB-AB3B-CF2899314A46}" vid="{3F1AAB62-24C6-49D2-8E01-B56FAC9A3DCD}"/>
     </a:ext>
   </a:extLst>
 </a:theme>
